--- a/figures/draw_figures.pptx
+++ b/figures/draw_figures.pptx
@@ -2,18 +2,18 @@
 <file path=ppt/presentation.xml><?xml version="1.0" encoding="utf-8"?>
 <p:presentation xmlns:a="http://schemas.openxmlformats.org/drawingml/2006/main" xmlns:r="http://schemas.openxmlformats.org/officeDocument/2006/relationships" xmlns:p="http://schemas.openxmlformats.org/presentationml/2006/main" saveSubsetFonts="1" autoCompressPictures="0">
   <p:sldMasterIdLst>
-    <p:sldMasterId id="2147483648" r:id="rId1"/>
+    <p:sldMasterId id="2147483660" r:id="rId1"/>
   </p:sldMasterIdLst>
   <p:sldIdLst>
     <p:sldId id="256" r:id="rId2"/>
   </p:sldIdLst>
-  <p:sldSz cx="12192000" cy="6858000"/>
+  <p:sldSz cx="23760113" cy="14400213"/>
   <p:notesSz cx="6858000" cy="9144000"/>
   <p:defaultTextStyle>
     <a:defPPr>
-      <a:defRPr lang="zh-CN"/>
+      <a:defRPr lang="en-US"/>
     </a:defPPr>
-    <a:lvl1pPr marL="0" algn="l" defTabSz="914400" rtl="0" eaLnBrk="1" latinLnBrk="0" hangingPunct="1">
+    <a:lvl1pPr marL="0" algn="l" defTabSz="457200" rtl="0" eaLnBrk="1" latinLnBrk="0" hangingPunct="1">
       <a:defRPr sz="1800" kern="1200">
         <a:solidFill>
           <a:schemeClr val="tx1"/>
@@ -23,7 +23,7 @@
         <a:cs typeface="+mn-cs"/>
       </a:defRPr>
     </a:lvl1pPr>
-    <a:lvl2pPr marL="457200" algn="l" defTabSz="914400" rtl="0" eaLnBrk="1" latinLnBrk="0" hangingPunct="1">
+    <a:lvl2pPr marL="457200" algn="l" defTabSz="457200" rtl="0" eaLnBrk="1" latinLnBrk="0" hangingPunct="1">
       <a:defRPr sz="1800" kern="1200">
         <a:solidFill>
           <a:schemeClr val="tx1"/>
@@ -33,7 +33,7 @@
         <a:cs typeface="+mn-cs"/>
       </a:defRPr>
     </a:lvl2pPr>
-    <a:lvl3pPr marL="914400" algn="l" defTabSz="914400" rtl="0" eaLnBrk="1" latinLnBrk="0" hangingPunct="1">
+    <a:lvl3pPr marL="914400" algn="l" defTabSz="457200" rtl="0" eaLnBrk="1" latinLnBrk="0" hangingPunct="1">
       <a:defRPr sz="1800" kern="1200">
         <a:solidFill>
           <a:schemeClr val="tx1"/>
@@ -43,7 +43,7 @@
         <a:cs typeface="+mn-cs"/>
       </a:defRPr>
     </a:lvl3pPr>
-    <a:lvl4pPr marL="1371600" algn="l" defTabSz="914400" rtl="0" eaLnBrk="1" latinLnBrk="0" hangingPunct="1">
+    <a:lvl4pPr marL="1371600" algn="l" defTabSz="457200" rtl="0" eaLnBrk="1" latinLnBrk="0" hangingPunct="1">
       <a:defRPr sz="1800" kern="1200">
         <a:solidFill>
           <a:schemeClr val="tx1"/>
@@ -53,7 +53,7 @@
         <a:cs typeface="+mn-cs"/>
       </a:defRPr>
     </a:lvl4pPr>
-    <a:lvl5pPr marL="1828800" algn="l" defTabSz="914400" rtl="0" eaLnBrk="1" latinLnBrk="0" hangingPunct="1">
+    <a:lvl5pPr marL="1828800" algn="l" defTabSz="457200" rtl="0" eaLnBrk="1" latinLnBrk="0" hangingPunct="1">
       <a:defRPr sz="1800" kern="1200">
         <a:solidFill>
           <a:schemeClr val="tx1"/>
@@ -63,7 +63,7 @@
         <a:cs typeface="+mn-cs"/>
       </a:defRPr>
     </a:lvl5pPr>
-    <a:lvl6pPr marL="2286000" algn="l" defTabSz="914400" rtl="0" eaLnBrk="1" latinLnBrk="0" hangingPunct="1">
+    <a:lvl6pPr marL="2286000" algn="l" defTabSz="457200" rtl="0" eaLnBrk="1" latinLnBrk="0" hangingPunct="1">
       <a:defRPr sz="1800" kern="1200">
         <a:solidFill>
           <a:schemeClr val="tx1"/>
@@ -73,7 +73,7 @@
         <a:cs typeface="+mn-cs"/>
       </a:defRPr>
     </a:lvl6pPr>
-    <a:lvl7pPr marL="2743200" algn="l" defTabSz="914400" rtl="0" eaLnBrk="1" latinLnBrk="0" hangingPunct="1">
+    <a:lvl7pPr marL="2743200" algn="l" defTabSz="457200" rtl="0" eaLnBrk="1" latinLnBrk="0" hangingPunct="1">
       <a:defRPr sz="1800" kern="1200">
         <a:solidFill>
           <a:schemeClr val="tx1"/>
@@ -83,7 +83,7 @@
         <a:cs typeface="+mn-cs"/>
       </a:defRPr>
     </a:lvl7pPr>
-    <a:lvl8pPr marL="3200400" algn="l" defTabSz="914400" rtl="0" eaLnBrk="1" latinLnBrk="0" hangingPunct="1">
+    <a:lvl8pPr marL="3200400" algn="l" defTabSz="457200" rtl="0" eaLnBrk="1" latinLnBrk="0" hangingPunct="1">
       <a:defRPr sz="1800" kern="1200">
         <a:solidFill>
           <a:schemeClr val="tx1"/>
@@ -93,7 +93,7 @@
         <a:cs typeface="+mn-cs"/>
       </a:defRPr>
     </a:lvl8pPr>
-    <a:lvl9pPr marL="3657600" algn="l" defTabSz="914400" rtl="0" eaLnBrk="1" latinLnBrk="0" hangingPunct="1">
+    <a:lvl9pPr marL="3657600" algn="l" defTabSz="457200" rtl="0" eaLnBrk="1" latinLnBrk="0" hangingPunct="1">
       <a:defRPr sz="1800" kern="1200">
         <a:solidFill>
           <a:schemeClr val="tx1"/>
@@ -126,13 +126,7 @@
       </p:grpSpPr>
       <p:sp>
         <p:nvSpPr>
-          <p:cNvPr id="2" name="标题 1">
-            <a:extLst>
-              <a:ext uri="{FF2B5EF4-FFF2-40B4-BE49-F238E27FC236}">
-                <a16:creationId xmlns:a16="http://schemas.microsoft.com/office/drawing/2014/main" id="{30831184-C5F2-694D-8BEE-7E1FDDB2AAB0}"/>
-              </a:ext>
-            </a:extLst>
-          </p:cNvPr>
+          <p:cNvPr id="2" name="Title 1"/>
           <p:cNvSpPr>
             <a:spLocks noGrp="1"/>
           </p:cNvSpPr>
@@ -142,34 +136,29 @@
         </p:nvSpPr>
         <p:spPr>
           <a:xfrm>
-            <a:off x="1524000" y="1122363"/>
-            <a:ext cx="9144000" cy="2387600"/>
+            <a:off x="2970014" y="2356703"/>
+            <a:ext cx="17820085" cy="5013407"/>
           </a:xfrm>
         </p:spPr>
         <p:txBody>
           <a:bodyPr anchor="b"/>
           <a:lstStyle>
             <a:lvl1pPr algn="ctr">
-              <a:defRPr sz="6000"/>
+              <a:defRPr sz="11693"/>
             </a:lvl1pPr>
           </a:lstStyle>
           <a:p>
             <a:r>
-              <a:rPr kumimoji="1" lang="zh-CN" altLang="en-US"/>
+              <a:rPr lang="zh-CN" altLang="en-US"/>
               <a:t>单击此处编辑母版标题样式</a:t>
             </a:r>
-          </a:p>
-        </p:txBody>
-      </p:sp>
-      <p:sp>
-        <p:nvSpPr>
-          <p:cNvPr id="3" name="副标题 2">
-            <a:extLst>
-              <a:ext uri="{FF2B5EF4-FFF2-40B4-BE49-F238E27FC236}">
-                <a16:creationId xmlns:a16="http://schemas.microsoft.com/office/drawing/2014/main" id="{634171DA-5861-6448-82F3-F0342D95DCC5}"/>
-              </a:ext>
-            </a:extLst>
-          </p:cNvPr>
+            <a:endParaRPr lang="en-US" dirty="0"/>
+          </a:p>
+        </p:txBody>
+      </p:sp>
+      <p:sp>
+        <p:nvSpPr>
+          <p:cNvPr id="3" name="Subtitle 2"/>
           <p:cNvSpPr>
             <a:spLocks noGrp="1"/>
           </p:cNvSpPr>
@@ -179,8 +168,8 @@
         </p:nvSpPr>
         <p:spPr>
           <a:xfrm>
-            <a:off x="1524000" y="3602038"/>
-            <a:ext cx="9144000" cy="1655762"/>
+            <a:off x="2970014" y="7563446"/>
+            <a:ext cx="17820085" cy="3476717"/>
           </a:xfrm>
         </p:spPr>
         <p:txBody>
@@ -188,58 +177,53 @@
           <a:lstStyle>
             <a:lvl1pPr marL="0" indent="0" algn="ctr">
               <a:buNone/>
-              <a:defRPr sz="2400"/>
+              <a:defRPr sz="4677"/>
             </a:lvl1pPr>
-            <a:lvl2pPr marL="457200" indent="0" algn="ctr">
+            <a:lvl2pPr marL="890991" indent="0" algn="ctr">
               <a:buNone/>
-              <a:defRPr sz="2000"/>
+              <a:defRPr sz="3898"/>
             </a:lvl2pPr>
-            <a:lvl3pPr marL="914400" indent="0" algn="ctr">
+            <a:lvl3pPr marL="1781983" indent="0" algn="ctr">
               <a:buNone/>
-              <a:defRPr sz="1800"/>
+              <a:defRPr sz="3508"/>
             </a:lvl3pPr>
-            <a:lvl4pPr marL="1371600" indent="0" algn="ctr">
+            <a:lvl4pPr marL="2672974" indent="0" algn="ctr">
               <a:buNone/>
-              <a:defRPr sz="1600"/>
+              <a:defRPr sz="3118"/>
             </a:lvl4pPr>
-            <a:lvl5pPr marL="1828800" indent="0" algn="ctr">
+            <a:lvl5pPr marL="3563965" indent="0" algn="ctr">
               <a:buNone/>
-              <a:defRPr sz="1600"/>
+              <a:defRPr sz="3118"/>
             </a:lvl5pPr>
-            <a:lvl6pPr marL="2286000" indent="0" algn="ctr">
+            <a:lvl6pPr marL="4454957" indent="0" algn="ctr">
               <a:buNone/>
-              <a:defRPr sz="1600"/>
+              <a:defRPr sz="3118"/>
             </a:lvl6pPr>
-            <a:lvl7pPr marL="2743200" indent="0" algn="ctr">
+            <a:lvl7pPr marL="5345948" indent="0" algn="ctr">
               <a:buNone/>
-              <a:defRPr sz="1600"/>
+              <a:defRPr sz="3118"/>
             </a:lvl7pPr>
-            <a:lvl8pPr marL="3200400" indent="0" algn="ctr">
+            <a:lvl8pPr marL="6236940" indent="0" algn="ctr">
               <a:buNone/>
-              <a:defRPr sz="1600"/>
+              <a:defRPr sz="3118"/>
             </a:lvl8pPr>
-            <a:lvl9pPr marL="3657600" indent="0" algn="ctr">
+            <a:lvl9pPr marL="7127931" indent="0" algn="ctr">
               <a:buNone/>
-              <a:defRPr sz="1600"/>
+              <a:defRPr sz="3118"/>
             </a:lvl9pPr>
           </a:lstStyle>
           <a:p>
             <a:r>
-              <a:rPr kumimoji="1" lang="zh-CN" altLang="en-US"/>
+              <a:rPr lang="zh-CN" altLang="en-US"/>
               <a:t>单击此处编辑母版副标题样式</a:t>
             </a:r>
-          </a:p>
-        </p:txBody>
-      </p:sp>
-      <p:sp>
-        <p:nvSpPr>
-          <p:cNvPr id="4" name="日期占位符 3">
-            <a:extLst>
-              <a:ext uri="{FF2B5EF4-FFF2-40B4-BE49-F238E27FC236}">
-                <a16:creationId xmlns:a16="http://schemas.microsoft.com/office/drawing/2014/main" id="{1BC28CC9-5C9B-CC45-8E0D-95A523BC158B}"/>
-              </a:ext>
-            </a:extLst>
-          </p:cNvPr>
+            <a:endParaRPr lang="en-US" dirty="0"/>
+          </a:p>
+        </p:txBody>
+      </p:sp>
+      <p:sp>
+        <p:nvSpPr>
+          <p:cNvPr id="4" name="Date Placeholder 3"/>
           <p:cNvSpPr>
             <a:spLocks noGrp="1"/>
           </p:cNvSpPr>
@@ -262,13 +246,7 @@
       </p:sp>
       <p:sp>
         <p:nvSpPr>
-          <p:cNvPr id="5" name="页脚占位符 4">
-            <a:extLst>
-              <a:ext uri="{FF2B5EF4-FFF2-40B4-BE49-F238E27FC236}">
-                <a16:creationId xmlns:a16="http://schemas.microsoft.com/office/drawing/2014/main" id="{0688814A-8BC6-2F4B-BB27-1D5BCBBC1537}"/>
-              </a:ext>
-            </a:extLst>
-          </p:cNvPr>
+          <p:cNvPr id="5" name="Footer Placeholder 4"/>
           <p:cNvSpPr>
             <a:spLocks noGrp="1"/>
           </p:cNvSpPr>
@@ -287,13 +265,7 @@
       </p:sp>
       <p:sp>
         <p:nvSpPr>
-          <p:cNvPr id="6" name="灯片编号占位符 5">
-            <a:extLst>
-              <a:ext uri="{FF2B5EF4-FFF2-40B4-BE49-F238E27FC236}">
-                <a16:creationId xmlns:a16="http://schemas.microsoft.com/office/drawing/2014/main" id="{7F318A48-E058-B542-9270-5A502554FF0D}"/>
-              </a:ext>
-            </a:extLst>
-          </p:cNvPr>
+          <p:cNvPr id="6" name="Slide Number Placeholder 5"/>
           <p:cNvSpPr>
             <a:spLocks noGrp="1"/>
           </p:cNvSpPr>
@@ -317,7 +289,7 @@
     </p:spTree>
     <p:extLst>
       <p:ext uri="{BB962C8B-B14F-4D97-AF65-F5344CB8AC3E}">
-        <p14:creationId xmlns:p14="http://schemas.microsoft.com/office/powerpoint/2010/main" val="2688608733"/>
+        <p14:creationId xmlns:p14="http://schemas.microsoft.com/office/powerpoint/2010/main" val="1384174116"/>
       </p:ext>
     </p:extLst>
   </p:cSld>
@@ -346,13 +318,7 @@
       </p:grpSpPr>
       <p:sp>
         <p:nvSpPr>
-          <p:cNvPr id="2" name="标题 1">
-            <a:extLst>
-              <a:ext uri="{FF2B5EF4-FFF2-40B4-BE49-F238E27FC236}">
-                <a16:creationId xmlns:a16="http://schemas.microsoft.com/office/drawing/2014/main" id="{3A97A477-EB7E-DA44-A1D1-972DACEAB152}"/>
-              </a:ext>
-            </a:extLst>
-          </p:cNvPr>
+          <p:cNvPr id="2" name="Title 1"/>
           <p:cNvSpPr>
             <a:spLocks noGrp="1"/>
           </p:cNvSpPr>
@@ -366,21 +332,16 @@
           <a:lstStyle/>
           <a:p>
             <a:r>
-              <a:rPr kumimoji="1" lang="zh-CN" altLang="en-US"/>
+              <a:rPr lang="zh-CN" altLang="en-US"/>
               <a:t>单击此处编辑母版标题样式</a:t>
             </a:r>
-          </a:p>
-        </p:txBody>
-      </p:sp>
-      <p:sp>
-        <p:nvSpPr>
-          <p:cNvPr id="3" name="竖排文字占位符 2">
-            <a:extLst>
-              <a:ext uri="{FF2B5EF4-FFF2-40B4-BE49-F238E27FC236}">
-                <a16:creationId xmlns:a16="http://schemas.microsoft.com/office/drawing/2014/main" id="{0A680AF2-0C7F-CF4F-BFA7-9F86F3042090}"/>
-              </a:ext>
-            </a:extLst>
-          </p:cNvPr>
+            <a:endParaRPr lang="en-US" dirty="0"/>
+          </a:p>
+        </p:txBody>
+      </p:sp>
+      <p:sp>
+        <p:nvSpPr>
+          <p:cNvPr id="3" name="Vertical Text Placeholder 2"/>
           <p:cNvSpPr>
             <a:spLocks noGrp="1"/>
           </p:cNvSpPr>
@@ -395,49 +356,44 @@
           <a:p>
             <a:pPr lvl="0"/>
             <a:r>
-              <a:rPr kumimoji="1" lang="zh-CN" altLang="en-US"/>
+              <a:rPr lang="zh-CN" altLang="en-US"/>
               <a:t>单击此处编辑母版文本样式</a:t>
             </a:r>
           </a:p>
           <a:p>
             <a:pPr lvl="1"/>
             <a:r>
-              <a:rPr kumimoji="1" lang="zh-CN" altLang="en-US"/>
+              <a:rPr lang="zh-CN" altLang="en-US"/>
               <a:t>二级</a:t>
             </a:r>
           </a:p>
           <a:p>
             <a:pPr lvl="2"/>
             <a:r>
-              <a:rPr kumimoji="1" lang="zh-CN" altLang="en-US"/>
+              <a:rPr lang="zh-CN" altLang="en-US"/>
               <a:t>三级</a:t>
             </a:r>
           </a:p>
           <a:p>
             <a:pPr lvl="3"/>
             <a:r>
-              <a:rPr kumimoji="1" lang="zh-CN" altLang="en-US"/>
+              <a:rPr lang="zh-CN" altLang="en-US"/>
               <a:t>四级</a:t>
             </a:r>
           </a:p>
           <a:p>
             <a:pPr lvl="4"/>
             <a:r>
-              <a:rPr kumimoji="1" lang="zh-CN" altLang="en-US"/>
+              <a:rPr lang="zh-CN" altLang="en-US"/>
               <a:t>五级</a:t>
             </a:r>
-          </a:p>
-        </p:txBody>
-      </p:sp>
-      <p:sp>
-        <p:nvSpPr>
-          <p:cNvPr id="4" name="日期占位符 3">
-            <a:extLst>
-              <a:ext uri="{FF2B5EF4-FFF2-40B4-BE49-F238E27FC236}">
-                <a16:creationId xmlns:a16="http://schemas.microsoft.com/office/drawing/2014/main" id="{AF04CAA3-B5C8-A245-A529-3249BE73785F}"/>
-              </a:ext>
-            </a:extLst>
-          </p:cNvPr>
+            <a:endParaRPr lang="en-US" dirty="0"/>
+          </a:p>
+        </p:txBody>
+      </p:sp>
+      <p:sp>
+        <p:nvSpPr>
+          <p:cNvPr id="4" name="Date Placeholder 3"/>
           <p:cNvSpPr>
             <a:spLocks noGrp="1"/>
           </p:cNvSpPr>
@@ -460,13 +416,7 @@
       </p:sp>
       <p:sp>
         <p:nvSpPr>
-          <p:cNvPr id="5" name="页脚占位符 4">
-            <a:extLst>
-              <a:ext uri="{FF2B5EF4-FFF2-40B4-BE49-F238E27FC236}">
-                <a16:creationId xmlns:a16="http://schemas.microsoft.com/office/drawing/2014/main" id="{6C7AA6A2-AEA0-6548-A584-5F17C5DD780F}"/>
-              </a:ext>
-            </a:extLst>
-          </p:cNvPr>
+          <p:cNvPr id="5" name="Footer Placeholder 4"/>
           <p:cNvSpPr>
             <a:spLocks noGrp="1"/>
           </p:cNvSpPr>
@@ -485,13 +435,7 @@
       </p:sp>
       <p:sp>
         <p:nvSpPr>
-          <p:cNvPr id="6" name="灯片编号占位符 5">
-            <a:extLst>
-              <a:ext uri="{FF2B5EF4-FFF2-40B4-BE49-F238E27FC236}">
-                <a16:creationId xmlns:a16="http://schemas.microsoft.com/office/drawing/2014/main" id="{F5B71D5A-BD44-2645-819D-8578A75E394A}"/>
-              </a:ext>
-            </a:extLst>
-          </p:cNvPr>
+          <p:cNvPr id="6" name="Slide Number Placeholder 5"/>
           <p:cNvSpPr>
             <a:spLocks noGrp="1"/>
           </p:cNvSpPr>
@@ -515,7 +459,7 @@
     </p:spTree>
     <p:extLst>
       <p:ext uri="{BB962C8B-B14F-4D97-AF65-F5344CB8AC3E}">
-        <p14:creationId xmlns:p14="http://schemas.microsoft.com/office/powerpoint/2010/main" val="1433829381"/>
+        <p14:creationId xmlns:p14="http://schemas.microsoft.com/office/powerpoint/2010/main" val="3256794016"/>
       </p:ext>
     </p:extLst>
   </p:cSld>
@@ -544,13 +488,7 @@
       </p:grpSpPr>
       <p:sp>
         <p:nvSpPr>
-          <p:cNvPr id="2" name="竖排标题 1">
-            <a:extLst>
-              <a:ext uri="{FF2B5EF4-FFF2-40B4-BE49-F238E27FC236}">
-                <a16:creationId xmlns:a16="http://schemas.microsoft.com/office/drawing/2014/main" id="{51C75C21-B30B-C541-9098-8A499AEE0DE7}"/>
-              </a:ext>
-            </a:extLst>
-          </p:cNvPr>
+          <p:cNvPr id="2" name="Vertical Title 1"/>
           <p:cNvSpPr>
             <a:spLocks noGrp="1"/>
           </p:cNvSpPr>
@@ -560,8 +498,8 @@
         </p:nvSpPr>
         <p:spPr>
           <a:xfrm>
-            <a:off x="8724900" y="365125"/>
-            <a:ext cx="2628900" cy="5811838"/>
+            <a:off x="17003331" y="766678"/>
+            <a:ext cx="5123274" cy="12203515"/>
           </a:xfrm>
         </p:spPr>
         <p:txBody>
@@ -569,21 +507,16 @@
           <a:lstStyle/>
           <a:p>
             <a:r>
-              <a:rPr kumimoji="1" lang="zh-CN" altLang="en-US"/>
+              <a:rPr lang="zh-CN" altLang="en-US"/>
               <a:t>单击此处编辑母版标题样式</a:t>
             </a:r>
-          </a:p>
-        </p:txBody>
-      </p:sp>
-      <p:sp>
-        <p:nvSpPr>
-          <p:cNvPr id="3" name="竖排文字占位符 2">
-            <a:extLst>
-              <a:ext uri="{FF2B5EF4-FFF2-40B4-BE49-F238E27FC236}">
-                <a16:creationId xmlns:a16="http://schemas.microsoft.com/office/drawing/2014/main" id="{E172987B-C278-3844-9C3F-2A14E3A3900A}"/>
-              </a:ext>
-            </a:extLst>
-          </p:cNvPr>
+            <a:endParaRPr lang="en-US" dirty="0"/>
+          </a:p>
+        </p:txBody>
+      </p:sp>
+      <p:sp>
+        <p:nvSpPr>
+          <p:cNvPr id="3" name="Vertical Text Placeholder 2"/>
           <p:cNvSpPr>
             <a:spLocks noGrp="1"/>
           </p:cNvSpPr>
@@ -593,8 +526,8 @@
         </p:nvSpPr>
         <p:spPr>
           <a:xfrm>
-            <a:off x="838200" y="365125"/>
-            <a:ext cx="7734300" cy="5811838"/>
+            <a:off x="1633508" y="766678"/>
+            <a:ext cx="15072822" cy="12203515"/>
           </a:xfrm>
         </p:spPr>
         <p:txBody>
@@ -603,49 +536,44 @@
           <a:p>
             <a:pPr lvl="0"/>
             <a:r>
-              <a:rPr kumimoji="1" lang="zh-CN" altLang="en-US"/>
+              <a:rPr lang="zh-CN" altLang="en-US"/>
               <a:t>单击此处编辑母版文本样式</a:t>
             </a:r>
           </a:p>
           <a:p>
             <a:pPr lvl="1"/>
             <a:r>
-              <a:rPr kumimoji="1" lang="zh-CN" altLang="en-US"/>
+              <a:rPr lang="zh-CN" altLang="en-US"/>
               <a:t>二级</a:t>
             </a:r>
           </a:p>
           <a:p>
             <a:pPr lvl="2"/>
             <a:r>
-              <a:rPr kumimoji="1" lang="zh-CN" altLang="en-US"/>
+              <a:rPr lang="zh-CN" altLang="en-US"/>
               <a:t>三级</a:t>
             </a:r>
           </a:p>
           <a:p>
             <a:pPr lvl="3"/>
             <a:r>
-              <a:rPr kumimoji="1" lang="zh-CN" altLang="en-US"/>
+              <a:rPr lang="zh-CN" altLang="en-US"/>
               <a:t>四级</a:t>
             </a:r>
           </a:p>
           <a:p>
             <a:pPr lvl="4"/>
             <a:r>
-              <a:rPr kumimoji="1" lang="zh-CN" altLang="en-US"/>
+              <a:rPr lang="zh-CN" altLang="en-US"/>
               <a:t>五级</a:t>
             </a:r>
-          </a:p>
-        </p:txBody>
-      </p:sp>
-      <p:sp>
-        <p:nvSpPr>
-          <p:cNvPr id="4" name="日期占位符 3">
-            <a:extLst>
-              <a:ext uri="{FF2B5EF4-FFF2-40B4-BE49-F238E27FC236}">
-                <a16:creationId xmlns:a16="http://schemas.microsoft.com/office/drawing/2014/main" id="{AA672738-DDFF-8F44-9750-7AB3AD8250BF}"/>
-              </a:ext>
-            </a:extLst>
-          </p:cNvPr>
+            <a:endParaRPr lang="en-US" dirty="0"/>
+          </a:p>
+        </p:txBody>
+      </p:sp>
+      <p:sp>
+        <p:nvSpPr>
+          <p:cNvPr id="4" name="Date Placeholder 3"/>
           <p:cNvSpPr>
             <a:spLocks noGrp="1"/>
           </p:cNvSpPr>
@@ -668,13 +596,7 @@
       </p:sp>
       <p:sp>
         <p:nvSpPr>
-          <p:cNvPr id="5" name="页脚占位符 4">
-            <a:extLst>
-              <a:ext uri="{FF2B5EF4-FFF2-40B4-BE49-F238E27FC236}">
-                <a16:creationId xmlns:a16="http://schemas.microsoft.com/office/drawing/2014/main" id="{D1988F8B-AF80-6147-BABB-FACCCAF6580C}"/>
-              </a:ext>
-            </a:extLst>
-          </p:cNvPr>
+          <p:cNvPr id="5" name="Footer Placeholder 4"/>
           <p:cNvSpPr>
             <a:spLocks noGrp="1"/>
           </p:cNvSpPr>
@@ -693,13 +615,7 @@
       </p:sp>
       <p:sp>
         <p:nvSpPr>
-          <p:cNvPr id="6" name="灯片编号占位符 5">
-            <a:extLst>
-              <a:ext uri="{FF2B5EF4-FFF2-40B4-BE49-F238E27FC236}">
-                <a16:creationId xmlns:a16="http://schemas.microsoft.com/office/drawing/2014/main" id="{4989D18A-B5BC-5541-86EF-2F22769F4020}"/>
-              </a:ext>
-            </a:extLst>
-          </p:cNvPr>
+          <p:cNvPr id="6" name="Slide Number Placeholder 5"/>
           <p:cNvSpPr>
             <a:spLocks noGrp="1"/>
           </p:cNvSpPr>
@@ -723,7 +639,7 @@
     </p:spTree>
     <p:extLst>
       <p:ext uri="{BB962C8B-B14F-4D97-AF65-F5344CB8AC3E}">
-        <p14:creationId xmlns:p14="http://schemas.microsoft.com/office/powerpoint/2010/main" val="951318802"/>
+        <p14:creationId xmlns:p14="http://schemas.microsoft.com/office/powerpoint/2010/main" val="3348710179"/>
       </p:ext>
     </p:extLst>
   </p:cSld>
@@ -752,13 +668,7 @@
       </p:grpSpPr>
       <p:sp>
         <p:nvSpPr>
-          <p:cNvPr id="2" name="标题 1">
-            <a:extLst>
-              <a:ext uri="{FF2B5EF4-FFF2-40B4-BE49-F238E27FC236}">
-                <a16:creationId xmlns:a16="http://schemas.microsoft.com/office/drawing/2014/main" id="{A7D08355-DEEB-164A-BE9F-BA8A9D6BC264}"/>
-              </a:ext>
-            </a:extLst>
-          </p:cNvPr>
+          <p:cNvPr id="2" name="Title 1"/>
           <p:cNvSpPr>
             <a:spLocks noGrp="1"/>
           </p:cNvSpPr>
@@ -772,21 +682,16 @@
           <a:lstStyle/>
           <a:p>
             <a:r>
-              <a:rPr kumimoji="1" lang="zh-CN" altLang="en-US"/>
+              <a:rPr lang="zh-CN" altLang="en-US"/>
               <a:t>单击此处编辑母版标题样式</a:t>
             </a:r>
-          </a:p>
-        </p:txBody>
-      </p:sp>
-      <p:sp>
-        <p:nvSpPr>
-          <p:cNvPr id="3" name="内容占位符 2">
-            <a:extLst>
-              <a:ext uri="{FF2B5EF4-FFF2-40B4-BE49-F238E27FC236}">
-                <a16:creationId xmlns:a16="http://schemas.microsoft.com/office/drawing/2014/main" id="{C2A28F7B-B9B8-E043-8FAD-69BD29CE849C}"/>
-              </a:ext>
-            </a:extLst>
-          </p:cNvPr>
+            <a:endParaRPr lang="en-US" dirty="0"/>
+          </a:p>
+        </p:txBody>
+      </p:sp>
+      <p:sp>
+        <p:nvSpPr>
+          <p:cNvPr id="3" name="Content Placeholder 2"/>
           <p:cNvSpPr>
             <a:spLocks noGrp="1"/>
           </p:cNvSpPr>
@@ -801,49 +706,44 @@
           <a:p>
             <a:pPr lvl="0"/>
             <a:r>
-              <a:rPr kumimoji="1" lang="zh-CN" altLang="en-US"/>
+              <a:rPr lang="zh-CN" altLang="en-US"/>
               <a:t>单击此处编辑母版文本样式</a:t>
             </a:r>
           </a:p>
           <a:p>
             <a:pPr lvl="1"/>
             <a:r>
-              <a:rPr kumimoji="1" lang="zh-CN" altLang="en-US"/>
+              <a:rPr lang="zh-CN" altLang="en-US"/>
               <a:t>二级</a:t>
             </a:r>
           </a:p>
           <a:p>
             <a:pPr lvl="2"/>
             <a:r>
-              <a:rPr kumimoji="1" lang="zh-CN" altLang="en-US"/>
+              <a:rPr lang="zh-CN" altLang="en-US"/>
               <a:t>三级</a:t>
             </a:r>
           </a:p>
           <a:p>
             <a:pPr lvl="3"/>
             <a:r>
-              <a:rPr kumimoji="1" lang="zh-CN" altLang="en-US"/>
+              <a:rPr lang="zh-CN" altLang="en-US"/>
               <a:t>四级</a:t>
             </a:r>
           </a:p>
           <a:p>
             <a:pPr lvl="4"/>
             <a:r>
-              <a:rPr kumimoji="1" lang="zh-CN" altLang="en-US"/>
+              <a:rPr lang="zh-CN" altLang="en-US"/>
               <a:t>五级</a:t>
             </a:r>
-          </a:p>
-        </p:txBody>
-      </p:sp>
-      <p:sp>
-        <p:nvSpPr>
-          <p:cNvPr id="4" name="日期占位符 3">
-            <a:extLst>
-              <a:ext uri="{FF2B5EF4-FFF2-40B4-BE49-F238E27FC236}">
-                <a16:creationId xmlns:a16="http://schemas.microsoft.com/office/drawing/2014/main" id="{07FBD148-F247-7347-A9CF-5256D8135F7D}"/>
-              </a:ext>
-            </a:extLst>
-          </p:cNvPr>
+            <a:endParaRPr lang="en-US" dirty="0"/>
+          </a:p>
+        </p:txBody>
+      </p:sp>
+      <p:sp>
+        <p:nvSpPr>
+          <p:cNvPr id="4" name="Date Placeholder 3"/>
           <p:cNvSpPr>
             <a:spLocks noGrp="1"/>
           </p:cNvSpPr>
@@ -866,13 +766,7 @@
       </p:sp>
       <p:sp>
         <p:nvSpPr>
-          <p:cNvPr id="5" name="页脚占位符 4">
-            <a:extLst>
-              <a:ext uri="{FF2B5EF4-FFF2-40B4-BE49-F238E27FC236}">
-                <a16:creationId xmlns:a16="http://schemas.microsoft.com/office/drawing/2014/main" id="{93381C7D-EFA2-6E46-A86F-E7E5B7A1E43F}"/>
-              </a:ext>
-            </a:extLst>
-          </p:cNvPr>
+          <p:cNvPr id="5" name="Footer Placeholder 4"/>
           <p:cNvSpPr>
             <a:spLocks noGrp="1"/>
           </p:cNvSpPr>
@@ -891,13 +785,7 @@
       </p:sp>
       <p:sp>
         <p:nvSpPr>
-          <p:cNvPr id="6" name="灯片编号占位符 5">
-            <a:extLst>
-              <a:ext uri="{FF2B5EF4-FFF2-40B4-BE49-F238E27FC236}">
-                <a16:creationId xmlns:a16="http://schemas.microsoft.com/office/drawing/2014/main" id="{D9471B53-7F4B-3645-8DFD-61349A229643}"/>
-              </a:ext>
-            </a:extLst>
-          </p:cNvPr>
+          <p:cNvPr id="6" name="Slide Number Placeholder 5"/>
           <p:cNvSpPr>
             <a:spLocks noGrp="1"/>
           </p:cNvSpPr>
@@ -921,7 +809,7 @@
     </p:spTree>
     <p:extLst>
       <p:ext uri="{BB962C8B-B14F-4D97-AF65-F5344CB8AC3E}">
-        <p14:creationId xmlns:p14="http://schemas.microsoft.com/office/powerpoint/2010/main" val="434160101"/>
+        <p14:creationId xmlns:p14="http://schemas.microsoft.com/office/powerpoint/2010/main" val="4037338415"/>
       </p:ext>
     </p:extLst>
   </p:cSld>
@@ -950,13 +838,7 @@
       </p:grpSpPr>
       <p:sp>
         <p:nvSpPr>
-          <p:cNvPr id="2" name="标题 1">
-            <a:extLst>
-              <a:ext uri="{FF2B5EF4-FFF2-40B4-BE49-F238E27FC236}">
-                <a16:creationId xmlns:a16="http://schemas.microsoft.com/office/drawing/2014/main" id="{5465BB93-7C1C-2649-9207-6671B5C42526}"/>
-              </a:ext>
-            </a:extLst>
-          </p:cNvPr>
+          <p:cNvPr id="2" name="Title 1"/>
           <p:cNvSpPr>
             <a:spLocks noGrp="1"/>
           </p:cNvSpPr>
@@ -966,34 +848,29 @@
         </p:nvSpPr>
         <p:spPr>
           <a:xfrm>
-            <a:off x="831850" y="1709738"/>
-            <a:ext cx="10515600" cy="2852737"/>
+            <a:off x="1621133" y="3590055"/>
+            <a:ext cx="20493097" cy="5990088"/>
           </a:xfrm>
         </p:spPr>
         <p:txBody>
           <a:bodyPr anchor="b"/>
           <a:lstStyle>
             <a:lvl1pPr>
-              <a:defRPr sz="6000"/>
+              <a:defRPr sz="11693"/>
             </a:lvl1pPr>
           </a:lstStyle>
           <a:p>
             <a:r>
-              <a:rPr kumimoji="1" lang="zh-CN" altLang="en-US"/>
+              <a:rPr lang="zh-CN" altLang="en-US"/>
               <a:t>单击此处编辑母版标题样式</a:t>
             </a:r>
-          </a:p>
-        </p:txBody>
-      </p:sp>
-      <p:sp>
-        <p:nvSpPr>
-          <p:cNvPr id="3" name="文本占位符 2">
-            <a:extLst>
-              <a:ext uri="{FF2B5EF4-FFF2-40B4-BE49-F238E27FC236}">
-                <a16:creationId xmlns:a16="http://schemas.microsoft.com/office/drawing/2014/main" id="{C47BB8FD-7E4D-3546-8BAA-0C5685B40F1F}"/>
-              </a:ext>
-            </a:extLst>
-          </p:cNvPr>
+            <a:endParaRPr lang="en-US" dirty="0"/>
+          </a:p>
+        </p:txBody>
+      </p:sp>
+      <p:sp>
+        <p:nvSpPr>
+          <p:cNvPr id="3" name="Text Placeholder 2"/>
           <p:cNvSpPr>
             <a:spLocks noGrp="1"/>
           </p:cNvSpPr>
@@ -1003,8 +880,8 @@
         </p:nvSpPr>
         <p:spPr>
           <a:xfrm>
-            <a:off x="831850" y="4589463"/>
-            <a:ext cx="10515600" cy="1500187"/>
+            <a:off x="1621133" y="9636811"/>
+            <a:ext cx="20493097" cy="3150046"/>
           </a:xfrm>
         </p:spPr>
         <p:txBody>
@@ -1012,7 +889,7 @@
           <a:lstStyle>
             <a:lvl1pPr marL="0" indent="0">
               <a:buNone/>
-              <a:defRPr sz="2400">
+              <a:defRPr sz="4677">
                 <a:solidFill>
                   <a:schemeClr val="tx1">
                     <a:tint val="75000"/>
@@ -1020,9 +897,9 @@
                 </a:solidFill>
               </a:defRPr>
             </a:lvl1pPr>
-            <a:lvl2pPr marL="457200" indent="0">
+            <a:lvl2pPr marL="890991" indent="0">
               <a:buNone/>
-              <a:defRPr sz="2000">
+              <a:defRPr sz="3898">
                 <a:solidFill>
                   <a:schemeClr val="tx1">
                     <a:tint val="75000"/>
@@ -1030,9 +907,9 @@
                 </a:solidFill>
               </a:defRPr>
             </a:lvl2pPr>
-            <a:lvl3pPr marL="914400" indent="0">
+            <a:lvl3pPr marL="1781983" indent="0">
               <a:buNone/>
-              <a:defRPr sz="1800">
+              <a:defRPr sz="3508">
                 <a:solidFill>
                   <a:schemeClr val="tx1">
                     <a:tint val="75000"/>
@@ -1040,9 +917,9 @@
                 </a:solidFill>
               </a:defRPr>
             </a:lvl3pPr>
-            <a:lvl4pPr marL="1371600" indent="0">
+            <a:lvl4pPr marL="2672974" indent="0">
               <a:buNone/>
-              <a:defRPr sz="1600">
+              <a:defRPr sz="3118">
                 <a:solidFill>
                   <a:schemeClr val="tx1">
                     <a:tint val="75000"/>
@@ -1050,9 +927,9 @@
                 </a:solidFill>
               </a:defRPr>
             </a:lvl4pPr>
-            <a:lvl5pPr marL="1828800" indent="0">
+            <a:lvl5pPr marL="3563965" indent="0">
               <a:buNone/>
-              <a:defRPr sz="1600">
+              <a:defRPr sz="3118">
                 <a:solidFill>
                   <a:schemeClr val="tx1">
                     <a:tint val="75000"/>
@@ -1060,9 +937,9 @@
                 </a:solidFill>
               </a:defRPr>
             </a:lvl5pPr>
-            <a:lvl6pPr marL="2286000" indent="0">
+            <a:lvl6pPr marL="4454957" indent="0">
               <a:buNone/>
-              <a:defRPr sz="1600">
+              <a:defRPr sz="3118">
                 <a:solidFill>
                   <a:schemeClr val="tx1">
                     <a:tint val="75000"/>
@@ -1070,9 +947,9 @@
                 </a:solidFill>
               </a:defRPr>
             </a:lvl6pPr>
-            <a:lvl7pPr marL="2743200" indent="0">
+            <a:lvl7pPr marL="5345948" indent="0">
               <a:buNone/>
-              <a:defRPr sz="1600">
+              <a:defRPr sz="3118">
                 <a:solidFill>
                   <a:schemeClr val="tx1">
                     <a:tint val="75000"/>
@@ -1080,9 +957,9 @@
                 </a:solidFill>
               </a:defRPr>
             </a:lvl7pPr>
-            <a:lvl8pPr marL="3200400" indent="0">
+            <a:lvl8pPr marL="6236940" indent="0">
               <a:buNone/>
-              <a:defRPr sz="1600">
+              <a:defRPr sz="3118">
                 <a:solidFill>
                   <a:schemeClr val="tx1">
                     <a:tint val="75000"/>
@@ -1090,9 +967,9 @@
                 </a:solidFill>
               </a:defRPr>
             </a:lvl8pPr>
-            <a:lvl9pPr marL="3657600" indent="0">
+            <a:lvl9pPr marL="7127931" indent="0">
               <a:buNone/>
-              <a:defRPr sz="1600">
+              <a:defRPr sz="3118">
                 <a:solidFill>
                   <a:schemeClr val="tx1">
                     <a:tint val="75000"/>
@@ -1104,7 +981,7 @@
           <a:p>
             <a:pPr lvl="0"/>
             <a:r>
-              <a:rPr kumimoji="1" lang="zh-CN" altLang="en-US"/>
+              <a:rPr lang="zh-CN" altLang="en-US"/>
               <a:t>单击此处编辑母版文本样式</a:t>
             </a:r>
           </a:p>
@@ -1112,13 +989,7 @@
       </p:sp>
       <p:sp>
         <p:nvSpPr>
-          <p:cNvPr id="4" name="日期占位符 3">
-            <a:extLst>
-              <a:ext uri="{FF2B5EF4-FFF2-40B4-BE49-F238E27FC236}">
-                <a16:creationId xmlns:a16="http://schemas.microsoft.com/office/drawing/2014/main" id="{593A77E4-CD24-144F-8DC9-4A7D8309F748}"/>
-              </a:ext>
-            </a:extLst>
-          </p:cNvPr>
+          <p:cNvPr id="4" name="Date Placeholder 3"/>
           <p:cNvSpPr>
             <a:spLocks noGrp="1"/>
           </p:cNvSpPr>
@@ -1141,13 +1012,7 @@
       </p:sp>
       <p:sp>
         <p:nvSpPr>
-          <p:cNvPr id="5" name="页脚占位符 4">
-            <a:extLst>
-              <a:ext uri="{FF2B5EF4-FFF2-40B4-BE49-F238E27FC236}">
-                <a16:creationId xmlns:a16="http://schemas.microsoft.com/office/drawing/2014/main" id="{C75C87B1-B6A5-634C-A34E-9EF4D0CEE643}"/>
-              </a:ext>
-            </a:extLst>
-          </p:cNvPr>
+          <p:cNvPr id="5" name="Footer Placeholder 4"/>
           <p:cNvSpPr>
             <a:spLocks noGrp="1"/>
           </p:cNvSpPr>
@@ -1166,13 +1031,7 @@
       </p:sp>
       <p:sp>
         <p:nvSpPr>
-          <p:cNvPr id="6" name="灯片编号占位符 5">
-            <a:extLst>
-              <a:ext uri="{FF2B5EF4-FFF2-40B4-BE49-F238E27FC236}">
-                <a16:creationId xmlns:a16="http://schemas.microsoft.com/office/drawing/2014/main" id="{1091BC56-5712-4D48-8210-8C749C6ECEF4}"/>
-              </a:ext>
-            </a:extLst>
-          </p:cNvPr>
+          <p:cNvPr id="6" name="Slide Number Placeholder 5"/>
           <p:cNvSpPr>
             <a:spLocks noGrp="1"/>
           </p:cNvSpPr>
@@ -1196,7 +1055,7 @@
     </p:spTree>
     <p:extLst>
       <p:ext uri="{BB962C8B-B14F-4D97-AF65-F5344CB8AC3E}">
-        <p14:creationId xmlns:p14="http://schemas.microsoft.com/office/powerpoint/2010/main" val="3849746424"/>
+        <p14:creationId xmlns:p14="http://schemas.microsoft.com/office/powerpoint/2010/main" val="3873764704"/>
       </p:ext>
     </p:extLst>
   </p:cSld>
@@ -1225,13 +1084,7 @@
       </p:grpSpPr>
       <p:sp>
         <p:nvSpPr>
-          <p:cNvPr id="2" name="标题 1">
-            <a:extLst>
-              <a:ext uri="{FF2B5EF4-FFF2-40B4-BE49-F238E27FC236}">
-                <a16:creationId xmlns:a16="http://schemas.microsoft.com/office/drawing/2014/main" id="{35A89777-A11C-D04E-9D32-833C5866DE25}"/>
-              </a:ext>
-            </a:extLst>
-          </p:cNvPr>
+          <p:cNvPr id="2" name="Title 1"/>
           <p:cNvSpPr>
             <a:spLocks noGrp="1"/>
           </p:cNvSpPr>
@@ -1245,21 +1098,16 @@
           <a:lstStyle/>
           <a:p>
             <a:r>
-              <a:rPr kumimoji="1" lang="zh-CN" altLang="en-US"/>
+              <a:rPr lang="zh-CN" altLang="en-US"/>
               <a:t>单击此处编辑母版标题样式</a:t>
             </a:r>
-          </a:p>
-        </p:txBody>
-      </p:sp>
-      <p:sp>
-        <p:nvSpPr>
-          <p:cNvPr id="3" name="内容占位符 2">
-            <a:extLst>
-              <a:ext uri="{FF2B5EF4-FFF2-40B4-BE49-F238E27FC236}">
-                <a16:creationId xmlns:a16="http://schemas.microsoft.com/office/drawing/2014/main" id="{7001FFD2-5079-D842-80EB-58F21F306EA1}"/>
-              </a:ext>
-            </a:extLst>
-          </p:cNvPr>
+            <a:endParaRPr lang="en-US" dirty="0"/>
+          </a:p>
+        </p:txBody>
+      </p:sp>
+      <p:sp>
+        <p:nvSpPr>
+          <p:cNvPr id="3" name="Content Placeholder 2"/>
           <p:cNvSpPr>
             <a:spLocks noGrp="1"/>
           </p:cNvSpPr>
@@ -1269,8 +1117,8 @@
         </p:nvSpPr>
         <p:spPr>
           <a:xfrm>
-            <a:off x="838200" y="1825625"/>
-            <a:ext cx="5181600" cy="4351338"/>
+            <a:off x="1633508" y="3833390"/>
+            <a:ext cx="10098048" cy="9136803"/>
           </a:xfrm>
         </p:spPr>
         <p:txBody>
@@ -1279,49 +1127,44 @@
           <a:p>
             <a:pPr lvl="0"/>
             <a:r>
-              <a:rPr kumimoji="1" lang="zh-CN" altLang="en-US"/>
+              <a:rPr lang="zh-CN" altLang="en-US"/>
               <a:t>单击此处编辑母版文本样式</a:t>
             </a:r>
           </a:p>
           <a:p>
             <a:pPr lvl="1"/>
             <a:r>
-              <a:rPr kumimoji="1" lang="zh-CN" altLang="en-US"/>
+              <a:rPr lang="zh-CN" altLang="en-US"/>
               <a:t>二级</a:t>
             </a:r>
           </a:p>
           <a:p>
             <a:pPr lvl="2"/>
             <a:r>
-              <a:rPr kumimoji="1" lang="zh-CN" altLang="en-US"/>
+              <a:rPr lang="zh-CN" altLang="en-US"/>
               <a:t>三级</a:t>
             </a:r>
           </a:p>
           <a:p>
             <a:pPr lvl="3"/>
             <a:r>
-              <a:rPr kumimoji="1" lang="zh-CN" altLang="en-US"/>
+              <a:rPr lang="zh-CN" altLang="en-US"/>
               <a:t>四级</a:t>
             </a:r>
           </a:p>
           <a:p>
             <a:pPr lvl="4"/>
             <a:r>
-              <a:rPr kumimoji="1" lang="zh-CN" altLang="en-US"/>
+              <a:rPr lang="zh-CN" altLang="en-US"/>
               <a:t>五级</a:t>
             </a:r>
-          </a:p>
-        </p:txBody>
-      </p:sp>
-      <p:sp>
-        <p:nvSpPr>
-          <p:cNvPr id="4" name="内容占位符 3">
-            <a:extLst>
-              <a:ext uri="{FF2B5EF4-FFF2-40B4-BE49-F238E27FC236}">
-                <a16:creationId xmlns:a16="http://schemas.microsoft.com/office/drawing/2014/main" id="{6555C26A-FE83-814A-A5CF-CE72FCF5DE74}"/>
-              </a:ext>
-            </a:extLst>
-          </p:cNvPr>
+            <a:endParaRPr lang="en-US" dirty="0"/>
+          </a:p>
+        </p:txBody>
+      </p:sp>
+      <p:sp>
+        <p:nvSpPr>
+          <p:cNvPr id="4" name="Content Placeholder 3"/>
           <p:cNvSpPr>
             <a:spLocks noGrp="1"/>
           </p:cNvSpPr>
@@ -1331,8 +1174,8 @@
         </p:nvSpPr>
         <p:spPr>
           <a:xfrm>
-            <a:off x="6172200" y="1825625"/>
-            <a:ext cx="5181600" cy="4351338"/>
+            <a:off x="12028557" y="3833390"/>
+            <a:ext cx="10098048" cy="9136803"/>
           </a:xfrm>
         </p:spPr>
         <p:txBody>
@@ -1341,49 +1184,44 @@
           <a:p>
             <a:pPr lvl="0"/>
             <a:r>
-              <a:rPr kumimoji="1" lang="zh-CN" altLang="en-US"/>
+              <a:rPr lang="zh-CN" altLang="en-US"/>
               <a:t>单击此处编辑母版文本样式</a:t>
             </a:r>
           </a:p>
           <a:p>
             <a:pPr lvl="1"/>
             <a:r>
-              <a:rPr kumimoji="1" lang="zh-CN" altLang="en-US"/>
+              <a:rPr lang="zh-CN" altLang="en-US"/>
               <a:t>二级</a:t>
             </a:r>
           </a:p>
           <a:p>
             <a:pPr lvl="2"/>
             <a:r>
-              <a:rPr kumimoji="1" lang="zh-CN" altLang="en-US"/>
+              <a:rPr lang="zh-CN" altLang="en-US"/>
               <a:t>三级</a:t>
             </a:r>
           </a:p>
           <a:p>
             <a:pPr lvl="3"/>
             <a:r>
-              <a:rPr kumimoji="1" lang="zh-CN" altLang="en-US"/>
+              <a:rPr lang="zh-CN" altLang="en-US"/>
               <a:t>四级</a:t>
             </a:r>
           </a:p>
           <a:p>
             <a:pPr lvl="4"/>
             <a:r>
-              <a:rPr kumimoji="1" lang="zh-CN" altLang="en-US"/>
+              <a:rPr lang="zh-CN" altLang="en-US"/>
               <a:t>五级</a:t>
             </a:r>
-          </a:p>
-        </p:txBody>
-      </p:sp>
-      <p:sp>
-        <p:nvSpPr>
-          <p:cNvPr id="5" name="日期占位符 4">
-            <a:extLst>
-              <a:ext uri="{FF2B5EF4-FFF2-40B4-BE49-F238E27FC236}">
-                <a16:creationId xmlns:a16="http://schemas.microsoft.com/office/drawing/2014/main" id="{B5442FC5-38FA-A948-917F-3DEF715C0CCB}"/>
-              </a:ext>
-            </a:extLst>
-          </p:cNvPr>
+            <a:endParaRPr lang="en-US" dirty="0"/>
+          </a:p>
+        </p:txBody>
+      </p:sp>
+      <p:sp>
+        <p:nvSpPr>
+          <p:cNvPr id="5" name="Date Placeholder 4"/>
           <p:cNvSpPr>
             <a:spLocks noGrp="1"/>
           </p:cNvSpPr>
@@ -1406,13 +1244,7 @@
       </p:sp>
       <p:sp>
         <p:nvSpPr>
-          <p:cNvPr id="6" name="页脚占位符 5">
-            <a:extLst>
-              <a:ext uri="{FF2B5EF4-FFF2-40B4-BE49-F238E27FC236}">
-                <a16:creationId xmlns:a16="http://schemas.microsoft.com/office/drawing/2014/main" id="{E8143774-66BB-6D4C-88D4-7671596BDF4F}"/>
-              </a:ext>
-            </a:extLst>
-          </p:cNvPr>
+          <p:cNvPr id="6" name="Footer Placeholder 5"/>
           <p:cNvSpPr>
             <a:spLocks noGrp="1"/>
           </p:cNvSpPr>
@@ -1431,13 +1263,7 @@
       </p:sp>
       <p:sp>
         <p:nvSpPr>
-          <p:cNvPr id="7" name="灯片编号占位符 6">
-            <a:extLst>
-              <a:ext uri="{FF2B5EF4-FFF2-40B4-BE49-F238E27FC236}">
-                <a16:creationId xmlns:a16="http://schemas.microsoft.com/office/drawing/2014/main" id="{2D1FC249-E905-5942-A9B4-1F65152AA2BA}"/>
-              </a:ext>
-            </a:extLst>
-          </p:cNvPr>
+          <p:cNvPr id="7" name="Slide Number Placeholder 6"/>
           <p:cNvSpPr>
             <a:spLocks noGrp="1"/>
           </p:cNvSpPr>
@@ -1461,7 +1287,7 @@
     </p:spTree>
     <p:extLst>
       <p:ext uri="{BB962C8B-B14F-4D97-AF65-F5344CB8AC3E}">
-        <p14:creationId xmlns:p14="http://schemas.microsoft.com/office/powerpoint/2010/main" val="3527071520"/>
+        <p14:creationId xmlns:p14="http://schemas.microsoft.com/office/powerpoint/2010/main" val="2737968733"/>
       </p:ext>
     </p:extLst>
   </p:cSld>
@@ -1490,13 +1316,7 @@
       </p:grpSpPr>
       <p:sp>
         <p:nvSpPr>
-          <p:cNvPr id="2" name="标题 1">
-            <a:extLst>
-              <a:ext uri="{FF2B5EF4-FFF2-40B4-BE49-F238E27FC236}">
-                <a16:creationId xmlns:a16="http://schemas.microsoft.com/office/drawing/2014/main" id="{7CBF5A10-B22E-714B-AF00-87D1A529BD51}"/>
-              </a:ext>
-            </a:extLst>
-          </p:cNvPr>
+          <p:cNvPr id="2" name="Title 1"/>
           <p:cNvSpPr>
             <a:spLocks noGrp="1"/>
           </p:cNvSpPr>
@@ -1506,8 +1326,8 @@
         </p:nvSpPr>
         <p:spPr>
           <a:xfrm>
-            <a:off x="839788" y="365125"/>
-            <a:ext cx="10515600" cy="1325563"/>
+            <a:off x="1636603" y="766679"/>
+            <a:ext cx="20493097" cy="2783376"/>
           </a:xfrm>
         </p:spPr>
         <p:txBody>
@@ -1515,21 +1335,16 @@
           <a:lstStyle/>
           <a:p>
             <a:r>
-              <a:rPr kumimoji="1" lang="zh-CN" altLang="en-US"/>
+              <a:rPr lang="zh-CN" altLang="en-US"/>
               <a:t>单击此处编辑母版标题样式</a:t>
             </a:r>
-          </a:p>
-        </p:txBody>
-      </p:sp>
-      <p:sp>
-        <p:nvSpPr>
-          <p:cNvPr id="3" name="文本占位符 2">
-            <a:extLst>
-              <a:ext uri="{FF2B5EF4-FFF2-40B4-BE49-F238E27FC236}">
-                <a16:creationId xmlns:a16="http://schemas.microsoft.com/office/drawing/2014/main" id="{C61A85D6-1F53-8542-B269-AEE81B220C8D}"/>
-              </a:ext>
-            </a:extLst>
-          </p:cNvPr>
+            <a:endParaRPr lang="en-US" dirty="0"/>
+          </a:p>
+        </p:txBody>
+      </p:sp>
+      <p:sp>
+        <p:nvSpPr>
+          <p:cNvPr id="3" name="Text Placeholder 2"/>
           <p:cNvSpPr>
             <a:spLocks noGrp="1"/>
           </p:cNvSpPr>
@@ -1539,8 +1354,8 @@
         </p:nvSpPr>
         <p:spPr>
           <a:xfrm>
-            <a:off x="839788" y="1681163"/>
-            <a:ext cx="5157787" cy="823912"/>
+            <a:off x="1636603" y="3530053"/>
+            <a:ext cx="10051641" cy="1730025"/>
           </a:xfrm>
         </p:spPr>
         <p:txBody>
@@ -1548,45 +1363,45 @@
           <a:lstStyle>
             <a:lvl1pPr marL="0" indent="0">
               <a:buNone/>
-              <a:defRPr sz="2400" b="1"/>
+              <a:defRPr sz="4677" b="1"/>
             </a:lvl1pPr>
-            <a:lvl2pPr marL="457200" indent="0">
+            <a:lvl2pPr marL="890991" indent="0">
               <a:buNone/>
-              <a:defRPr sz="2000" b="1"/>
+              <a:defRPr sz="3898" b="1"/>
             </a:lvl2pPr>
-            <a:lvl3pPr marL="914400" indent="0">
+            <a:lvl3pPr marL="1781983" indent="0">
               <a:buNone/>
-              <a:defRPr sz="1800" b="1"/>
+              <a:defRPr sz="3508" b="1"/>
             </a:lvl3pPr>
-            <a:lvl4pPr marL="1371600" indent="0">
+            <a:lvl4pPr marL="2672974" indent="0">
               <a:buNone/>
-              <a:defRPr sz="1600" b="1"/>
+              <a:defRPr sz="3118" b="1"/>
             </a:lvl4pPr>
-            <a:lvl5pPr marL="1828800" indent="0">
+            <a:lvl5pPr marL="3563965" indent="0">
               <a:buNone/>
-              <a:defRPr sz="1600" b="1"/>
+              <a:defRPr sz="3118" b="1"/>
             </a:lvl5pPr>
-            <a:lvl6pPr marL="2286000" indent="0">
+            <a:lvl6pPr marL="4454957" indent="0">
               <a:buNone/>
-              <a:defRPr sz="1600" b="1"/>
+              <a:defRPr sz="3118" b="1"/>
             </a:lvl6pPr>
-            <a:lvl7pPr marL="2743200" indent="0">
+            <a:lvl7pPr marL="5345948" indent="0">
               <a:buNone/>
-              <a:defRPr sz="1600" b="1"/>
+              <a:defRPr sz="3118" b="1"/>
             </a:lvl7pPr>
-            <a:lvl8pPr marL="3200400" indent="0">
+            <a:lvl8pPr marL="6236940" indent="0">
               <a:buNone/>
-              <a:defRPr sz="1600" b="1"/>
+              <a:defRPr sz="3118" b="1"/>
             </a:lvl8pPr>
-            <a:lvl9pPr marL="3657600" indent="0">
+            <a:lvl9pPr marL="7127931" indent="0">
               <a:buNone/>
-              <a:defRPr sz="1600" b="1"/>
+              <a:defRPr sz="3118" b="1"/>
             </a:lvl9pPr>
           </a:lstStyle>
           <a:p>
             <a:pPr lvl="0"/>
             <a:r>
-              <a:rPr kumimoji="1" lang="zh-CN" altLang="en-US"/>
+              <a:rPr lang="zh-CN" altLang="en-US"/>
               <a:t>单击此处编辑母版文本样式</a:t>
             </a:r>
           </a:p>
@@ -1594,13 +1409,7 @@
       </p:sp>
       <p:sp>
         <p:nvSpPr>
-          <p:cNvPr id="4" name="内容占位符 3">
-            <a:extLst>
-              <a:ext uri="{FF2B5EF4-FFF2-40B4-BE49-F238E27FC236}">
-                <a16:creationId xmlns:a16="http://schemas.microsoft.com/office/drawing/2014/main" id="{7BE7D785-1CE1-804A-B408-B76DAD619D01}"/>
-              </a:ext>
-            </a:extLst>
-          </p:cNvPr>
+          <p:cNvPr id="4" name="Content Placeholder 3"/>
           <p:cNvSpPr>
             <a:spLocks noGrp="1"/>
           </p:cNvSpPr>
@@ -1610,8 +1419,8 @@
         </p:nvSpPr>
         <p:spPr>
           <a:xfrm>
-            <a:off x="839788" y="2505075"/>
-            <a:ext cx="5157787" cy="3684588"/>
+            <a:off x="1636603" y="5260078"/>
+            <a:ext cx="10051641" cy="7736782"/>
           </a:xfrm>
         </p:spPr>
         <p:txBody>
@@ -1620,49 +1429,44 @@
           <a:p>
             <a:pPr lvl="0"/>
             <a:r>
-              <a:rPr kumimoji="1" lang="zh-CN" altLang="en-US"/>
+              <a:rPr lang="zh-CN" altLang="en-US"/>
               <a:t>单击此处编辑母版文本样式</a:t>
             </a:r>
           </a:p>
           <a:p>
             <a:pPr lvl="1"/>
             <a:r>
-              <a:rPr kumimoji="1" lang="zh-CN" altLang="en-US"/>
+              <a:rPr lang="zh-CN" altLang="en-US"/>
               <a:t>二级</a:t>
             </a:r>
           </a:p>
           <a:p>
             <a:pPr lvl="2"/>
             <a:r>
-              <a:rPr kumimoji="1" lang="zh-CN" altLang="en-US"/>
+              <a:rPr lang="zh-CN" altLang="en-US"/>
               <a:t>三级</a:t>
             </a:r>
           </a:p>
           <a:p>
             <a:pPr lvl="3"/>
             <a:r>
-              <a:rPr kumimoji="1" lang="zh-CN" altLang="en-US"/>
+              <a:rPr lang="zh-CN" altLang="en-US"/>
               <a:t>四级</a:t>
             </a:r>
           </a:p>
           <a:p>
             <a:pPr lvl="4"/>
             <a:r>
-              <a:rPr kumimoji="1" lang="zh-CN" altLang="en-US"/>
+              <a:rPr lang="zh-CN" altLang="en-US"/>
               <a:t>五级</a:t>
             </a:r>
-          </a:p>
-        </p:txBody>
-      </p:sp>
-      <p:sp>
-        <p:nvSpPr>
-          <p:cNvPr id="5" name="文本占位符 4">
-            <a:extLst>
-              <a:ext uri="{FF2B5EF4-FFF2-40B4-BE49-F238E27FC236}">
-                <a16:creationId xmlns:a16="http://schemas.microsoft.com/office/drawing/2014/main" id="{4A021691-8FBF-3549-A5CE-B88D0D9728B8}"/>
-              </a:ext>
-            </a:extLst>
-          </p:cNvPr>
+            <a:endParaRPr lang="en-US" dirty="0"/>
+          </a:p>
+        </p:txBody>
+      </p:sp>
+      <p:sp>
+        <p:nvSpPr>
+          <p:cNvPr id="5" name="Text Placeholder 4"/>
           <p:cNvSpPr>
             <a:spLocks noGrp="1"/>
           </p:cNvSpPr>
@@ -1672,8 +1476,8 @@
         </p:nvSpPr>
         <p:spPr>
           <a:xfrm>
-            <a:off x="6172200" y="1681163"/>
-            <a:ext cx="5183188" cy="823912"/>
+            <a:off x="12028557" y="3530053"/>
+            <a:ext cx="10101143" cy="1730025"/>
           </a:xfrm>
         </p:spPr>
         <p:txBody>
@@ -1681,45 +1485,45 @@
           <a:lstStyle>
             <a:lvl1pPr marL="0" indent="0">
               <a:buNone/>
-              <a:defRPr sz="2400" b="1"/>
+              <a:defRPr sz="4677" b="1"/>
             </a:lvl1pPr>
-            <a:lvl2pPr marL="457200" indent="0">
+            <a:lvl2pPr marL="890991" indent="0">
               <a:buNone/>
-              <a:defRPr sz="2000" b="1"/>
+              <a:defRPr sz="3898" b="1"/>
             </a:lvl2pPr>
-            <a:lvl3pPr marL="914400" indent="0">
+            <a:lvl3pPr marL="1781983" indent="0">
               <a:buNone/>
-              <a:defRPr sz="1800" b="1"/>
+              <a:defRPr sz="3508" b="1"/>
             </a:lvl3pPr>
-            <a:lvl4pPr marL="1371600" indent="0">
+            <a:lvl4pPr marL="2672974" indent="0">
               <a:buNone/>
-              <a:defRPr sz="1600" b="1"/>
+              <a:defRPr sz="3118" b="1"/>
             </a:lvl4pPr>
-            <a:lvl5pPr marL="1828800" indent="0">
+            <a:lvl5pPr marL="3563965" indent="0">
               <a:buNone/>
-              <a:defRPr sz="1600" b="1"/>
+              <a:defRPr sz="3118" b="1"/>
             </a:lvl5pPr>
-            <a:lvl6pPr marL="2286000" indent="0">
+            <a:lvl6pPr marL="4454957" indent="0">
               <a:buNone/>
-              <a:defRPr sz="1600" b="1"/>
+              <a:defRPr sz="3118" b="1"/>
             </a:lvl6pPr>
-            <a:lvl7pPr marL="2743200" indent="0">
+            <a:lvl7pPr marL="5345948" indent="0">
               <a:buNone/>
-              <a:defRPr sz="1600" b="1"/>
+              <a:defRPr sz="3118" b="1"/>
             </a:lvl7pPr>
-            <a:lvl8pPr marL="3200400" indent="0">
+            <a:lvl8pPr marL="6236940" indent="0">
               <a:buNone/>
-              <a:defRPr sz="1600" b="1"/>
+              <a:defRPr sz="3118" b="1"/>
             </a:lvl8pPr>
-            <a:lvl9pPr marL="3657600" indent="0">
+            <a:lvl9pPr marL="7127931" indent="0">
               <a:buNone/>
-              <a:defRPr sz="1600" b="1"/>
+              <a:defRPr sz="3118" b="1"/>
             </a:lvl9pPr>
           </a:lstStyle>
           <a:p>
             <a:pPr lvl="0"/>
             <a:r>
-              <a:rPr kumimoji="1" lang="zh-CN" altLang="en-US"/>
+              <a:rPr lang="zh-CN" altLang="en-US"/>
               <a:t>单击此处编辑母版文本样式</a:t>
             </a:r>
           </a:p>
@@ -1727,13 +1531,7 @@
       </p:sp>
       <p:sp>
         <p:nvSpPr>
-          <p:cNvPr id="6" name="内容占位符 5">
-            <a:extLst>
-              <a:ext uri="{FF2B5EF4-FFF2-40B4-BE49-F238E27FC236}">
-                <a16:creationId xmlns:a16="http://schemas.microsoft.com/office/drawing/2014/main" id="{A66AB841-19B7-D449-A44A-043255F8B87B}"/>
-              </a:ext>
-            </a:extLst>
-          </p:cNvPr>
+          <p:cNvPr id="6" name="Content Placeholder 5"/>
           <p:cNvSpPr>
             <a:spLocks noGrp="1"/>
           </p:cNvSpPr>
@@ -1743,8 +1541,8 @@
         </p:nvSpPr>
         <p:spPr>
           <a:xfrm>
-            <a:off x="6172200" y="2505075"/>
-            <a:ext cx="5183188" cy="3684588"/>
+            <a:off x="12028557" y="5260078"/>
+            <a:ext cx="10101143" cy="7736782"/>
           </a:xfrm>
         </p:spPr>
         <p:txBody>
@@ -1753,49 +1551,44 @@
           <a:p>
             <a:pPr lvl="0"/>
             <a:r>
-              <a:rPr kumimoji="1" lang="zh-CN" altLang="en-US"/>
+              <a:rPr lang="zh-CN" altLang="en-US"/>
               <a:t>单击此处编辑母版文本样式</a:t>
             </a:r>
           </a:p>
           <a:p>
             <a:pPr lvl="1"/>
             <a:r>
-              <a:rPr kumimoji="1" lang="zh-CN" altLang="en-US"/>
+              <a:rPr lang="zh-CN" altLang="en-US"/>
               <a:t>二级</a:t>
             </a:r>
           </a:p>
           <a:p>
             <a:pPr lvl="2"/>
             <a:r>
-              <a:rPr kumimoji="1" lang="zh-CN" altLang="en-US"/>
+              <a:rPr lang="zh-CN" altLang="en-US"/>
               <a:t>三级</a:t>
             </a:r>
           </a:p>
           <a:p>
             <a:pPr lvl="3"/>
             <a:r>
-              <a:rPr kumimoji="1" lang="zh-CN" altLang="en-US"/>
+              <a:rPr lang="zh-CN" altLang="en-US"/>
               <a:t>四级</a:t>
             </a:r>
           </a:p>
           <a:p>
             <a:pPr lvl="4"/>
             <a:r>
-              <a:rPr kumimoji="1" lang="zh-CN" altLang="en-US"/>
+              <a:rPr lang="zh-CN" altLang="en-US"/>
               <a:t>五级</a:t>
             </a:r>
-          </a:p>
-        </p:txBody>
-      </p:sp>
-      <p:sp>
-        <p:nvSpPr>
-          <p:cNvPr id="7" name="日期占位符 6">
-            <a:extLst>
-              <a:ext uri="{FF2B5EF4-FFF2-40B4-BE49-F238E27FC236}">
-                <a16:creationId xmlns:a16="http://schemas.microsoft.com/office/drawing/2014/main" id="{5DD9A35B-8BE6-5541-98CC-1DA149F0FD42}"/>
-              </a:ext>
-            </a:extLst>
-          </p:cNvPr>
+            <a:endParaRPr lang="en-US" dirty="0"/>
+          </a:p>
+        </p:txBody>
+      </p:sp>
+      <p:sp>
+        <p:nvSpPr>
+          <p:cNvPr id="7" name="Date Placeholder 6"/>
           <p:cNvSpPr>
             <a:spLocks noGrp="1"/>
           </p:cNvSpPr>
@@ -1818,13 +1611,7 @@
       </p:sp>
       <p:sp>
         <p:nvSpPr>
-          <p:cNvPr id="8" name="页脚占位符 7">
-            <a:extLst>
-              <a:ext uri="{FF2B5EF4-FFF2-40B4-BE49-F238E27FC236}">
-                <a16:creationId xmlns:a16="http://schemas.microsoft.com/office/drawing/2014/main" id="{7ACF0CD3-06DF-DE47-BDAB-AD8A6F19E658}"/>
-              </a:ext>
-            </a:extLst>
-          </p:cNvPr>
+          <p:cNvPr id="8" name="Footer Placeholder 7"/>
           <p:cNvSpPr>
             <a:spLocks noGrp="1"/>
           </p:cNvSpPr>
@@ -1843,13 +1630,7 @@
       </p:sp>
       <p:sp>
         <p:nvSpPr>
-          <p:cNvPr id="9" name="灯片编号占位符 8">
-            <a:extLst>
-              <a:ext uri="{FF2B5EF4-FFF2-40B4-BE49-F238E27FC236}">
-                <a16:creationId xmlns:a16="http://schemas.microsoft.com/office/drawing/2014/main" id="{6FB1BBC6-249C-E74B-9094-ECC3C63D1F1F}"/>
-              </a:ext>
-            </a:extLst>
-          </p:cNvPr>
+          <p:cNvPr id="9" name="Slide Number Placeholder 8"/>
           <p:cNvSpPr>
             <a:spLocks noGrp="1"/>
           </p:cNvSpPr>
@@ -1873,7 +1654,7 @@
     </p:spTree>
     <p:extLst>
       <p:ext uri="{BB962C8B-B14F-4D97-AF65-F5344CB8AC3E}">
-        <p14:creationId xmlns:p14="http://schemas.microsoft.com/office/powerpoint/2010/main" val="294808339"/>
+        <p14:creationId xmlns:p14="http://schemas.microsoft.com/office/powerpoint/2010/main" val="188848685"/>
       </p:ext>
     </p:extLst>
   </p:cSld>
@@ -1902,13 +1683,7 @@
       </p:grpSpPr>
       <p:sp>
         <p:nvSpPr>
-          <p:cNvPr id="2" name="标题 1">
-            <a:extLst>
-              <a:ext uri="{FF2B5EF4-FFF2-40B4-BE49-F238E27FC236}">
-                <a16:creationId xmlns:a16="http://schemas.microsoft.com/office/drawing/2014/main" id="{1F4B7420-D788-C442-B7B2-2716F1B20721}"/>
-              </a:ext>
-            </a:extLst>
-          </p:cNvPr>
+          <p:cNvPr id="2" name="Title 1"/>
           <p:cNvSpPr>
             <a:spLocks noGrp="1"/>
           </p:cNvSpPr>
@@ -1922,21 +1697,16 @@
           <a:lstStyle/>
           <a:p>
             <a:r>
-              <a:rPr kumimoji="1" lang="zh-CN" altLang="en-US"/>
+              <a:rPr lang="zh-CN" altLang="en-US"/>
               <a:t>单击此处编辑母版标题样式</a:t>
             </a:r>
-          </a:p>
-        </p:txBody>
-      </p:sp>
-      <p:sp>
-        <p:nvSpPr>
-          <p:cNvPr id="3" name="日期占位符 2">
-            <a:extLst>
-              <a:ext uri="{FF2B5EF4-FFF2-40B4-BE49-F238E27FC236}">
-                <a16:creationId xmlns:a16="http://schemas.microsoft.com/office/drawing/2014/main" id="{9AB43ED1-FA78-DF4E-9BAB-A08BF5E14F89}"/>
-              </a:ext>
-            </a:extLst>
-          </p:cNvPr>
+            <a:endParaRPr lang="en-US" dirty="0"/>
+          </a:p>
+        </p:txBody>
+      </p:sp>
+      <p:sp>
+        <p:nvSpPr>
+          <p:cNvPr id="3" name="Date Placeholder 2"/>
           <p:cNvSpPr>
             <a:spLocks noGrp="1"/>
           </p:cNvSpPr>
@@ -1959,13 +1729,7 @@
       </p:sp>
       <p:sp>
         <p:nvSpPr>
-          <p:cNvPr id="4" name="页脚占位符 3">
-            <a:extLst>
-              <a:ext uri="{FF2B5EF4-FFF2-40B4-BE49-F238E27FC236}">
-                <a16:creationId xmlns:a16="http://schemas.microsoft.com/office/drawing/2014/main" id="{2E920F96-A0F3-5D4A-A26D-E20D4F4DE623}"/>
-              </a:ext>
-            </a:extLst>
-          </p:cNvPr>
+          <p:cNvPr id="4" name="Footer Placeholder 3"/>
           <p:cNvSpPr>
             <a:spLocks noGrp="1"/>
           </p:cNvSpPr>
@@ -1984,13 +1748,7 @@
       </p:sp>
       <p:sp>
         <p:nvSpPr>
-          <p:cNvPr id="5" name="灯片编号占位符 4">
-            <a:extLst>
-              <a:ext uri="{FF2B5EF4-FFF2-40B4-BE49-F238E27FC236}">
-                <a16:creationId xmlns:a16="http://schemas.microsoft.com/office/drawing/2014/main" id="{2C0973E3-2539-CC4E-A2FC-66B012E57930}"/>
-              </a:ext>
-            </a:extLst>
-          </p:cNvPr>
+          <p:cNvPr id="5" name="Slide Number Placeholder 4"/>
           <p:cNvSpPr>
             <a:spLocks noGrp="1"/>
           </p:cNvSpPr>
@@ -2014,7 +1772,7 @@
     </p:spTree>
     <p:extLst>
       <p:ext uri="{BB962C8B-B14F-4D97-AF65-F5344CB8AC3E}">
-        <p14:creationId xmlns:p14="http://schemas.microsoft.com/office/powerpoint/2010/main" val="2404027874"/>
+        <p14:creationId xmlns:p14="http://schemas.microsoft.com/office/powerpoint/2010/main" val="1034327094"/>
       </p:ext>
     </p:extLst>
   </p:cSld>
@@ -2043,13 +1801,7 @@
       </p:grpSpPr>
       <p:sp>
         <p:nvSpPr>
-          <p:cNvPr id="2" name="日期占位符 1">
-            <a:extLst>
-              <a:ext uri="{FF2B5EF4-FFF2-40B4-BE49-F238E27FC236}">
-                <a16:creationId xmlns:a16="http://schemas.microsoft.com/office/drawing/2014/main" id="{8C596DAF-A9D3-984F-9261-FADC4C760D05}"/>
-              </a:ext>
-            </a:extLst>
-          </p:cNvPr>
+          <p:cNvPr id="2" name="Date Placeholder 1"/>
           <p:cNvSpPr>
             <a:spLocks noGrp="1"/>
           </p:cNvSpPr>
@@ -2072,13 +1824,7 @@
       </p:sp>
       <p:sp>
         <p:nvSpPr>
-          <p:cNvPr id="3" name="页脚占位符 2">
-            <a:extLst>
-              <a:ext uri="{FF2B5EF4-FFF2-40B4-BE49-F238E27FC236}">
-                <a16:creationId xmlns:a16="http://schemas.microsoft.com/office/drawing/2014/main" id="{7BFD1979-BD00-8649-9558-7364D34A279B}"/>
-              </a:ext>
-            </a:extLst>
-          </p:cNvPr>
+          <p:cNvPr id="3" name="Footer Placeholder 2"/>
           <p:cNvSpPr>
             <a:spLocks noGrp="1"/>
           </p:cNvSpPr>
@@ -2097,13 +1843,7 @@
       </p:sp>
       <p:sp>
         <p:nvSpPr>
-          <p:cNvPr id="4" name="灯片编号占位符 3">
-            <a:extLst>
-              <a:ext uri="{FF2B5EF4-FFF2-40B4-BE49-F238E27FC236}">
-                <a16:creationId xmlns:a16="http://schemas.microsoft.com/office/drawing/2014/main" id="{D7BFB57C-5A87-0743-A993-BAC10BB9EC47}"/>
-              </a:ext>
-            </a:extLst>
-          </p:cNvPr>
+          <p:cNvPr id="4" name="Slide Number Placeholder 3"/>
           <p:cNvSpPr>
             <a:spLocks noGrp="1"/>
           </p:cNvSpPr>
@@ -2127,7 +1867,7 @@
     </p:spTree>
     <p:extLst>
       <p:ext uri="{BB962C8B-B14F-4D97-AF65-F5344CB8AC3E}">
-        <p14:creationId xmlns:p14="http://schemas.microsoft.com/office/powerpoint/2010/main" val="1487675633"/>
+        <p14:creationId xmlns:p14="http://schemas.microsoft.com/office/powerpoint/2010/main" val="2067445676"/>
       </p:ext>
     </p:extLst>
   </p:cSld>
@@ -2156,13 +1896,7 @@
       </p:grpSpPr>
       <p:sp>
         <p:nvSpPr>
-          <p:cNvPr id="2" name="标题 1">
-            <a:extLst>
-              <a:ext uri="{FF2B5EF4-FFF2-40B4-BE49-F238E27FC236}">
-                <a16:creationId xmlns:a16="http://schemas.microsoft.com/office/drawing/2014/main" id="{0EEADCB1-D936-264A-95C0-4FCC6B2C31D2}"/>
-              </a:ext>
-            </a:extLst>
-          </p:cNvPr>
+          <p:cNvPr id="2" name="Title 1"/>
           <p:cNvSpPr>
             <a:spLocks noGrp="1"/>
           </p:cNvSpPr>
@@ -2172,34 +1906,29 @@
         </p:nvSpPr>
         <p:spPr>
           <a:xfrm>
-            <a:off x="839788" y="457200"/>
-            <a:ext cx="3932237" cy="1600200"/>
+            <a:off x="1636604" y="960014"/>
+            <a:ext cx="7663254" cy="3360050"/>
           </a:xfrm>
         </p:spPr>
         <p:txBody>
           <a:bodyPr anchor="b"/>
           <a:lstStyle>
             <a:lvl1pPr>
-              <a:defRPr sz="3200"/>
+              <a:defRPr sz="6236"/>
             </a:lvl1pPr>
           </a:lstStyle>
           <a:p>
             <a:r>
-              <a:rPr kumimoji="1" lang="zh-CN" altLang="en-US"/>
+              <a:rPr lang="zh-CN" altLang="en-US"/>
               <a:t>单击此处编辑母版标题样式</a:t>
             </a:r>
-          </a:p>
-        </p:txBody>
-      </p:sp>
-      <p:sp>
-        <p:nvSpPr>
-          <p:cNvPr id="3" name="内容占位符 2">
-            <a:extLst>
-              <a:ext uri="{FF2B5EF4-FFF2-40B4-BE49-F238E27FC236}">
-                <a16:creationId xmlns:a16="http://schemas.microsoft.com/office/drawing/2014/main" id="{9A0D69C1-A230-7841-B0A0-AAD28BADDD02}"/>
-              </a:ext>
-            </a:extLst>
-          </p:cNvPr>
+            <a:endParaRPr lang="en-US" dirty="0"/>
+          </a:p>
+        </p:txBody>
+      </p:sp>
+      <p:sp>
+        <p:nvSpPr>
+          <p:cNvPr id="3" name="Content Placeholder 2"/>
           <p:cNvSpPr>
             <a:spLocks noGrp="1"/>
           </p:cNvSpPr>
@@ -2209,87 +1938,82 @@
         </p:nvSpPr>
         <p:spPr>
           <a:xfrm>
-            <a:off x="5183188" y="987425"/>
-            <a:ext cx="6172200" cy="4873625"/>
+            <a:off x="10101143" y="2073365"/>
+            <a:ext cx="12028557" cy="10233485"/>
           </a:xfrm>
         </p:spPr>
         <p:txBody>
           <a:bodyPr/>
           <a:lstStyle>
             <a:lvl1pPr>
-              <a:defRPr sz="3200"/>
+              <a:defRPr sz="6236"/>
             </a:lvl1pPr>
             <a:lvl2pPr>
-              <a:defRPr sz="2800"/>
+              <a:defRPr sz="5457"/>
             </a:lvl2pPr>
             <a:lvl3pPr>
-              <a:defRPr sz="2400"/>
+              <a:defRPr sz="4677"/>
             </a:lvl3pPr>
             <a:lvl4pPr>
-              <a:defRPr sz="2000"/>
+              <a:defRPr sz="3898"/>
             </a:lvl4pPr>
             <a:lvl5pPr>
-              <a:defRPr sz="2000"/>
+              <a:defRPr sz="3898"/>
             </a:lvl5pPr>
             <a:lvl6pPr>
-              <a:defRPr sz="2000"/>
+              <a:defRPr sz="3898"/>
             </a:lvl6pPr>
             <a:lvl7pPr>
-              <a:defRPr sz="2000"/>
+              <a:defRPr sz="3898"/>
             </a:lvl7pPr>
             <a:lvl8pPr>
-              <a:defRPr sz="2000"/>
+              <a:defRPr sz="3898"/>
             </a:lvl8pPr>
             <a:lvl9pPr>
-              <a:defRPr sz="2000"/>
+              <a:defRPr sz="3898"/>
             </a:lvl9pPr>
           </a:lstStyle>
           <a:p>
             <a:pPr lvl="0"/>
             <a:r>
-              <a:rPr kumimoji="1" lang="zh-CN" altLang="en-US"/>
+              <a:rPr lang="zh-CN" altLang="en-US"/>
               <a:t>单击此处编辑母版文本样式</a:t>
             </a:r>
           </a:p>
           <a:p>
             <a:pPr lvl="1"/>
             <a:r>
-              <a:rPr kumimoji="1" lang="zh-CN" altLang="en-US"/>
+              <a:rPr lang="zh-CN" altLang="en-US"/>
               <a:t>二级</a:t>
             </a:r>
           </a:p>
           <a:p>
             <a:pPr lvl="2"/>
             <a:r>
-              <a:rPr kumimoji="1" lang="zh-CN" altLang="en-US"/>
+              <a:rPr lang="zh-CN" altLang="en-US"/>
               <a:t>三级</a:t>
             </a:r>
           </a:p>
           <a:p>
             <a:pPr lvl="3"/>
             <a:r>
-              <a:rPr kumimoji="1" lang="zh-CN" altLang="en-US"/>
+              <a:rPr lang="zh-CN" altLang="en-US"/>
               <a:t>四级</a:t>
             </a:r>
           </a:p>
           <a:p>
             <a:pPr lvl="4"/>
             <a:r>
-              <a:rPr kumimoji="1" lang="zh-CN" altLang="en-US"/>
+              <a:rPr lang="zh-CN" altLang="en-US"/>
               <a:t>五级</a:t>
             </a:r>
-          </a:p>
-        </p:txBody>
-      </p:sp>
-      <p:sp>
-        <p:nvSpPr>
-          <p:cNvPr id="4" name="文本占位符 3">
-            <a:extLst>
-              <a:ext uri="{FF2B5EF4-FFF2-40B4-BE49-F238E27FC236}">
-                <a16:creationId xmlns:a16="http://schemas.microsoft.com/office/drawing/2014/main" id="{A6F95C52-52C0-1A4F-ADD8-0A893ECE769C}"/>
-              </a:ext>
-            </a:extLst>
-          </p:cNvPr>
+            <a:endParaRPr lang="en-US" dirty="0"/>
+          </a:p>
+        </p:txBody>
+      </p:sp>
+      <p:sp>
+        <p:nvSpPr>
+          <p:cNvPr id="4" name="Text Placeholder 3"/>
           <p:cNvSpPr>
             <a:spLocks noGrp="1"/>
           </p:cNvSpPr>
@@ -2299,8 +2023,8 @@
         </p:nvSpPr>
         <p:spPr>
           <a:xfrm>
-            <a:off x="839788" y="2057400"/>
-            <a:ext cx="3932237" cy="3811588"/>
+            <a:off x="1636604" y="4320064"/>
+            <a:ext cx="7663254" cy="8003453"/>
           </a:xfrm>
         </p:spPr>
         <p:txBody>
@@ -2308,45 +2032,45 @@
           <a:lstStyle>
             <a:lvl1pPr marL="0" indent="0">
               <a:buNone/>
-              <a:defRPr sz="1600"/>
+              <a:defRPr sz="3118"/>
             </a:lvl1pPr>
-            <a:lvl2pPr marL="457200" indent="0">
+            <a:lvl2pPr marL="890991" indent="0">
               <a:buNone/>
-              <a:defRPr sz="1400"/>
+              <a:defRPr sz="2728"/>
             </a:lvl2pPr>
-            <a:lvl3pPr marL="914400" indent="0">
+            <a:lvl3pPr marL="1781983" indent="0">
               <a:buNone/>
-              <a:defRPr sz="1200"/>
+              <a:defRPr sz="2339"/>
             </a:lvl3pPr>
-            <a:lvl4pPr marL="1371600" indent="0">
+            <a:lvl4pPr marL="2672974" indent="0">
               <a:buNone/>
-              <a:defRPr sz="1000"/>
+              <a:defRPr sz="1949"/>
             </a:lvl4pPr>
-            <a:lvl5pPr marL="1828800" indent="0">
+            <a:lvl5pPr marL="3563965" indent="0">
               <a:buNone/>
-              <a:defRPr sz="1000"/>
+              <a:defRPr sz="1949"/>
             </a:lvl5pPr>
-            <a:lvl6pPr marL="2286000" indent="0">
+            <a:lvl6pPr marL="4454957" indent="0">
               <a:buNone/>
-              <a:defRPr sz="1000"/>
+              <a:defRPr sz="1949"/>
             </a:lvl6pPr>
-            <a:lvl7pPr marL="2743200" indent="0">
+            <a:lvl7pPr marL="5345948" indent="0">
               <a:buNone/>
-              <a:defRPr sz="1000"/>
+              <a:defRPr sz="1949"/>
             </a:lvl7pPr>
-            <a:lvl8pPr marL="3200400" indent="0">
+            <a:lvl8pPr marL="6236940" indent="0">
               <a:buNone/>
-              <a:defRPr sz="1000"/>
+              <a:defRPr sz="1949"/>
             </a:lvl8pPr>
-            <a:lvl9pPr marL="3657600" indent="0">
+            <a:lvl9pPr marL="7127931" indent="0">
               <a:buNone/>
-              <a:defRPr sz="1000"/>
+              <a:defRPr sz="1949"/>
             </a:lvl9pPr>
           </a:lstStyle>
           <a:p>
             <a:pPr lvl="0"/>
             <a:r>
-              <a:rPr kumimoji="1" lang="zh-CN" altLang="en-US"/>
+              <a:rPr lang="zh-CN" altLang="en-US"/>
               <a:t>单击此处编辑母版文本样式</a:t>
             </a:r>
           </a:p>
@@ -2354,13 +2078,7 @@
       </p:sp>
       <p:sp>
         <p:nvSpPr>
-          <p:cNvPr id="5" name="日期占位符 4">
-            <a:extLst>
-              <a:ext uri="{FF2B5EF4-FFF2-40B4-BE49-F238E27FC236}">
-                <a16:creationId xmlns:a16="http://schemas.microsoft.com/office/drawing/2014/main" id="{F1BEEB9F-B7C1-5A48-9A15-9DE42F9ED985}"/>
-              </a:ext>
-            </a:extLst>
-          </p:cNvPr>
+          <p:cNvPr id="5" name="Date Placeholder 4"/>
           <p:cNvSpPr>
             <a:spLocks noGrp="1"/>
           </p:cNvSpPr>
@@ -2383,13 +2101,7 @@
       </p:sp>
       <p:sp>
         <p:nvSpPr>
-          <p:cNvPr id="6" name="页脚占位符 5">
-            <a:extLst>
-              <a:ext uri="{FF2B5EF4-FFF2-40B4-BE49-F238E27FC236}">
-                <a16:creationId xmlns:a16="http://schemas.microsoft.com/office/drawing/2014/main" id="{51B21E4F-BE51-9A45-BD16-A2E534342D10}"/>
-              </a:ext>
-            </a:extLst>
-          </p:cNvPr>
+          <p:cNvPr id="6" name="Footer Placeholder 5"/>
           <p:cNvSpPr>
             <a:spLocks noGrp="1"/>
           </p:cNvSpPr>
@@ -2408,13 +2120,7 @@
       </p:sp>
       <p:sp>
         <p:nvSpPr>
-          <p:cNvPr id="7" name="灯片编号占位符 6">
-            <a:extLst>
-              <a:ext uri="{FF2B5EF4-FFF2-40B4-BE49-F238E27FC236}">
-                <a16:creationId xmlns:a16="http://schemas.microsoft.com/office/drawing/2014/main" id="{2D1E74BB-23E4-794E-A329-52B479CE868C}"/>
-              </a:ext>
-            </a:extLst>
-          </p:cNvPr>
+          <p:cNvPr id="7" name="Slide Number Placeholder 6"/>
           <p:cNvSpPr>
             <a:spLocks noGrp="1"/>
           </p:cNvSpPr>
@@ -2438,7 +2144,7 @@
     </p:spTree>
     <p:extLst>
       <p:ext uri="{BB962C8B-B14F-4D97-AF65-F5344CB8AC3E}">
-        <p14:creationId xmlns:p14="http://schemas.microsoft.com/office/powerpoint/2010/main" val="3826415237"/>
+        <p14:creationId xmlns:p14="http://schemas.microsoft.com/office/powerpoint/2010/main" val="3413682317"/>
       </p:ext>
     </p:extLst>
   </p:cSld>
@@ -2467,13 +2173,7 @@
       </p:grpSpPr>
       <p:sp>
         <p:nvSpPr>
-          <p:cNvPr id="2" name="标题 1">
-            <a:extLst>
-              <a:ext uri="{FF2B5EF4-FFF2-40B4-BE49-F238E27FC236}">
-                <a16:creationId xmlns:a16="http://schemas.microsoft.com/office/drawing/2014/main" id="{85B8432F-BA7B-7743-9048-7F0E7C619248}"/>
-              </a:ext>
-            </a:extLst>
-          </p:cNvPr>
+          <p:cNvPr id="2" name="Title 1"/>
           <p:cNvSpPr>
             <a:spLocks noGrp="1"/>
           </p:cNvSpPr>
@@ -2483,36 +2183,31 @@
         </p:nvSpPr>
         <p:spPr>
           <a:xfrm>
-            <a:off x="839788" y="457200"/>
-            <a:ext cx="3932237" cy="1600200"/>
+            <a:off x="1636604" y="960014"/>
+            <a:ext cx="7663254" cy="3360050"/>
           </a:xfrm>
         </p:spPr>
         <p:txBody>
           <a:bodyPr anchor="b"/>
           <a:lstStyle>
             <a:lvl1pPr>
-              <a:defRPr sz="3200"/>
+              <a:defRPr sz="6236"/>
             </a:lvl1pPr>
           </a:lstStyle>
           <a:p>
             <a:r>
-              <a:rPr kumimoji="1" lang="zh-CN" altLang="en-US"/>
+              <a:rPr lang="zh-CN" altLang="en-US"/>
               <a:t>单击此处编辑母版标题样式</a:t>
             </a:r>
-          </a:p>
-        </p:txBody>
-      </p:sp>
-      <p:sp>
-        <p:nvSpPr>
-          <p:cNvPr id="3" name="图片占位符 2">
-            <a:extLst>
-              <a:ext uri="{FF2B5EF4-FFF2-40B4-BE49-F238E27FC236}">
-                <a16:creationId xmlns:a16="http://schemas.microsoft.com/office/drawing/2014/main" id="{58AEF6EA-42DC-2646-AE63-0A9255827249}"/>
-              </a:ext>
-            </a:extLst>
-          </p:cNvPr>
+            <a:endParaRPr lang="en-US" dirty="0"/>
+          </a:p>
+        </p:txBody>
+      </p:sp>
+      <p:sp>
+        <p:nvSpPr>
+          <p:cNvPr id="3" name="Picture Placeholder 2"/>
           <p:cNvSpPr>
-            <a:spLocks noGrp="1"/>
+            <a:spLocks noGrp="1" noChangeAspect="1"/>
           </p:cNvSpPr>
           <p:nvPr>
             <p:ph type="pic" idx="1"/>
@@ -2520,64 +2215,62 @@
         </p:nvSpPr>
         <p:spPr>
           <a:xfrm>
-            <a:off x="5183188" y="987425"/>
-            <a:ext cx="6172200" cy="4873625"/>
+            <a:off x="10101143" y="2073365"/>
+            <a:ext cx="12028557" cy="10233485"/>
           </a:xfrm>
         </p:spPr>
         <p:txBody>
-          <a:bodyPr/>
+          <a:bodyPr anchor="t"/>
           <a:lstStyle>
             <a:lvl1pPr marL="0" indent="0">
               <a:buNone/>
-              <a:defRPr sz="3200"/>
+              <a:defRPr sz="6236"/>
             </a:lvl1pPr>
-            <a:lvl2pPr marL="457200" indent="0">
+            <a:lvl2pPr marL="890991" indent="0">
               <a:buNone/>
-              <a:defRPr sz="2800"/>
+              <a:defRPr sz="5457"/>
             </a:lvl2pPr>
-            <a:lvl3pPr marL="914400" indent="0">
+            <a:lvl3pPr marL="1781983" indent="0">
               <a:buNone/>
-              <a:defRPr sz="2400"/>
+              <a:defRPr sz="4677"/>
             </a:lvl3pPr>
-            <a:lvl4pPr marL="1371600" indent="0">
+            <a:lvl4pPr marL="2672974" indent="0">
               <a:buNone/>
-              <a:defRPr sz="2000"/>
+              <a:defRPr sz="3898"/>
             </a:lvl4pPr>
-            <a:lvl5pPr marL="1828800" indent="0">
+            <a:lvl5pPr marL="3563965" indent="0">
               <a:buNone/>
-              <a:defRPr sz="2000"/>
+              <a:defRPr sz="3898"/>
             </a:lvl5pPr>
-            <a:lvl6pPr marL="2286000" indent="0">
+            <a:lvl6pPr marL="4454957" indent="0">
               <a:buNone/>
-              <a:defRPr sz="2000"/>
+              <a:defRPr sz="3898"/>
             </a:lvl6pPr>
-            <a:lvl7pPr marL="2743200" indent="0">
+            <a:lvl7pPr marL="5345948" indent="0">
               <a:buNone/>
-              <a:defRPr sz="2000"/>
+              <a:defRPr sz="3898"/>
             </a:lvl7pPr>
-            <a:lvl8pPr marL="3200400" indent="0">
+            <a:lvl8pPr marL="6236940" indent="0">
               <a:buNone/>
-              <a:defRPr sz="2000"/>
+              <a:defRPr sz="3898"/>
             </a:lvl8pPr>
-            <a:lvl9pPr marL="3657600" indent="0">
+            <a:lvl9pPr marL="7127931" indent="0">
               <a:buNone/>
-              <a:defRPr sz="2000"/>
+              <a:defRPr sz="3898"/>
             </a:lvl9pPr>
           </a:lstStyle>
           <a:p>
-            <a:endParaRPr kumimoji="1" lang="zh-CN" altLang="en-US"/>
-          </a:p>
-        </p:txBody>
-      </p:sp>
-      <p:sp>
-        <p:nvSpPr>
-          <p:cNvPr id="4" name="文本占位符 3">
-            <a:extLst>
-              <a:ext uri="{FF2B5EF4-FFF2-40B4-BE49-F238E27FC236}">
-                <a16:creationId xmlns:a16="http://schemas.microsoft.com/office/drawing/2014/main" id="{5C29616C-2AFC-8242-9777-8784A60C917C}"/>
-              </a:ext>
-            </a:extLst>
-          </p:cNvPr>
+            <a:r>
+              <a:rPr lang="zh-CN" altLang="en-US"/>
+              <a:t>单击图标添加图片</a:t>
+            </a:r>
+            <a:endParaRPr lang="en-US" dirty="0"/>
+          </a:p>
+        </p:txBody>
+      </p:sp>
+      <p:sp>
+        <p:nvSpPr>
+          <p:cNvPr id="4" name="Text Placeholder 3"/>
           <p:cNvSpPr>
             <a:spLocks noGrp="1"/>
           </p:cNvSpPr>
@@ -2587,8 +2280,8 @@
         </p:nvSpPr>
         <p:spPr>
           <a:xfrm>
-            <a:off x="839788" y="2057400"/>
-            <a:ext cx="3932237" cy="3811588"/>
+            <a:off x="1636604" y="4320064"/>
+            <a:ext cx="7663254" cy="8003453"/>
           </a:xfrm>
         </p:spPr>
         <p:txBody>
@@ -2596,45 +2289,45 @@
           <a:lstStyle>
             <a:lvl1pPr marL="0" indent="0">
               <a:buNone/>
-              <a:defRPr sz="1600"/>
+              <a:defRPr sz="3118"/>
             </a:lvl1pPr>
-            <a:lvl2pPr marL="457200" indent="0">
+            <a:lvl2pPr marL="890991" indent="0">
               <a:buNone/>
-              <a:defRPr sz="1400"/>
+              <a:defRPr sz="2728"/>
             </a:lvl2pPr>
-            <a:lvl3pPr marL="914400" indent="0">
+            <a:lvl3pPr marL="1781983" indent="0">
               <a:buNone/>
-              <a:defRPr sz="1200"/>
+              <a:defRPr sz="2339"/>
             </a:lvl3pPr>
-            <a:lvl4pPr marL="1371600" indent="0">
+            <a:lvl4pPr marL="2672974" indent="0">
               <a:buNone/>
-              <a:defRPr sz="1000"/>
+              <a:defRPr sz="1949"/>
             </a:lvl4pPr>
-            <a:lvl5pPr marL="1828800" indent="0">
+            <a:lvl5pPr marL="3563965" indent="0">
               <a:buNone/>
-              <a:defRPr sz="1000"/>
+              <a:defRPr sz="1949"/>
             </a:lvl5pPr>
-            <a:lvl6pPr marL="2286000" indent="0">
+            <a:lvl6pPr marL="4454957" indent="0">
               <a:buNone/>
-              <a:defRPr sz="1000"/>
+              <a:defRPr sz="1949"/>
             </a:lvl6pPr>
-            <a:lvl7pPr marL="2743200" indent="0">
+            <a:lvl7pPr marL="5345948" indent="0">
               <a:buNone/>
-              <a:defRPr sz="1000"/>
+              <a:defRPr sz="1949"/>
             </a:lvl7pPr>
-            <a:lvl8pPr marL="3200400" indent="0">
+            <a:lvl8pPr marL="6236940" indent="0">
               <a:buNone/>
-              <a:defRPr sz="1000"/>
+              <a:defRPr sz="1949"/>
             </a:lvl8pPr>
-            <a:lvl9pPr marL="3657600" indent="0">
+            <a:lvl9pPr marL="7127931" indent="0">
               <a:buNone/>
-              <a:defRPr sz="1000"/>
+              <a:defRPr sz="1949"/>
             </a:lvl9pPr>
           </a:lstStyle>
           <a:p>
             <a:pPr lvl="0"/>
             <a:r>
-              <a:rPr kumimoji="1" lang="zh-CN" altLang="en-US"/>
+              <a:rPr lang="zh-CN" altLang="en-US"/>
               <a:t>单击此处编辑母版文本样式</a:t>
             </a:r>
           </a:p>
@@ -2642,13 +2335,7 @@
       </p:sp>
       <p:sp>
         <p:nvSpPr>
-          <p:cNvPr id="5" name="日期占位符 4">
-            <a:extLst>
-              <a:ext uri="{FF2B5EF4-FFF2-40B4-BE49-F238E27FC236}">
-                <a16:creationId xmlns:a16="http://schemas.microsoft.com/office/drawing/2014/main" id="{68D0E00B-4938-8A4A-B28D-0F4E05346BB4}"/>
-              </a:ext>
-            </a:extLst>
-          </p:cNvPr>
+          <p:cNvPr id="5" name="Date Placeholder 4"/>
           <p:cNvSpPr>
             <a:spLocks noGrp="1"/>
           </p:cNvSpPr>
@@ -2671,13 +2358,7 @@
       </p:sp>
       <p:sp>
         <p:nvSpPr>
-          <p:cNvPr id="6" name="页脚占位符 5">
-            <a:extLst>
-              <a:ext uri="{FF2B5EF4-FFF2-40B4-BE49-F238E27FC236}">
-                <a16:creationId xmlns:a16="http://schemas.microsoft.com/office/drawing/2014/main" id="{D018B2CB-090A-7348-8DA2-1538B4DB6122}"/>
-              </a:ext>
-            </a:extLst>
-          </p:cNvPr>
+          <p:cNvPr id="6" name="Footer Placeholder 5"/>
           <p:cNvSpPr>
             <a:spLocks noGrp="1"/>
           </p:cNvSpPr>
@@ -2696,13 +2377,7 @@
       </p:sp>
       <p:sp>
         <p:nvSpPr>
-          <p:cNvPr id="7" name="灯片编号占位符 6">
-            <a:extLst>
-              <a:ext uri="{FF2B5EF4-FFF2-40B4-BE49-F238E27FC236}">
-                <a16:creationId xmlns:a16="http://schemas.microsoft.com/office/drawing/2014/main" id="{03463198-29A9-6D47-8DC4-67056E49DB7B}"/>
-              </a:ext>
-            </a:extLst>
-          </p:cNvPr>
+          <p:cNvPr id="7" name="Slide Number Placeholder 6"/>
           <p:cNvSpPr>
             <a:spLocks noGrp="1"/>
           </p:cNvSpPr>
@@ -2726,7 +2401,7 @@
     </p:spTree>
     <p:extLst>
       <p:ext uri="{BB962C8B-B14F-4D97-AF65-F5344CB8AC3E}">
-        <p14:creationId xmlns:p14="http://schemas.microsoft.com/office/powerpoint/2010/main" val="2948609339"/>
+        <p14:creationId xmlns:p14="http://schemas.microsoft.com/office/powerpoint/2010/main" val="4157733826"/>
       </p:ext>
     </p:extLst>
   </p:cSld>
@@ -2760,13 +2435,7 @@
       </p:grpSpPr>
       <p:sp>
         <p:nvSpPr>
-          <p:cNvPr id="2" name="标题占位符 1">
-            <a:extLst>
-              <a:ext uri="{FF2B5EF4-FFF2-40B4-BE49-F238E27FC236}">
-                <a16:creationId xmlns:a16="http://schemas.microsoft.com/office/drawing/2014/main" id="{2AAC053E-169A-9F4D-9518-34014E741EB2}"/>
-              </a:ext>
-            </a:extLst>
-          </p:cNvPr>
+          <p:cNvPr id="2" name="Title Placeholder 1"/>
           <p:cNvSpPr>
             <a:spLocks noGrp="1"/>
           </p:cNvSpPr>
@@ -2776,8 +2445,8 @@
         </p:nvSpPr>
         <p:spPr>
           <a:xfrm>
-            <a:off x="838200" y="365125"/>
-            <a:ext cx="10515600" cy="1325563"/>
+            <a:off x="1633508" y="766679"/>
+            <a:ext cx="20493097" cy="2783376"/>
           </a:xfrm>
           <a:prstGeom prst="rect">
             <a:avLst/>
@@ -2790,21 +2459,16 @@
           <a:lstStyle/>
           <a:p>
             <a:r>
-              <a:rPr kumimoji="1" lang="zh-CN" altLang="en-US"/>
+              <a:rPr lang="zh-CN" altLang="en-US"/>
               <a:t>单击此处编辑母版标题样式</a:t>
             </a:r>
-          </a:p>
-        </p:txBody>
-      </p:sp>
-      <p:sp>
-        <p:nvSpPr>
-          <p:cNvPr id="3" name="文本占位符 2">
-            <a:extLst>
-              <a:ext uri="{FF2B5EF4-FFF2-40B4-BE49-F238E27FC236}">
-                <a16:creationId xmlns:a16="http://schemas.microsoft.com/office/drawing/2014/main" id="{1E681924-4513-934B-BF5F-AE6D6E8EDDAE}"/>
-              </a:ext>
-            </a:extLst>
-          </p:cNvPr>
+            <a:endParaRPr lang="en-US" dirty="0"/>
+          </a:p>
+        </p:txBody>
+      </p:sp>
+      <p:sp>
+        <p:nvSpPr>
+          <p:cNvPr id="3" name="Text Placeholder 2"/>
           <p:cNvSpPr>
             <a:spLocks noGrp="1"/>
           </p:cNvSpPr>
@@ -2814,8 +2478,8 @@
         </p:nvSpPr>
         <p:spPr>
           <a:xfrm>
-            <a:off x="838200" y="1825625"/>
-            <a:ext cx="10515600" cy="4351338"/>
+            <a:off x="1633508" y="3833390"/>
+            <a:ext cx="20493097" cy="9136803"/>
           </a:xfrm>
           <a:prstGeom prst="rect">
             <a:avLst/>
@@ -2829,49 +2493,44 @@
           <a:p>
             <a:pPr lvl="0"/>
             <a:r>
-              <a:rPr kumimoji="1" lang="zh-CN" altLang="en-US"/>
+              <a:rPr lang="zh-CN" altLang="en-US"/>
               <a:t>单击此处编辑母版文本样式</a:t>
             </a:r>
           </a:p>
           <a:p>
             <a:pPr lvl="1"/>
             <a:r>
-              <a:rPr kumimoji="1" lang="zh-CN" altLang="en-US"/>
+              <a:rPr lang="zh-CN" altLang="en-US"/>
               <a:t>二级</a:t>
             </a:r>
           </a:p>
           <a:p>
             <a:pPr lvl="2"/>
             <a:r>
-              <a:rPr kumimoji="1" lang="zh-CN" altLang="en-US"/>
+              <a:rPr lang="zh-CN" altLang="en-US"/>
               <a:t>三级</a:t>
             </a:r>
           </a:p>
           <a:p>
             <a:pPr lvl="3"/>
             <a:r>
-              <a:rPr kumimoji="1" lang="zh-CN" altLang="en-US"/>
+              <a:rPr lang="zh-CN" altLang="en-US"/>
               <a:t>四级</a:t>
             </a:r>
           </a:p>
           <a:p>
             <a:pPr lvl="4"/>
             <a:r>
-              <a:rPr kumimoji="1" lang="zh-CN" altLang="en-US"/>
+              <a:rPr lang="zh-CN" altLang="en-US"/>
               <a:t>五级</a:t>
             </a:r>
-          </a:p>
-        </p:txBody>
-      </p:sp>
-      <p:sp>
-        <p:nvSpPr>
-          <p:cNvPr id="4" name="日期占位符 3">
-            <a:extLst>
-              <a:ext uri="{FF2B5EF4-FFF2-40B4-BE49-F238E27FC236}">
-                <a16:creationId xmlns:a16="http://schemas.microsoft.com/office/drawing/2014/main" id="{C5761CFC-1B80-9346-B124-04C01FDA7FF3}"/>
-              </a:ext>
-            </a:extLst>
-          </p:cNvPr>
+            <a:endParaRPr lang="en-US" dirty="0"/>
+          </a:p>
+        </p:txBody>
+      </p:sp>
+      <p:sp>
+        <p:nvSpPr>
+          <p:cNvPr id="4" name="Date Placeholder 3"/>
           <p:cNvSpPr>
             <a:spLocks noGrp="1"/>
           </p:cNvSpPr>
@@ -2881,8 +2540,8 @@
         </p:nvSpPr>
         <p:spPr>
           <a:xfrm>
-            <a:off x="838200" y="6356350"/>
-            <a:ext cx="2743200" cy="365125"/>
+            <a:off x="1633508" y="13346865"/>
+            <a:ext cx="5346025" cy="766678"/>
           </a:xfrm>
           <a:prstGeom prst="rect">
             <a:avLst/>
@@ -2892,7 +2551,7 @@
           <a:bodyPr vert="horz" lIns="91440" tIns="45720" rIns="91440" bIns="45720" rtlCol="0" anchor="ctr"/>
           <a:lstStyle>
             <a:lvl1pPr algn="l">
-              <a:defRPr sz="1200">
+              <a:defRPr sz="2339">
                 <a:solidFill>
                   <a:schemeClr val="tx1">
                     <a:tint val="75000"/>
@@ -2912,13 +2571,7 @@
       </p:sp>
       <p:sp>
         <p:nvSpPr>
-          <p:cNvPr id="5" name="页脚占位符 4">
-            <a:extLst>
-              <a:ext uri="{FF2B5EF4-FFF2-40B4-BE49-F238E27FC236}">
-                <a16:creationId xmlns:a16="http://schemas.microsoft.com/office/drawing/2014/main" id="{6E701777-B93E-394E-B603-4084D1366155}"/>
-              </a:ext>
-            </a:extLst>
-          </p:cNvPr>
+          <p:cNvPr id="5" name="Footer Placeholder 4"/>
           <p:cNvSpPr>
             <a:spLocks noGrp="1"/>
           </p:cNvSpPr>
@@ -2928,8 +2581,8 @@
         </p:nvSpPr>
         <p:spPr>
           <a:xfrm>
-            <a:off x="4038600" y="6356350"/>
-            <a:ext cx="4114800" cy="365125"/>
+            <a:off x="7870538" y="13346865"/>
+            <a:ext cx="8019038" cy="766678"/>
           </a:xfrm>
           <a:prstGeom prst="rect">
             <a:avLst/>
@@ -2939,7 +2592,7 @@
           <a:bodyPr vert="horz" lIns="91440" tIns="45720" rIns="91440" bIns="45720" rtlCol="0" anchor="ctr"/>
           <a:lstStyle>
             <a:lvl1pPr algn="ctr">
-              <a:defRPr sz="1200">
+              <a:defRPr sz="2339">
                 <a:solidFill>
                   <a:schemeClr val="tx1">
                     <a:tint val="75000"/>
@@ -2955,13 +2608,7 @@
       </p:sp>
       <p:sp>
         <p:nvSpPr>
-          <p:cNvPr id="6" name="灯片编号占位符 5">
-            <a:extLst>
-              <a:ext uri="{FF2B5EF4-FFF2-40B4-BE49-F238E27FC236}">
-                <a16:creationId xmlns:a16="http://schemas.microsoft.com/office/drawing/2014/main" id="{F01F2724-59DA-1E4C-B52C-950AF40BF5AB}"/>
-              </a:ext>
-            </a:extLst>
-          </p:cNvPr>
+          <p:cNvPr id="6" name="Slide Number Placeholder 5"/>
           <p:cNvSpPr>
             <a:spLocks noGrp="1"/>
           </p:cNvSpPr>
@@ -2971,8 +2618,8 @@
         </p:nvSpPr>
         <p:spPr>
           <a:xfrm>
-            <a:off x="8610600" y="6356350"/>
-            <a:ext cx="2743200" cy="365125"/>
+            <a:off x="16780580" y="13346865"/>
+            <a:ext cx="5346025" cy="766678"/>
           </a:xfrm>
           <a:prstGeom prst="rect">
             <a:avLst/>
@@ -2982,7 +2629,7 @@
           <a:bodyPr vert="horz" lIns="91440" tIns="45720" rIns="91440" bIns="45720" rtlCol="0" anchor="ctr"/>
           <a:lstStyle>
             <a:lvl1pPr algn="r">
-              <a:defRPr sz="1200">
+              <a:defRPr sz="2339">
                 <a:solidFill>
                   <a:schemeClr val="tx1">
                     <a:tint val="75000"/>
@@ -3003,27 +2650,27 @@
     </p:spTree>
     <p:extLst>
       <p:ext uri="{BB962C8B-B14F-4D97-AF65-F5344CB8AC3E}">
-        <p14:creationId xmlns:p14="http://schemas.microsoft.com/office/powerpoint/2010/main" val="1458625790"/>
+        <p14:creationId xmlns:p14="http://schemas.microsoft.com/office/powerpoint/2010/main" val="1655214179"/>
       </p:ext>
     </p:extLst>
   </p:cSld>
   <p:clrMap bg1="lt1" tx1="dk1" bg2="lt2" tx2="dk2" accent1="accent1" accent2="accent2" accent3="accent3" accent4="accent4" accent5="accent5" accent6="accent6" hlink="hlink" folHlink="folHlink"/>
   <p:sldLayoutIdLst>
-    <p:sldLayoutId id="2147483649" r:id="rId1"/>
-    <p:sldLayoutId id="2147483650" r:id="rId2"/>
-    <p:sldLayoutId id="2147483651" r:id="rId3"/>
-    <p:sldLayoutId id="2147483652" r:id="rId4"/>
-    <p:sldLayoutId id="2147483653" r:id="rId5"/>
-    <p:sldLayoutId id="2147483654" r:id="rId6"/>
-    <p:sldLayoutId id="2147483655" r:id="rId7"/>
-    <p:sldLayoutId id="2147483656" r:id="rId8"/>
-    <p:sldLayoutId id="2147483657" r:id="rId9"/>
-    <p:sldLayoutId id="2147483658" r:id="rId10"/>
-    <p:sldLayoutId id="2147483659" r:id="rId11"/>
+    <p:sldLayoutId id="2147483661" r:id="rId1"/>
+    <p:sldLayoutId id="2147483662" r:id="rId2"/>
+    <p:sldLayoutId id="2147483663" r:id="rId3"/>
+    <p:sldLayoutId id="2147483664" r:id="rId4"/>
+    <p:sldLayoutId id="2147483665" r:id="rId5"/>
+    <p:sldLayoutId id="2147483666" r:id="rId6"/>
+    <p:sldLayoutId id="2147483667" r:id="rId7"/>
+    <p:sldLayoutId id="2147483668" r:id="rId8"/>
+    <p:sldLayoutId id="2147483669" r:id="rId9"/>
+    <p:sldLayoutId id="2147483670" r:id="rId10"/>
+    <p:sldLayoutId id="2147483671" r:id="rId11"/>
   </p:sldLayoutIdLst>
   <p:txStyles>
     <p:titleStyle>
-      <a:lvl1pPr algn="l" defTabSz="914400" rtl="0" eaLnBrk="1" latinLnBrk="0" hangingPunct="1">
+      <a:lvl1pPr algn="l" defTabSz="1781983" rtl="0" eaLnBrk="1" latinLnBrk="0" hangingPunct="1">
         <a:lnSpc>
           <a:spcPct val="90000"/>
         </a:lnSpc>
@@ -3031,7 +2678,7 @@
           <a:spcPct val="0"/>
         </a:spcBef>
         <a:buNone/>
-        <a:defRPr sz="4400" kern="1200">
+        <a:defRPr sz="8575" kern="1200">
           <a:solidFill>
             <a:schemeClr val="tx1"/>
           </a:solidFill>
@@ -3042,16 +2689,16 @@
       </a:lvl1pPr>
     </p:titleStyle>
     <p:bodyStyle>
-      <a:lvl1pPr marL="228600" indent="-228600" algn="l" defTabSz="914400" rtl="0" eaLnBrk="1" latinLnBrk="0" hangingPunct="1">
+      <a:lvl1pPr marL="445496" indent="-445496" algn="l" defTabSz="1781983" rtl="0" eaLnBrk="1" latinLnBrk="0" hangingPunct="1">
         <a:lnSpc>
           <a:spcPct val="90000"/>
         </a:lnSpc>
         <a:spcBef>
-          <a:spcPts val="1000"/>
+          <a:spcPts val="1949"/>
         </a:spcBef>
         <a:buFont typeface="Arial" panose="020B0604020202020204" pitchFamily="34" charset="0"/>
         <a:buChar char="•"/>
-        <a:defRPr sz="2800" kern="1200">
+        <a:defRPr sz="5457" kern="1200">
           <a:solidFill>
             <a:schemeClr val="tx1"/>
           </a:solidFill>
@@ -3060,16 +2707,16 @@
           <a:cs typeface="+mn-cs"/>
         </a:defRPr>
       </a:lvl1pPr>
-      <a:lvl2pPr marL="685800" indent="-228600" algn="l" defTabSz="914400" rtl="0" eaLnBrk="1" latinLnBrk="0" hangingPunct="1">
+      <a:lvl2pPr marL="1336487" indent="-445496" algn="l" defTabSz="1781983" rtl="0" eaLnBrk="1" latinLnBrk="0" hangingPunct="1">
         <a:lnSpc>
           <a:spcPct val="90000"/>
         </a:lnSpc>
         <a:spcBef>
-          <a:spcPts val="500"/>
+          <a:spcPts val="974"/>
         </a:spcBef>
         <a:buFont typeface="Arial" panose="020B0604020202020204" pitchFamily="34" charset="0"/>
         <a:buChar char="•"/>
-        <a:defRPr sz="2400" kern="1200">
+        <a:defRPr sz="4677" kern="1200">
           <a:solidFill>
             <a:schemeClr val="tx1"/>
           </a:solidFill>
@@ -3078,16 +2725,16 @@
           <a:cs typeface="+mn-cs"/>
         </a:defRPr>
       </a:lvl2pPr>
-      <a:lvl3pPr marL="1143000" indent="-228600" algn="l" defTabSz="914400" rtl="0" eaLnBrk="1" latinLnBrk="0" hangingPunct="1">
+      <a:lvl3pPr marL="2227478" indent="-445496" algn="l" defTabSz="1781983" rtl="0" eaLnBrk="1" latinLnBrk="0" hangingPunct="1">
         <a:lnSpc>
           <a:spcPct val="90000"/>
         </a:lnSpc>
         <a:spcBef>
-          <a:spcPts val="500"/>
+          <a:spcPts val="974"/>
         </a:spcBef>
         <a:buFont typeface="Arial" panose="020B0604020202020204" pitchFamily="34" charset="0"/>
         <a:buChar char="•"/>
-        <a:defRPr sz="2000" kern="1200">
+        <a:defRPr sz="3898" kern="1200">
           <a:solidFill>
             <a:schemeClr val="tx1"/>
           </a:solidFill>
@@ -3096,16 +2743,16 @@
           <a:cs typeface="+mn-cs"/>
         </a:defRPr>
       </a:lvl3pPr>
-      <a:lvl4pPr marL="1600200" indent="-228600" algn="l" defTabSz="914400" rtl="0" eaLnBrk="1" latinLnBrk="0" hangingPunct="1">
+      <a:lvl4pPr marL="3118470" indent="-445496" algn="l" defTabSz="1781983" rtl="0" eaLnBrk="1" latinLnBrk="0" hangingPunct="1">
         <a:lnSpc>
           <a:spcPct val="90000"/>
         </a:lnSpc>
         <a:spcBef>
-          <a:spcPts val="500"/>
+          <a:spcPts val="974"/>
         </a:spcBef>
         <a:buFont typeface="Arial" panose="020B0604020202020204" pitchFamily="34" charset="0"/>
         <a:buChar char="•"/>
-        <a:defRPr sz="1800" kern="1200">
+        <a:defRPr sz="3508" kern="1200">
           <a:solidFill>
             <a:schemeClr val="tx1"/>
           </a:solidFill>
@@ -3114,16 +2761,16 @@
           <a:cs typeface="+mn-cs"/>
         </a:defRPr>
       </a:lvl4pPr>
-      <a:lvl5pPr marL="2057400" indent="-228600" algn="l" defTabSz="914400" rtl="0" eaLnBrk="1" latinLnBrk="0" hangingPunct="1">
+      <a:lvl5pPr marL="4009461" indent="-445496" algn="l" defTabSz="1781983" rtl="0" eaLnBrk="1" latinLnBrk="0" hangingPunct="1">
         <a:lnSpc>
           <a:spcPct val="90000"/>
         </a:lnSpc>
         <a:spcBef>
-          <a:spcPts val="500"/>
+          <a:spcPts val="974"/>
         </a:spcBef>
         <a:buFont typeface="Arial" panose="020B0604020202020204" pitchFamily="34" charset="0"/>
         <a:buChar char="•"/>
-        <a:defRPr sz="1800" kern="1200">
+        <a:defRPr sz="3508" kern="1200">
           <a:solidFill>
             <a:schemeClr val="tx1"/>
           </a:solidFill>
@@ -3132,16 +2779,16 @@
           <a:cs typeface="+mn-cs"/>
         </a:defRPr>
       </a:lvl5pPr>
-      <a:lvl6pPr marL="2514600" indent="-228600" algn="l" defTabSz="914400" rtl="0" eaLnBrk="1" latinLnBrk="0" hangingPunct="1">
+      <a:lvl6pPr marL="4900452" indent="-445496" algn="l" defTabSz="1781983" rtl="0" eaLnBrk="1" latinLnBrk="0" hangingPunct="1">
         <a:lnSpc>
           <a:spcPct val="90000"/>
         </a:lnSpc>
         <a:spcBef>
-          <a:spcPts val="500"/>
+          <a:spcPts val="974"/>
         </a:spcBef>
         <a:buFont typeface="Arial" panose="020B0604020202020204" pitchFamily="34" charset="0"/>
         <a:buChar char="•"/>
-        <a:defRPr sz="1800" kern="1200">
+        <a:defRPr sz="3508" kern="1200">
           <a:solidFill>
             <a:schemeClr val="tx1"/>
           </a:solidFill>
@@ -3150,16 +2797,16 @@
           <a:cs typeface="+mn-cs"/>
         </a:defRPr>
       </a:lvl6pPr>
-      <a:lvl7pPr marL="2971800" indent="-228600" algn="l" defTabSz="914400" rtl="0" eaLnBrk="1" latinLnBrk="0" hangingPunct="1">
+      <a:lvl7pPr marL="5791444" indent="-445496" algn="l" defTabSz="1781983" rtl="0" eaLnBrk="1" latinLnBrk="0" hangingPunct="1">
         <a:lnSpc>
           <a:spcPct val="90000"/>
         </a:lnSpc>
         <a:spcBef>
-          <a:spcPts val="500"/>
+          <a:spcPts val="974"/>
         </a:spcBef>
         <a:buFont typeface="Arial" panose="020B0604020202020204" pitchFamily="34" charset="0"/>
         <a:buChar char="•"/>
-        <a:defRPr sz="1800" kern="1200">
+        <a:defRPr sz="3508" kern="1200">
           <a:solidFill>
             <a:schemeClr val="tx1"/>
           </a:solidFill>
@@ -3168,16 +2815,16 @@
           <a:cs typeface="+mn-cs"/>
         </a:defRPr>
       </a:lvl7pPr>
-      <a:lvl8pPr marL="3429000" indent="-228600" algn="l" defTabSz="914400" rtl="0" eaLnBrk="1" latinLnBrk="0" hangingPunct="1">
+      <a:lvl8pPr marL="6682435" indent="-445496" algn="l" defTabSz="1781983" rtl="0" eaLnBrk="1" latinLnBrk="0" hangingPunct="1">
         <a:lnSpc>
           <a:spcPct val="90000"/>
         </a:lnSpc>
         <a:spcBef>
-          <a:spcPts val="500"/>
+          <a:spcPts val="974"/>
         </a:spcBef>
         <a:buFont typeface="Arial" panose="020B0604020202020204" pitchFamily="34" charset="0"/>
         <a:buChar char="•"/>
-        <a:defRPr sz="1800" kern="1200">
+        <a:defRPr sz="3508" kern="1200">
           <a:solidFill>
             <a:schemeClr val="tx1"/>
           </a:solidFill>
@@ -3186,16 +2833,16 @@
           <a:cs typeface="+mn-cs"/>
         </a:defRPr>
       </a:lvl8pPr>
-      <a:lvl9pPr marL="3886200" indent="-228600" algn="l" defTabSz="914400" rtl="0" eaLnBrk="1" latinLnBrk="0" hangingPunct="1">
+      <a:lvl9pPr marL="7573427" indent="-445496" algn="l" defTabSz="1781983" rtl="0" eaLnBrk="1" latinLnBrk="0" hangingPunct="1">
         <a:lnSpc>
           <a:spcPct val="90000"/>
         </a:lnSpc>
         <a:spcBef>
-          <a:spcPts val="500"/>
+          <a:spcPts val="974"/>
         </a:spcBef>
         <a:buFont typeface="Arial" panose="020B0604020202020204" pitchFamily="34" charset="0"/>
         <a:buChar char="•"/>
-        <a:defRPr sz="1800" kern="1200">
+        <a:defRPr sz="3508" kern="1200">
           <a:solidFill>
             <a:schemeClr val="tx1"/>
           </a:solidFill>
@@ -3207,10 +2854,10 @@
     </p:bodyStyle>
     <p:otherStyle>
       <a:defPPr>
-        <a:defRPr lang="zh-CN"/>
+        <a:defRPr lang="en-US"/>
       </a:defPPr>
-      <a:lvl1pPr marL="0" algn="l" defTabSz="914400" rtl="0" eaLnBrk="1" latinLnBrk="0" hangingPunct="1">
-        <a:defRPr sz="1800" kern="1200">
+      <a:lvl1pPr marL="0" algn="l" defTabSz="1781983" rtl="0" eaLnBrk="1" latinLnBrk="0" hangingPunct="1">
+        <a:defRPr sz="3508" kern="1200">
           <a:solidFill>
             <a:schemeClr val="tx1"/>
           </a:solidFill>
@@ -3219,8 +2866,8 @@
           <a:cs typeface="+mn-cs"/>
         </a:defRPr>
       </a:lvl1pPr>
-      <a:lvl2pPr marL="457200" algn="l" defTabSz="914400" rtl="0" eaLnBrk="1" latinLnBrk="0" hangingPunct="1">
-        <a:defRPr sz="1800" kern="1200">
+      <a:lvl2pPr marL="890991" algn="l" defTabSz="1781983" rtl="0" eaLnBrk="1" latinLnBrk="0" hangingPunct="1">
+        <a:defRPr sz="3508" kern="1200">
           <a:solidFill>
             <a:schemeClr val="tx1"/>
           </a:solidFill>
@@ -3229,8 +2876,8 @@
           <a:cs typeface="+mn-cs"/>
         </a:defRPr>
       </a:lvl2pPr>
-      <a:lvl3pPr marL="914400" algn="l" defTabSz="914400" rtl="0" eaLnBrk="1" latinLnBrk="0" hangingPunct="1">
-        <a:defRPr sz="1800" kern="1200">
+      <a:lvl3pPr marL="1781983" algn="l" defTabSz="1781983" rtl="0" eaLnBrk="1" latinLnBrk="0" hangingPunct="1">
+        <a:defRPr sz="3508" kern="1200">
           <a:solidFill>
             <a:schemeClr val="tx1"/>
           </a:solidFill>
@@ -3239,8 +2886,8 @@
           <a:cs typeface="+mn-cs"/>
         </a:defRPr>
       </a:lvl3pPr>
-      <a:lvl4pPr marL="1371600" algn="l" defTabSz="914400" rtl="0" eaLnBrk="1" latinLnBrk="0" hangingPunct="1">
-        <a:defRPr sz="1800" kern="1200">
+      <a:lvl4pPr marL="2672974" algn="l" defTabSz="1781983" rtl="0" eaLnBrk="1" latinLnBrk="0" hangingPunct="1">
+        <a:defRPr sz="3508" kern="1200">
           <a:solidFill>
             <a:schemeClr val="tx1"/>
           </a:solidFill>
@@ -3249,8 +2896,8 @@
           <a:cs typeface="+mn-cs"/>
         </a:defRPr>
       </a:lvl4pPr>
-      <a:lvl5pPr marL="1828800" algn="l" defTabSz="914400" rtl="0" eaLnBrk="1" latinLnBrk="0" hangingPunct="1">
-        <a:defRPr sz="1800" kern="1200">
+      <a:lvl5pPr marL="3563965" algn="l" defTabSz="1781983" rtl="0" eaLnBrk="1" latinLnBrk="0" hangingPunct="1">
+        <a:defRPr sz="3508" kern="1200">
           <a:solidFill>
             <a:schemeClr val="tx1"/>
           </a:solidFill>
@@ -3259,8 +2906,8 @@
           <a:cs typeface="+mn-cs"/>
         </a:defRPr>
       </a:lvl5pPr>
-      <a:lvl6pPr marL="2286000" algn="l" defTabSz="914400" rtl="0" eaLnBrk="1" latinLnBrk="0" hangingPunct="1">
-        <a:defRPr sz="1800" kern="1200">
+      <a:lvl6pPr marL="4454957" algn="l" defTabSz="1781983" rtl="0" eaLnBrk="1" latinLnBrk="0" hangingPunct="1">
+        <a:defRPr sz="3508" kern="1200">
           <a:solidFill>
             <a:schemeClr val="tx1"/>
           </a:solidFill>
@@ -3269,8 +2916,8 @@
           <a:cs typeface="+mn-cs"/>
         </a:defRPr>
       </a:lvl6pPr>
-      <a:lvl7pPr marL="2743200" algn="l" defTabSz="914400" rtl="0" eaLnBrk="1" latinLnBrk="0" hangingPunct="1">
-        <a:defRPr sz="1800" kern="1200">
+      <a:lvl7pPr marL="5345948" algn="l" defTabSz="1781983" rtl="0" eaLnBrk="1" latinLnBrk="0" hangingPunct="1">
+        <a:defRPr sz="3508" kern="1200">
           <a:solidFill>
             <a:schemeClr val="tx1"/>
           </a:solidFill>
@@ -3279,8 +2926,8 @@
           <a:cs typeface="+mn-cs"/>
         </a:defRPr>
       </a:lvl7pPr>
-      <a:lvl8pPr marL="3200400" algn="l" defTabSz="914400" rtl="0" eaLnBrk="1" latinLnBrk="0" hangingPunct="1">
-        <a:defRPr sz="1800" kern="1200">
+      <a:lvl8pPr marL="6236940" algn="l" defTabSz="1781983" rtl="0" eaLnBrk="1" latinLnBrk="0" hangingPunct="1">
+        <a:defRPr sz="3508" kern="1200">
           <a:solidFill>
             <a:schemeClr val="tx1"/>
           </a:solidFill>
@@ -3289,8 +2936,8 @@
           <a:cs typeface="+mn-cs"/>
         </a:defRPr>
       </a:lvl8pPr>
-      <a:lvl9pPr marL="3657600" algn="l" defTabSz="914400" rtl="0" eaLnBrk="1" latinLnBrk="0" hangingPunct="1">
-        <a:defRPr sz="1800" kern="1200">
+      <a:lvl9pPr marL="7127931" algn="l" defTabSz="1781983" rtl="0" eaLnBrk="1" latinLnBrk="0" hangingPunct="1">
+        <a:defRPr sz="3508" kern="1200">
           <a:solidFill>
             <a:schemeClr val="tx1"/>
           </a:solidFill>
@@ -3335,8 +2982,8 @@
         </p:nvSpPr>
         <p:spPr>
           <a:xfrm>
-            <a:off x="183066" y="1144140"/>
-            <a:ext cx="2270173" cy="369332"/>
+            <a:off x="5967123" y="4915246"/>
+            <a:ext cx="4392549" cy="647228"/>
           </a:xfrm>
           <a:prstGeom prst="rect">
             <a:avLst/>
@@ -3375,8 +3022,8 @@
         </p:nvSpPr>
         <p:spPr>
           <a:xfrm>
-            <a:off x="2026228" y="684808"/>
-            <a:ext cx="2558714" cy="369332"/>
+            <a:off x="7810284" y="4455914"/>
+            <a:ext cx="4947188" cy="647228"/>
           </a:xfrm>
           <a:prstGeom prst="rect">
             <a:avLst/>
@@ -3419,8 +3066,8 @@
         </p:nvSpPr>
         <p:spPr>
           <a:xfrm>
-            <a:off x="5514551" y="684808"/>
-            <a:ext cx="4233851" cy="369332"/>
+            <a:off x="11298607" y="4455914"/>
+            <a:ext cx="8316700" cy="647228"/>
           </a:xfrm>
           <a:prstGeom prst="rect">
             <a:avLst/>
@@ -3475,7 +3122,7 @@
         </p:nvSpPr>
         <p:spPr>
           <a:xfrm>
-            <a:off x="2406140" y="1054140"/>
+            <a:off x="8190196" y="4825247"/>
             <a:ext cx="1798890" cy="646331"/>
           </a:xfrm>
           <a:prstGeom prst="rect">
@@ -3562,7 +3209,7 @@
         </p:nvSpPr>
         <p:spPr>
           <a:xfrm>
-            <a:off x="5611038" y="1054140"/>
+            <a:off x="11395095" y="4825247"/>
             <a:ext cx="2903359" cy="461665"/>
           </a:xfrm>
           <a:prstGeom prst="rect">
@@ -3626,8 +3273,8 @@
         </p:nvSpPr>
         <p:spPr>
           <a:xfrm>
-            <a:off x="347777" y="684808"/>
-            <a:ext cx="1515158" cy="369332"/>
+            <a:off x="952449" y="4732465"/>
+            <a:ext cx="2852063" cy="647228"/>
           </a:xfrm>
           <a:prstGeom prst="rect">
             <a:avLst/>
@@ -3686,8 +3333,8 @@
         </p:nvSpPr>
         <p:spPr>
           <a:xfrm>
-            <a:off x="255604" y="4798061"/>
-            <a:ext cx="1699504" cy="369332"/>
+            <a:off x="952449" y="9452745"/>
+            <a:ext cx="3222357" cy="647228"/>
           </a:xfrm>
           <a:prstGeom prst="rect">
             <a:avLst/>
@@ -3741,9 +3388,9 @@
           <p:nvPr/>
         </p:nvCxnSpPr>
         <p:spPr>
-          <a:xfrm>
-            <a:off x="4584942" y="869474"/>
-            <a:ext cx="929609" cy="0"/>
+          <a:xfrm flipH="1">
+            <a:off x="11298608" y="4779528"/>
+            <a:ext cx="1458865" cy="0"/>
           </a:xfrm>
           <a:prstGeom prst="straightConnector1">
             <a:avLst/>
@@ -3781,7 +3428,7 @@
         </p:nvSpPr>
         <p:spPr>
           <a:xfrm>
-            <a:off x="2026228" y="4798061"/>
+            <a:off x="7810284" y="8569167"/>
             <a:ext cx="5155476" cy="1569660"/>
           </a:xfrm>
           <a:prstGeom prst="rect">
@@ -4031,7 +3678,7 @@
         </p:nvGrpSpPr>
         <p:grpSpPr>
           <a:xfrm>
-            <a:off x="2165180" y="2539642"/>
+            <a:off x="7949236" y="6310748"/>
             <a:ext cx="2280810" cy="1390664"/>
             <a:chOff x="3167831" y="2708902"/>
             <a:chExt cx="2280810" cy="1390664"/>
@@ -5098,8 +4745,8 @@
         </p:nvSpPr>
         <p:spPr>
           <a:xfrm>
-            <a:off x="2070444" y="1724524"/>
-            <a:ext cx="1120820" cy="646331"/>
+            <a:off x="7854501" y="5495630"/>
+            <a:ext cx="1984839" cy="1202124"/>
           </a:xfrm>
           <a:prstGeom prst="rect">
             <a:avLst/>
@@ -5148,7 +4795,7 @@
         </p:nvSpPr>
         <p:spPr>
           <a:xfrm>
-            <a:off x="3170142" y="1851314"/>
+            <a:off x="8954199" y="5622421"/>
             <a:ext cx="270887" cy="516021"/>
           </a:xfrm>
           <a:prstGeom prst="downArrow">
@@ -5192,8 +4839,8 @@
         </p:nvSpPr>
         <p:spPr>
           <a:xfrm>
-            <a:off x="2013095" y="4000215"/>
-            <a:ext cx="1281120" cy="646331"/>
+            <a:off x="7797151" y="7771321"/>
+            <a:ext cx="2387192" cy="1202124"/>
           </a:xfrm>
           <a:prstGeom prst="rect">
             <a:avLst/>
@@ -5242,7 +4889,7 @@
         </p:nvSpPr>
         <p:spPr>
           <a:xfrm>
-            <a:off x="3172860" y="4085301"/>
+            <a:off x="8956917" y="7856408"/>
             <a:ext cx="270887" cy="516021"/>
           </a:xfrm>
           <a:prstGeom prst="downArrow">
@@ -5286,7 +4933,7 @@
         </p:nvSpPr>
         <p:spPr>
           <a:xfrm>
-            <a:off x="1101832" y="5258792"/>
+            <a:off x="6885888" y="9029898"/>
             <a:ext cx="180000" cy="180000"/>
           </a:xfrm>
           <a:prstGeom prst="ellipse">
@@ -5332,7 +4979,7 @@
         </p:nvSpPr>
         <p:spPr>
           <a:xfrm>
-            <a:off x="449377" y="5492891"/>
+            <a:off x="6233433" y="9263997"/>
             <a:ext cx="180000" cy="180000"/>
           </a:xfrm>
           <a:prstGeom prst="ellipse">
@@ -5378,7 +5025,7 @@
         </p:nvSpPr>
         <p:spPr>
           <a:xfrm>
-            <a:off x="1382358" y="5897645"/>
+            <a:off x="7166414" y="9668751"/>
             <a:ext cx="180000" cy="180000"/>
           </a:xfrm>
           <a:prstGeom prst="ellipse">
@@ -5424,7 +5071,7 @@
         </p:nvSpPr>
         <p:spPr>
           <a:xfrm>
-            <a:off x="1562358" y="5374163"/>
+            <a:off x="7346414" y="9145269"/>
             <a:ext cx="180000" cy="180000"/>
           </a:xfrm>
           <a:prstGeom prst="ellipse">
@@ -5470,7 +5117,7 @@
         </p:nvSpPr>
         <p:spPr>
           <a:xfrm>
-            <a:off x="921832" y="5619656"/>
+            <a:off x="6705888" y="9390762"/>
             <a:ext cx="180000" cy="180000"/>
           </a:xfrm>
           <a:prstGeom prst="ellipse">
@@ -5520,7 +5167,7 @@
         </p:nvCxnSpPr>
         <p:spPr>
           <a:xfrm flipH="1">
-            <a:off x="1075472" y="5438792"/>
+            <a:off x="6859528" y="9209898"/>
             <a:ext cx="116360" cy="207224"/>
           </a:xfrm>
           <a:prstGeom prst="straightConnector1">
@@ -5563,7 +5210,7 @@
         </p:nvCxnSpPr>
         <p:spPr>
           <a:xfrm>
-            <a:off x="629377" y="5582891"/>
+            <a:off x="6413434" y="9353998"/>
             <a:ext cx="292455" cy="126765"/>
           </a:xfrm>
           <a:prstGeom prst="straightConnector1">
@@ -5606,7 +5253,7 @@
         </p:nvCxnSpPr>
         <p:spPr>
           <a:xfrm>
-            <a:off x="1075472" y="5773296"/>
+            <a:off x="6859528" y="9544403"/>
             <a:ext cx="306886" cy="214349"/>
           </a:xfrm>
           <a:prstGeom prst="straightConnector1">
@@ -5649,7 +5296,7 @@
         </p:nvCxnSpPr>
         <p:spPr>
           <a:xfrm flipV="1">
-            <a:off x="1535998" y="5554163"/>
+            <a:off x="7320054" y="9325269"/>
             <a:ext cx="116360" cy="369842"/>
           </a:xfrm>
           <a:prstGeom prst="straightConnector1">
@@ -5688,8 +5335,8 @@
         </p:nvSpPr>
         <p:spPr>
           <a:xfrm>
-            <a:off x="2026228" y="6370245"/>
-            <a:ext cx="3510898" cy="369332"/>
+            <a:off x="7810284" y="10141351"/>
+            <a:ext cx="6853158" cy="647228"/>
           </a:xfrm>
           <a:prstGeom prst="rect">
             <a:avLst/>
@@ -5724,8 +5371,8 @@
         </p:nvSpPr>
         <p:spPr>
           <a:xfrm>
-            <a:off x="5514551" y="2312251"/>
-            <a:ext cx="2568332" cy="369332"/>
+            <a:off x="11298607" y="6083357"/>
+            <a:ext cx="4985660" cy="647228"/>
           </a:xfrm>
           <a:prstGeom prst="rect">
             <a:avLst/>
@@ -5752,7 +5399,7 @@
       </p:sp>
       <p:sp>
         <p:nvSpPr>
-          <p:cNvPr id="115" name="椭圆 114">
+          <p:cNvPr id="115" name="圆角矩形 114">
             <a:extLst>
               <a:ext uri="{FF2B5EF4-FFF2-40B4-BE49-F238E27FC236}">
                 <a16:creationId xmlns:a16="http://schemas.microsoft.com/office/drawing/2014/main" id="{530A3F67-29E3-5249-853C-856F23935A59}"/>
@@ -5764,10 +5411,10 @@
         </p:nvSpPr>
         <p:spPr>
           <a:xfrm>
-            <a:off x="5660316" y="2747235"/>
+            <a:off x="11444372" y="6518341"/>
             <a:ext cx="360000" cy="360000"/>
           </a:xfrm>
-          <a:prstGeom prst="ellipse">
+          <a:prstGeom prst="roundRect">
             <a:avLst/>
           </a:prstGeom>
         </p:spPr>
@@ -5806,7 +5453,7 @@
       </p:sp>
       <p:sp>
         <p:nvSpPr>
-          <p:cNvPr id="116" name="椭圆 115">
+          <p:cNvPr id="116" name="圆角矩形 115">
             <a:extLst>
               <a:ext uri="{FF2B5EF4-FFF2-40B4-BE49-F238E27FC236}">
                 <a16:creationId xmlns:a16="http://schemas.microsoft.com/office/drawing/2014/main" id="{6783F7DF-ABB4-3F41-A779-29D78DC0343F}"/>
@@ -5818,10 +5465,10 @@
         </p:nvSpPr>
         <p:spPr>
           <a:xfrm>
-            <a:off x="6138582" y="2747235"/>
+            <a:off x="11922638" y="6518341"/>
             <a:ext cx="360000" cy="360000"/>
           </a:xfrm>
-          <a:prstGeom prst="ellipse">
+          <a:prstGeom prst="roundRect">
             <a:avLst/>
           </a:prstGeom>
         </p:spPr>
@@ -5860,7 +5507,7 @@
       </p:sp>
       <p:sp>
         <p:nvSpPr>
-          <p:cNvPr id="117" name="椭圆 116">
+          <p:cNvPr id="117" name="圆角矩形 116">
             <a:extLst>
               <a:ext uri="{FF2B5EF4-FFF2-40B4-BE49-F238E27FC236}">
                 <a16:creationId xmlns:a16="http://schemas.microsoft.com/office/drawing/2014/main" id="{19CEE185-6E10-084C-B347-A05136DE27A5}"/>
@@ -5872,10 +5519,10 @@
         </p:nvSpPr>
         <p:spPr>
           <a:xfrm>
-            <a:off x="6616848" y="2747235"/>
+            <a:off x="12400904" y="6518341"/>
             <a:ext cx="360000" cy="360000"/>
           </a:xfrm>
-          <a:prstGeom prst="ellipse">
+          <a:prstGeom prst="roundRect">
             <a:avLst/>
           </a:prstGeom>
         </p:spPr>
@@ -5914,7 +5561,7 @@
       </p:sp>
       <p:sp>
         <p:nvSpPr>
-          <p:cNvPr id="118" name="椭圆 117">
+          <p:cNvPr id="118" name="圆角矩形 117">
             <a:extLst>
               <a:ext uri="{FF2B5EF4-FFF2-40B4-BE49-F238E27FC236}">
                 <a16:creationId xmlns:a16="http://schemas.microsoft.com/office/drawing/2014/main" id="{0A5B3FF3-95A5-C543-9D86-20266E942214}"/>
@@ -5926,10 +5573,10 @@
         </p:nvSpPr>
         <p:spPr>
           <a:xfrm>
-            <a:off x="7573380" y="2747235"/>
+            <a:off x="13357436" y="6518341"/>
             <a:ext cx="360000" cy="360000"/>
           </a:xfrm>
-          <a:prstGeom prst="ellipse">
+          <a:prstGeom prst="roundRect">
             <a:avLst/>
           </a:prstGeom>
         </p:spPr>
@@ -5968,7 +5615,7 @@
       </p:sp>
       <p:sp>
         <p:nvSpPr>
-          <p:cNvPr id="119" name="椭圆 118">
+          <p:cNvPr id="119" name="圆角矩形 118">
             <a:extLst>
               <a:ext uri="{FF2B5EF4-FFF2-40B4-BE49-F238E27FC236}">
                 <a16:creationId xmlns:a16="http://schemas.microsoft.com/office/drawing/2014/main" id="{A614585C-BC24-0F4E-9A5F-0892133C1FE2}"/>
@@ -5980,10 +5627,10 @@
         </p:nvSpPr>
         <p:spPr>
           <a:xfrm>
-            <a:off x="7095114" y="2747235"/>
+            <a:off x="12879170" y="6518341"/>
             <a:ext cx="360000" cy="360000"/>
           </a:xfrm>
-          <a:prstGeom prst="ellipse">
+          <a:prstGeom prst="roundRect">
             <a:avLst/>
           </a:prstGeom>
         </p:spPr>
@@ -6034,7 +5681,7 @@
         </p:nvSpPr>
         <p:spPr>
           <a:xfrm>
-            <a:off x="5611038" y="3027701"/>
+            <a:off x="11395095" y="6798807"/>
             <a:ext cx="3137217" cy="1261922"/>
           </a:xfrm>
           <a:prstGeom prst="rightArrow">
@@ -6092,7 +5739,7 @@
         </p:nvSpPr>
         <p:spPr>
           <a:xfrm rot="16200000">
-            <a:off x="7922614" y="5016712"/>
+            <a:off x="13706671" y="8787818"/>
             <a:ext cx="270887" cy="1205886"/>
           </a:xfrm>
           <a:prstGeom prst="downArrow">
@@ -6136,8 +5783,8 @@
         </p:nvSpPr>
         <p:spPr>
           <a:xfrm>
-            <a:off x="7252824" y="5069460"/>
-            <a:ext cx="1518364" cy="369332"/>
+            <a:off x="13036881" y="8840566"/>
+            <a:ext cx="2861681" cy="647228"/>
           </a:xfrm>
           <a:prstGeom prst="rect">
             <a:avLst/>
@@ -6172,7 +5819,7 @@
         </p:nvSpPr>
         <p:spPr>
           <a:xfrm>
-            <a:off x="8934411" y="5156648"/>
+            <a:off x="14718467" y="8927755"/>
             <a:ext cx="1795116" cy="830997"/>
           </a:xfrm>
           <a:prstGeom prst="rect">
@@ -6254,8 +5901,8 @@
         </p:nvSpPr>
         <p:spPr>
           <a:xfrm>
-            <a:off x="9105437" y="6367721"/>
-            <a:ext cx="1285929" cy="369332"/>
+            <a:off x="14889494" y="10138827"/>
+            <a:ext cx="2388795" cy="647228"/>
           </a:xfrm>
           <a:prstGeom prst="rect">
             <a:avLst/>
@@ -6290,8 +5937,8 @@
         </p:nvSpPr>
         <p:spPr>
           <a:xfrm>
-            <a:off x="777678" y="6205607"/>
-            <a:ext cx="468398" cy="369332"/>
+            <a:off x="6561734" y="9976713"/>
+            <a:ext cx="753732" cy="647228"/>
           </a:xfrm>
           <a:prstGeom prst="rect">
             <a:avLst/>
@@ -6326,7 +5973,7 @@
         </p:nvSpPr>
         <p:spPr>
           <a:xfrm>
-            <a:off x="8934411" y="3027700"/>
+            <a:off x="14718467" y="6798807"/>
             <a:ext cx="1795116" cy="1261923"/>
           </a:xfrm>
           <a:prstGeom prst="roundRect">
@@ -6376,7 +6023,7 @@
         </p:nvSpPr>
         <p:spPr>
           <a:xfrm rot="10800000">
-            <a:off x="9696525" y="4411688"/>
+            <a:off x="15480582" y="8182795"/>
             <a:ext cx="270887" cy="516021"/>
           </a:xfrm>
           <a:prstGeom prst="downArrow">
@@ -6422,7 +6069,7 @@
 <file path=ppt/theme/theme1.xml><?xml version="1.0" encoding="utf-8"?>
 <a:theme xmlns:a="http://schemas.openxmlformats.org/drawingml/2006/main" name="Office 主题​​">
   <a:themeElements>
-    <a:clrScheme name="Office">
+    <a:clrScheme name="Office 主题​​">
       <a:dk1>
         <a:sysClr val="windowText" lastClr="000000"/>
       </a:dk1>
@@ -6460,9 +6107,9 @@
         <a:srgbClr val="954F72"/>
       </a:folHlink>
     </a:clrScheme>
-    <a:fontScheme name="Office">
+    <a:fontScheme name="Office 主题​​">
       <a:majorFont>
-        <a:latin typeface="等线 Light" panose="020F0302020204030204"/>
+        <a:latin typeface="Calibri Light" panose="020F0302020204030204"/>
         <a:ea typeface=""/>
         <a:cs typeface=""/>
         <a:font script="Jpan" typeface="游ゴシック Light"/>
@@ -6495,26 +6142,9 @@
         <a:font script="Viet" typeface="Times New Roman"/>
         <a:font script="Uigh" typeface="Microsoft Uighur"/>
         <a:font script="Geor" typeface="Sylfaen"/>
-        <a:font script="Armn" typeface="Arial"/>
-        <a:font script="Bugi" typeface="Leelawadee UI"/>
-        <a:font script="Bopo" typeface="Microsoft JhengHei"/>
-        <a:font script="Java" typeface="Javanese Text"/>
-        <a:font script="Lisu" typeface="Segoe UI"/>
-        <a:font script="Mymr" typeface="Myanmar Text"/>
-        <a:font script="Nkoo" typeface="Ebrima"/>
-        <a:font script="Olck" typeface="Nirmala UI"/>
-        <a:font script="Osma" typeface="Ebrima"/>
-        <a:font script="Phag" typeface="Phagspa"/>
-        <a:font script="Syrn" typeface="Estrangelo Edessa"/>
-        <a:font script="Syrj" typeface="Estrangelo Edessa"/>
-        <a:font script="Syre" typeface="Estrangelo Edessa"/>
-        <a:font script="Sora" typeface="Nirmala UI"/>
-        <a:font script="Tale" typeface="Microsoft Tai Le"/>
-        <a:font script="Talu" typeface="Microsoft New Tai Lue"/>
-        <a:font script="Tfng" typeface="Ebrima"/>
       </a:majorFont>
       <a:minorFont>
-        <a:latin typeface="等线" panose="020F0502020204030204"/>
+        <a:latin typeface="Calibri" panose="020F0502020204030204"/>
         <a:ea typeface=""/>
         <a:cs typeface=""/>
         <a:font script="Jpan" typeface="游ゴシック"/>
@@ -6547,26 +6177,9 @@
         <a:font script="Viet" typeface="Arial"/>
         <a:font script="Uigh" typeface="Microsoft Uighur"/>
         <a:font script="Geor" typeface="Sylfaen"/>
-        <a:font script="Armn" typeface="Arial"/>
-        <a:font script="Bugi" typeface="Leelawadee UI"/>
-        <a:font script="Bopo" typeface="Microsoft JhengHei"/>
-        <a:font script="Java" typeface="Javanese Text"/>
-        <a:font script="Lisu" typeface="Segoe UI"/>
-        <a:font script="Mymr" typeface="Myanmar Text"/>
-        <a:font script="Nkoo" typeface="Ebrima"/>
-        <a:font script="Olck" typeface="Nirmala UI"/>
-        <a:font script="Osma" typeface="Ebrima"/>
-        <a:font script="Phag" typeface="Phagspa"/>
-        <a:font script="Syrn" typeface="Estrangelo Edessa"/>
-        <a:font script="Syrj" typeface="Estrangelo Edessa"/>
-        <a:font script="Syre" typeface="Estrangelo Edessa"/>
-        <a:font script="Sora" typeface="Nirmala UI"/>
-        <a:font script="Tale" typeface="Microsoft Tai Le"/>
-        <a:font script="Talu" typeface="Microsoft New Tai Lue"/>
-        <a:font script="Tfng" typeface="Ebrima"/>
       </a:minorFont>
     </a:fontScheme>
-    <a:fmtScheme name="Office">
+    <a:fmtScheme name="Office 主题​​">
       <a:fillStyleLst>
         <a:solidFill>
           <a:schemeClr val="phClr"/>

--- a/figures/draw_figures.pptx
+++ b/figures/draw_figures.pptx
@@ -6,6 +6,7 @@
   </p:sldMasterIdLst>
   <p:sldIdLst>
     <p:sldId id="256" r:id="rId2"/>
+    <p:sldId id="257" r:id="rId3"/>
   </p:sldIdLst>
   <p:sldSz cx="23760113" cy="14400213"/>
   <p:notesSz cx="6858000" cy="9144000"/>
@@ -104,6 +105,11 @@
       </a:defRPr>
     </a:lvl9pPr>
   </p:defaultTextStyle>
+  <p:extLst>
+    <p:ext uri="{EFAFB233-063F-42B5-8137-9DF3F51BA10A}">
+      <p15:sldGuideLst xmlns:p15="http://schemas.microsoft.com/office/powerpoint/2012/main"/>
+    </p:ext>
+  </p:extLst>
 </p:presentation>
 </file>
 
@@ -238,7 +244,7 @@
           <a:p>
             <a:fld id="{A8C8C33B-2EE2-9247-B36D-BA006F068735}" type="datetimeFigureOut">
               <a:rPr kumimoji="1" lang="zh-CN" altLang="en-US" smtClean="0"/>
-              <a:t>2021/8/20</a:t>
+              <a:t>2021/8/25</a:t>
             </a:fld>
             <a:endParaRPr kumimoji="1" lang="zh-CN" altLang="en-US"/>
           </a:p>
@@ -408,7 +414,7 @@
           <a:p>
             <a:fld id="{A8C8C33B-2EE2-9247-B36D-BA006F068735}" type="datetimeFigureOut">
               <a:rPr kumimoji="1" lang="zh-CN" altLang="en-US" smtClean="0"/>
-              <a:t>2021/8/20</a:t>
+              <a:t>2021/8/25</a:t>
             </a:fld>
             <a:endParaRPr kumimoji="1" lang="zh-CN" altLang="en-US"/>
           </a:p>
@@ -588,7 +594,7 @@
           <a:p>
             <a:fld id="{A8C8C33B-2EE2-9247-B36D-BA006F068735}" type="datetimeFigureOut">
               <a:rPr kumimoji="1" lang="zh-CN" altLang="en-US" smtClean="0"/>
-              <a:t>2021/8/20</a:t>
+              <a:t>2021/8/25</a:t>
             </a:fld>
             <a:endParaRPr kumimoji="1" lang="zh-CN" altLang="en-US"/>
           </a:p>
@@ -758,7 +764,7 @@
           <a:p>
             <a:fld id="{A8C8C33B-2EE2-9247-B36D-BA006F068735}" type="datetimeFigureOut">
               <a:rPr kumimoji="1" lang="zh-CN" altLang="en-US" smtClean="0"/>
-              <a:t>2021/8/20</a:t>
+              <a:t>2021/8/25</a:t>
             </a:fld>
             <a:endParaRPr kumimoji="1" lang="zh-CN" altLang="en-US"/>
           </a:p>
@@ -1004,7 +1010,7 @@
           <a:p>
             <a:fld id="{A8C8C33B-2EE2-9247-B36D-BA006F068735}" type="datetimeFigureOut">
               <a:rPr kumimoji="1" lang="zh-CN" altLang="en-US" smtClean="0"/>
-              <a:t>2021/8/20</a:t>
+              <a:t>2021/8/25</a:t>
             </a:fld>
             <a:endParaRPr kumimoji="1" lang="zh-CN" altLang="en-US"/>
           </a:p>
@@ -1236,7 +1242,7 @@
           <a:p>
             <a:fld id="{A8C8C33B-2EE2-9247-B36D-BA006F068735}" type="datetimeFigureOut">
               <a:rPr kumimoji="1" lang="zh-CN" altLang="en-US" smtClean="0"/>
-              <a:t>2021/8/20</a:t>
+              <a:t>2021/8/25</a:t>
             </a:fld>
             <a:endParaRPr kumimoji="1" lang="zh-CN" altLang="en-US"/>
           </a:p>
@@ -1603,7 +1609,7 @@
           <a:p>
             <a:fld id="{A8C8C33B-2EE2-9247-B36D-BA006F068735}" type="datetimeFigureOut">
               <a:rPr kumimoji="1" lang="zh-CN" altLang="en-US" smtClean="0"/>
-              <a:t>2021/8/20</a:t>
+              <a:t>2021/8/25</a:t>
             </a:fld>
             <a:endParaRPr kumimoji="1" lang="zh-CN" altLang="en-US"/>
           </a:p>
@@ -1721,7 +1727,7 @@
           <a:p>
             <a:fld id="{A8C8C33B-2EE2-9247-B36D-BA006F068735}" type="datetimeFigureOut">
               <a:rPr kumimoji="1" lang="zh-CN" altLang="en-US" smtClean="0"/>
-              <a:t>2021/8/20</a:t>
+              <a:t>2021/8/25</a:t>
             </a:fld>
             <a:endParaRPr kumimoji="1" lang="zh-CN" altLang="en-US"/>
           </a:p>
@@ -1816,7 +1822,7 @@
           <a:p>
             <a:fld id="{A8C8C33B-2EE2-9247-B36D-BA006F068735}" type="datetimeFigureOut">
               <a:rPr kumimoji="1" lang="zh-CN" altLang="en-US" smtClean="0"/>
-              <a:t>2021/8/20</a:t>
+              <a:t>2021/8/25</a:t>
             </a:fld>
             <a:endParaRPr kumimoji="1" lang="zh-CN" altLang="en-US"/>
           </a:p>
@@ -2093,7 +2099,7 @@
           <a:p>
             <a:fld id="{A8C8C33B-2EE2-9247-B36D-BA006F068735}" type="datetimeFigureOut">
               <a:rPr kumimoji="1" lang="zh-CN" altLang="en-US" smtClean="0"/>
-              <a:t>2021/8/20</a:t>
+              <a:t>2021/8/25</a:t>
             </a:fld>
             <a:endParaRPr kumimoji="1" lang="zh-CN" altLang="en-US"/>
           </a:p>
@@ -2350,7 +2356,7 @@
           <a:p>
             <a:fld id="{A8C8C33B-2EE2-9247-B36D-BA006F068735}" type="datetimeFigureOut">
               <a:rPr kumimoji="1" lang="zh-CN" altLang="en-US" smtClean="0"/>
-              <a:t>2021/8/20</a:t>
+              <a:t>2021/8/25</a:t>
             </a:fld>
             <a:endParaRPr kumimoji="1" lang="zh-CN" altLang="en-US"/>
           </a:p>
@@ -2563,7 +2569,7 @@
           <a:p>
             <a:fld id="{A8C8C33B-2EE2-9247-B36D-BA006F068735}" type="datetimeFigureOut">
               <a:rPr kumimoji="1" lang="zh-CN" altLang="en-US" smtClean="0"/>
-              <a:t>2021/8/20</a:t>
+              <a:t>2021/8/25</a:t>
             </a:fld>
             <a:endParaRPr kumimoji="1" lang="zh-CN" altLang="en-US"/>
           </a:p>
@@ -6066,6 +6072,2452 @@
 </p:sld>
 </file>
 
+<file path=ppt/slides/slide2.xml><?xml version="1.0" encoding="utf-8"?>
+<p:sld xmlns:a="http://schemas.openxmlformats.org/drawingml/2006/main" xmlns:r="http://schemas.openxmlformats.org/officeDocument/2006/relationships" xmlns:p="http://schemas.openxmlformats.org/presentationml/2006/main">
+  <p:cSld>
+    <p:spTree>
+      <p:nvGrpSpPr>
+        <p:cNvPr id="1" name=""/>
+        <p:cNvGrpSpPr/>
+        <p:nvPr/>
+      </p:nvGrpSpPr>
+      <p:grpSpPr>
+        <a:xfrm>
+          <a:off x="0" y="0"/>
+          <a:ext cx="0" cy="0"/>
+          <a:chOff x="0" y="0"/>
+          <a:chExt cx="0" cy="0"/>
+        </a:xfrm>
+      </p:grpSpPr>
+      <p:sp>
+        <p:nvSpPr>
+          <p:cNvPr id="2" name="文本框 1">
+            <a:extLst>
+              <a:ext uri="{FF2B5EF4-FFF2-40B4-BE49-F238E27FC236}">
+                <a16:creationId xmlns:a16="http://schemas.microsoft.com/office/drawing/2014/main" id="{7AB0FAE8-383B-944E-83A9-DC069EC775B1}"/>
+              </a:ext>
+            </a:extLst>
+          </p:cNvPr>
+          <p:cNvSpPr txBox="1"/>
+          <p:nvPr/>
+        </p:nvSpPr>
+        <p:spPr>
+          <a:xfrm>
+            <a:off x="2305311" y="1280526"/>
+            <a:ext cx="14132010" cy="369332"/>
+          </a:xfrm>
+          <a:prstGeom prst="rect">
+            <a:avLst/>
+          </a:prstGeom>
+          <a:ln/>
+        </p:spPr>
+        <p:style>
+          <a:lnRef idx="1">
+            <a:schemeClr val="accent6"/>
+          </a:lnRef>
+          <a:fillRef idx="2">
+            <a:schemeClr val="accent6"/>
+          </a:fillRef>
+          <a:effectRef idx="1">
+            <a:schemeClr val="accent6"/>
+          </a:effectRef>
+          <a:fontRef idx="minor">
+            <a:schemeClr val="dk1"/>
+          </a:fontRef>
+        </p:style>
+        <p:txBody>
+          <a:bodyPr wrap="none" rtlCol="0">
+            <a:spAutoFit/>
+          </a:bodyPr>
+          <a:lstStyle/>
+          <a:p>
+            <a:r>
+              <a:rPr kumimoji="1" lang="en-US" altLang="zh-CN" u="sng" dirty="0"/>
+              <a:t>Natural Language:</a:t>
+            </a:r>
+            <a:r>
+              <a:rPr kumimoji="1" lang="en-US" altLang="zh-CN" dirty="0"/>
+              <a:t> 		</a:t>
+            </a:r>
+            <a:r>
+              <a:rPr kumimoji="1" lang="en-US" altLang="zh-CN" dirty="0">
+                <a:latin typeface="Chalkboard" panose="03050602040202020205" pitchFamily="66" charset="0"/>
+              </a:rPr>
+              <a:t>Find a movie about love or a movie starred by the actor who has won the Oscar but not the golden globe.</a:t>
+            </a:r>
+            <a:endParaRPr kumimoji="1" lang="zh-CN" altLang="en-US" dirty="0">
+              <a:latin typeface="Chalkboard" panose="03050602040202020205" pitchFamily="66" charset="0"/>
+            </a:endParaRPr>
+          </a:p>
+        </p:txBody>
+      </p:sp>
+      <mc:AlternateContent xmlns:mc="http://schemas.openxmlformats.org/markup-compatibility/2006">
+        <mc:Choice xmlns:a14="http://schemas.microsoft.com/office/drawing/2010/main" Requires="a14">
+          <p:sp>
+            <p:nvSpPr>
+              <p:cNvPr id="3" name="文本框 2">
+                <a:extLst>
+                  <a:ext uri="{FF2B5EF4-FFF2-40B4-BE49-F238E27FC236}">
+                    <a16:creationId xmlns:a16="http://schemas.microsoft.com/office/drawing/2014/main" id="{1FB05416-19A8-8542-AC6F-7C527D165A37}"/>
+                  </a:ext>
+                </a:extLst>
+              </p:cNvPr>
+              <p:cNvSpPr txBox="1"/>
+              <p:nvPr/>
+            </p:nvSpPr>
+            <p:spPr>
+              <a:xfrm>
+                <a:off x="2305311" y="1766170"/>
+                <a:ext cx="11266418" cy="369332"/>
+              </a:xfrm>
+              <a:prstGeom prst="rect">
+                <a:avLst/>
+              </a:prstGeom>
+              <a:ln/>
+            </p:spPr>
+            <p:style>
+              <a:lnRef idx="1">
+                <a:schemeClr val="accent5"/>
+              </a:lnRef>
+              <a:fillRef idx="2">
+                <a:schemeClr val="accent5"/>
+              </a:fillRef>
+              <a:effectRef idx="1">
+                <a:schemeClr val="accent5"/>
+              </a:effectRef>
+              <a:fontRef idx="minor">
+                <a:schemeClr val="dk1"/>
+              </a:fontRef>
+            </p:style>
+            <p:txBody>
+              <a:bodyPr wrap="none" rtlCol="0">
+                <a:spAutoFit/>
+              </a:bodyPr>
+              <a:lstStyle/>
+              <a:p>
+                <a:r>
+                  <a:rPr kumimoji="1" lang="en-US" altLang="zh-CN" u="sng" dirty="0"/>
+                  <a:t>Logical Formula:</a:t>
+                </a:r>
+                <a:r>
+                  <a:rPr kumimoji="1" lang="zh-CN" altLang="en-US" dirty="0"/>
+                  <a:t> </a:t>
+                </a:r>
+                <a:r>
+                  <a:rPr kumimoji="1" lang="en-US" altLang="zh-CN" dirty="0"/>
+                  <a:t>		 </a:t>
+                </a:r>
+                <a14:m>
+                  <m:oMath xmlns:m="http://schemas.openxmlformats.org/officeDocument/2006/math">
+                    <m:r>
+                      <a:rPr kumimoji="1" lang="en-US" altLang="zh-CN" b="0" i="1" smtClean="0">
+                        <a:latin typeface="Cambria Math" panose="02040503050406030204" pitchFamily="18" charset="0"/>
+                      </a:rPr>
+                      <m:t>?</m:t>
+                    </m:r>
+                    <m:r>
+                      <a:rPr kumimoji="1" lang="en-US" altLang="zh-CN" b="0" i="1" smtClean="0">
+                        <a:latin typeface="Cambria Math" panose="02040503050406030204" pitchFamily="18" charset="0"/>
+                        <a:ea typeface="Cambria Math" panose="02040503050406030204" pitchFamily="18" charset="0"/>
+                      </a:rPr>
+                      <m:t>𝛼</m:t>
+                    </m:r>
+                    <m:r>
+                      <a:rPr kumimoji="1" lang="en-US" altLang="zh-CN" b="0" i="1" smtClean="0">
+                        <a:latin typeface="Cambria Math" panose="02040503050406030204" pitchFamily="18" charset="0"/>
+                        <a:ea typeface="Cambria Math" panose="02040503050406030204" pitchFamily="18" charset="0"/>
+                      </a:rPr>
+                      <m:t>∃</m:t>
+                    </m:r>
+                    <m:r>
+                      <a:rPr kumimoji="1" lang="en-US" altLang="zh-CN" b="0" i="1" smtClean="0">
+                        <a:latin typeface="Cambria Math" panose="02040503050406030204" pitchFamily="18" charset="0"/>
+                        <a:ea typeface="Cambria Math" panose="02040503050406030204" pitchFamily="18" charset="0"/>
+                      </a:rPr>
+                      <m:t>𝛽</m:t>
+                    </m:r>
+                    <m:r>
+                      <a:rPr kumimoji="1" lang="en-US" altLang="zh-CN" b="0" i="1" smtClean="0">
+                        <a:latin typeface="Cambria Math" panose="02040503050406030204" pitchFamily="18" charset="0"/>
+                        <a:ea typeface="Cambria Math" panose="02040503050406030204" pitchFamily="18" charset="0"/>
+                      </a:rPr>
+                      <m:t>.</m:t>
+                    </m:r>
+                  </m:oMath>
+                </a14:m>
+                <a:r>
+                  <a:rPr kumimoji="1" lang="en-US" altLang="zh-CN" dirty="0">
+                    <a:latin typeface="Chalkboard" panose="03050602040202020205" pitchFamily="66" charset="0"/>
+                  </a:rPr>
+                  <a:t> </a:t>
+                </a:r>
+                <a:r>
+                  <a:rPr kumimoji="1" lang="en-US" altLang="zh-CN" dirty="0" err="1">
+                    <a:latin typeface="Chalkboard" panose="03050602040202020205" pitchFamily="66" charset="0"/>
+                  </a:rPr>
+                  <a:t>IsAbout</a:t>
+                </a:r>
+                <a:r>
+                  <a:rPr kumimoji="1" lang="en-US" altLang="zh-CN" dirty="0">
+                    <a:latin typeface="Chalkboard" panose="03050602040202020205" pitchFamily="66" charset="0"/>
+                  </a:rPr>
+                  <a:t>(</a:t>
+                </a:r>
+                <a14:m>
+                  <m:oMath xmlns:m="http://schemas.openxmlformats.org/officeDocument/2006/math">
+                    <m:r>
+                      <a:rPr kumimoji="1" lang="en-US" altLang="zh-CN" i="1">
+                        <a:latin typeface="Cambria Math" panose="02040503050406030204" pitchFamily="18" charset="0"/>
+                        <a:ea typeface="Cambria Math" panose="02040503050406030204" pitchFamily="18" charset="0"/>
+                      </a:rPr>
+                      <m:t>𝛼</m:t>
+                    </m:r>
+                  </m:oMath>
+                </a14:m>
+                <a:r>
+                  <a:rPr kumimoji="1" lang="en-US" altLang="zh-CN" dirty="0">
+                    <a:latin typeface="Chalkboard" panose="03050602040202020205" pitchFamily="66" charset="0"/>
+                  </a:rPr>
+                  <a:t>, Love)</a:t>
+                </a:r>
+                <a14:m>
+                  <m:oMath xmlns:m="http://schemas.openxmlformats.org/officeDocument/2006/math">
+                    <m:r>
+                      <a:rPr kumimoji="1" lang="en-US" altLang="zh-CN" b="0" i="0" smtClean="0">
+                        <a:latin typeface="Cambria Math" panose="02040503050406030204" pitchFamily="18" charset="0"/>
+                        <a:ea typeface="Cambria Math" panose="02040503050406030204" pitchFamily="18" charset="0"/>
+                      </a:rPr>
+                      <m:t> </m:t>
+                    </m:r>
+                    <m:r>
+                      <a:rPr kumimoji="1" lang="en-US" altLang="zh-CN" i="1" smtClean="0">
+                        <a:latin typeface="Cambria Math" panose="02040503050406030204" pitchFamily="18" charset="0"/>
+                        <a:ea typeface="Cambria Math" panose="02040503050406030204" pitchFamily="18" charset="0"/>
+                      </a:rPr>
+                      <m:t>∨</m:t>
+                    </m:r>
+                  </m:oMath>
+                </a14:m>
+                <a:r>
+                  <a:rPr kumimoji="1" lang="en-US" altLang="zh-CN" dirty="0">
+                    <a:latin typeface="Chalkboard" panose="03050602040202020205" pitchFamily="66" charset="0"/>
+                  </a:rPr>
+                  <a:t> [HasActor(</a:t>
+                </a:r>
+                <a14:m>
+                  <m:oMath xmlns:m="http://schemas.openxmlformats.org/officeDocument/2006/math">
+                    <m:r>
+                      <a:rPr kumimoji="1" lang="en-US" altLang="zh-CN" i="1" smtClean="0">
+                        <a:latin typeface="Cambria Math" panose="02040503050406030204" pitchFamily="18" charset="0"/>
+                        <a:ea typeface="Cambria Math" panose="02040503050406030204" pitchFamily="18" charset="0"/>
+                      </a:rPr>
+                      <m:t>𝛼</m:t>
+                    </m:r>
+                  </m:oMath>
+                </a14:m>
+                <a:r>
+                  <a:rPr kumimoji="1" lang="en-US" altLang="zh-CN" dirty="0">
+                    <a:latin typeface="Chalkboard" panose="03050602040202020205" pitchFamily="66" charset="0"/>
+                  </a:rPr>
+                  <a:t>,</a:t>
+                </a:r>
+                <a:r>
+                  <a:rPr kumimoji="1" lang="en-US" altLang="zh-CN" dirty="0">
+                    <a:ea typeface="Cambria Math" panose="02040503050406030204" pitchFamily="18" charset="0"/>
+                  </a:rPr>
+                  <a:t> </a:t>
+                </a:r>
+                <a14:m>
+                  <m:oMath xmlns:m="http://schemas.openxmlformats.org/officeDocument/2006/math">
+                    <m:r>
+                      <a:rPr kumimoji="1" lang="en-US" altLang="zh-CN" i="1" smtClean="0">
+                        <a:latin typeface="Cambria Math" panose="02040503050406030204" pitchFamily="18" charset="0"/>
+                        <a:ea typeface="Cambria Math" panose="02040503050406030204" pitchFamily="18" charset="0"/>
+                      </a:rPr>
+                      <m:t>𝛽</m:t>
+                    </m:r>
+                  </m:oMath>
+                </a14:m>
+                <a:r>
+                  <a:rPr kumimoji="1" lang="en-US" altLang="zh-CN" dirty="0">
+                    <a:latin typeface="Chalkboard" panose="03050602040202020205" pitchFamily="66" charset="0"/>
+                  </a:rPr>
+                  <a:t>)</a:t>
+                </a:r>
+                <a:r>
+                  <a:rPr kumimoji="1" lang="en-US" altLang="zh-CN" dirty="0">
+                    <a:ea typeface="Cambria Math" panose="02040503050406030204" pitchFamily="18" charset="0"/>
+                  </a:rPr>
+                  <a:t> </a:t>
+                </a:r>
+                <a14:m>
+                  <m:oMath xmlns:m="http://schemas.openxmlformats.org/officeDocument/2006/math">
+                    <m:r>
+                      <a:rPr kumimoji="1" lang="en-US" altLang="zh-CN" i="1" smtClean="0">
+                        <a:latin typeface="Cambria Math" panose="02040503050406030204" pitchFamily="18" charset="0"/>
+                        <a:ea typeface="Cambria Math" panose="02040503050406030204" pitchFamily="18" charset="0"/>
+                      </a:rPr>
+                      <m:t>∧</m:t>
+                    </m:r>
+                  </m:oMath>
+                </a14:m>
+                <a:r>
+                  <a:rPr kumimoji="1" lang="en-US" altLang="zh-CN" dirty="0">
+                    <a:latin typeface="Chalkboard" panose="03050602040202020205" pitchFamily="66" charset="0"/>
+                  </a:rPr>
+                  <a:t> Won(</a:t>
+                </a:r>
+                <a14:m>
+                  <m:oMath xmlns:m="http://schemas.openxmlformats.org/officeDocument/2006/math">
+                    <m:r>
+                      <a:rPr kumimoji="1" lang="en-US" altLang="zh-CN" i="1">
+                        <a:latin typeface="Cambria Math" panose="02040503050406030204" pitchFamily="18" charset="0"/>
+                        <a:ea typeface="Cambria Math" panose="02040503050406030204" pitchFamily="18" charset="0"/>
+                      </a:rPr>
+                      <m:t>𝛽</m:t>
+                    </m:r>
+                  </m:oMath>
+                </a14:m>
+                <a:r>
+                  <a:rPr kumimoji="1" lang="en-US" altLang="zh-CN" dirty="0">
+                    <a:latin typeface="Chalkboard" panose="03050602040202020205" pitchFamily="66" charset="0"/>
+                  </a:rPr>
+                  <a:t>, Oscar)</a:t>
+                </a:r>
+                <a:r>
+                  <a:rPr kumimoji="1" lang="en-US" altLang="zh-CN" dirty="0">
+                    <a:ea typeface="Cambria Math" panose="02040503050406030204" pitchFamily="18" charset="0"/>
+                  </a:rPr>
+                  <a:t> </a:t>
+                </a:r>
+                <a14:m>
+                  <m:oMath xmlns:m="http://schemas.openxmlformats.org/officeDocument/2006/math">
+                    <m:r>
+                      <a:rPr kumimoji="1" lang="en-US" altLang="zh-CN" i="1">
+                        <a:latin typeface="Cambria Math" panose="02040503050406030204" pitchFamily="18" charset="0"/>
+                        <a:ea typeface="Cambria Math" panose="02040503050406030204" pitchFamily="18" charset="0"/>
+                      </a:rPr>
+                      <m:t>∧</m:t>
+                    </m:r>
+                    <m:r>
+                      <a:rPr kumimoji="1" lang="en-US" altLang="zh-CN" i="1" smtClean="0">
+                        <a:latin typeface="Cambria Math" panose="02040503050406030204" pitchFamily="18" charset="0"/>
+                        <a:ea typeface="Cambria Math" panose="02040503050406030204" pitchFamily="18" charset="0"/>
+                      </a:rPr>
+                      <m:t>¬</m:t>
+                    </m:r>
+                  </m:oMath>
+                </a14:m>
+                <a:r>
+                  <a:rPr kumimoji="1" lang="en-US" altLang="zh-CN" dirty="0">
+                    <a:latin typeface="Chalkboard" panose="03050602040202020205" pitchFamily="66" charset="0"/>
+                  </a:rPr>
+                  <a:t> Won(</a:t>
+                </a:r>
+                <a14:m>
+                  <m:oMath xmlns:m="http://schemas.openxmlformats.org/officeDocument/2006/math">
+                    <m:r>
+                      <a:rPr kumimoji="1" lang="en-US" altLang="zh-CN" i="1">
+                        <a:latin typeface="Cambria Math" panose="02040503050406030204" pitchFamily="18" charset="0"/>
+                        <a:ea typeface="Cambria Math" panose="02040503050406030204" pitchFamily="18" charset="0"/>
+                      </a:rPr>
+                      <m:t>𝛽</m:t>
+                    </m:r>
+                  </m:oMath>
+                </a14:m>
+                <a:r>
+                  <a:rPr kumimoji="1" lang="en-US" altLang="zh-CN" dirty="0">
+                    <a:latin typeface="Chalkboard" panose="03050602040202020205" pitchFamily="66" charset="0"/>
+                  </a:rPr>
+                  <a:t>, Golden globe)]</a:t>
+                </a:r>
+                <a:endParaRPr kumimoji="1" lang="zh-CN" altLang="en-US" dirty="0">
+                  <a:latin typeface="Chalkboard" panose="03050602040202020205" pitchFamily="66" charset="0"/>
+                </a:endParaRPr>
+              </a:p>
+            </p:txBody>
+          </p:sp>
+        </mc:Choice>
+        <mc:Fallback>
+          <p:sp>
+            <p:nvSpPr>
+              <p:cNvPr id="3" name="文本框 2">
+                <a:extLst>
+                  <a:ext uri="{FF2B5EF4-FFF2-40B4-BE49-F238E27FC236}">
+                    <a16:creationId xmlns:a16="http://schemas.microsoft.com/office/drawing/2014/main" id="{1FB05416-19A8-8542-AC6F-7C527D165A37}"/>
+                  </a:ext>
+                </a:extLst>
+              </p:cNvPr>
+              <p:cNvSpPr txBox="1">
+                <a:spLocks noRot="1" noChangeAspect="1" noMove="1" noResize="1" noEditPoints="1" noAdjustHandles="1" noChangeArrowheads="1" noChangeShapeType="1" noTextEdit="1"/>
+              </p:cNvSpPr>
+              <p:nvPr/>
+            </p:nvSpPr>
+            <p:spPr>
+              <a:xfrm>
+                <a:off x="2305311" y="1766170"/>
+                <a:ext cx="11266418" cy="369332"/>
+              </a:xfrm>
+              <a:prstGeom prst="rect">
+                <a:avLst/>
+              </a:prstGeom>
+              <a:blipFill>
+                <a:blip r:embed="rId2"/>
+                <a:stretch>
+                  <a:fillRect l="-450" t="-10000" b="-23333"/>
+                </a:stretch>
+              </a:blipFill>
+              <a:ln/>
+            </p:spPr>
+            <p:txBody>
+              <a:bodyPr/>
+              <a:lstStyle/>
+              <a:p>
+                <a:r>
+                  <a:rPr lang="zh-CN" altLang="en-US">
+                    <a:noFill/>
+                  </a:rPr>
+                  <a:t> </a:t>
+                </a:r>
+              </a:p>
+            </p:txBody>
+          </p:sp>
+        </mc:Fallback>
+      </mc:AlternateContent>
+      <mc:AlternateContent xmlns:mc="http://schemas.openxmlformats.org/markup-compatibility/2006">
+        <mc:Choice xmlns:a14="http://schemas.microsoft.com/office/drawing/2010/main" Requires="a14">
+          <p:sp>
+            <p:nvSpPr>
+              <p:cNvPr id="4" name="文本框 3">
+                <a:extLst>
+                  <a:ext uri="{FF2B5EF4-FFF2-40B4-BE49-F238E27FC236}">
+                    <a16:creationId xmlns:a16="http://schemas.microsoft.com/office/drawing/2014/main" id="{ED9AEDC1-478A-4249-A5D3-6FD911EE7F65}"/>
+                  </a:ext>
+                </a:extLst>
+              </p:cNvPr>
+              <p:cNvSpPr txBox="1"/>
+              <p:nvPr/>
+            </p:nvSpPr>
+            <p:spPr>
+              <a:xfrm>
+                <a:off x="2305311" y="2251814"/>
+                <a:ext cx="11508663" cy="369332"/>
+              </a:xfrm>
+              <a:prstGeom prst="rect">
+                <a:avLst/>
+              </a:prstGeom>
+              <a:ln/>
+            </p:spPr>
+            <p:style>
+              <a:lnRef idx="1">
+                <a:schemeClr val="accent2"/>
+              </a:lnRef>
+              <a:fillRef idx="2">
+                <a:schemeClr val="accent2"/>
+              </a:fillRef>
+              <a:effectRef idx="1">
+                <a:schemeClr val="accent2"/>
+              </a:effectRef>
+              <a:fontRef idx="minor">
+                <a:schemeClr val="dk1"/>
+              </a:fontRef>
+            </p:style>
+            <p:txBody>
+              <a:bodyPr wrap="none" rtlCol="0">
+                <a:spAutoFit/>
+              </a:bodyPr>
+              <a:lstStyle/>
+              <a:p>
+                <a:r>
+                  <a:rPr kumimoji="1" lang="en-US" altLang="zh-CN" u="sng" dirty="0"/>
+                  <a:t>Set Operations:</a:t>
+                </a:r>
+                <a:r>
+                  <a:rPr kumimoji="1" lang="en-US" altLang="zh-CN" dirty="0"/>
+                  <a:t> 		</a:t>
+                </a:r>
+                <a:r>
+                  <a:rPr kumimoji="1" lang="en-US" altLang="zh-CN" dirty="0" err="1">
+                    <a:latin typeface="Chalkboard" panose="03050602040202020205" pitchFamily="66" charset="0"/>
+                  </a:rPr>
+                  <a:t>MovieHasActor</a:t>
+                </a:r>
+                <a:r>
+                  <a:rPr kumimoji="1" lang="en-US" altLang="zh-CN" dirty="0">
+                    <a:latin typeface="Chalkboard" panose="03050602040202020205" pitchFamily="66" charset="0"/>
+                  </a:rPr>
+                  <a:t>(</a:t>
+                </a:r>
+                <a:r>
+                  <a:rPr kumimoji="1" lang="en-US" altLang="zh-CN" dirty="0" err="1">
+                    <a:latin typeface="Chalkboard" panose="03050602040202020205" pitchFamily="66" charset="0"/>
+                  </a:rPr>
+                  <a:t>ActorWon</a:t>
+                </a:r>
+                <a:r>
+                  <a:rPr kumimoji="1" lang="en-US" altLang="zh-CN" dirty="0">
+                    <a:latin typeface="Chalkboard" panose="03050602040202020205" pitchFamily="66" charset="0"/>
+                  </a:rPr>
+                  <a:t>(Oscar)</a:t>
+                </a:r>
+                <a:r>
+                  <a:rPr kumimoji="1" lang="en-US" altLang="zh-CN" dirty="0">
+                    <a:ea typeface="Cambria Math" panose="02040503050406030204" pitchFamily="18" charset="0"/>
+                  </a:rPr>
+                  <a:t> </a:t>
+                </a:r>
+                <a14:m>
+                  <m:oMath xmlns:m="http://schemas.openxmlformats.org/officeDocument/2006/math">
+                    <m:r>
+                      <a:rPr kumimoji="1" lang="en-US" altLang="zh-CN" i="1" smtClean="0">
+                        <a:latin typeface="Cambria Math" panose="02040503050406030204" pitchFamily="18" charset="0"/>
+                        <a:ea typeface="Cambria Math" panose="02040503050406030204" pitchFamily="18" charset="0"/>
+                      </a:rPr>
+                      <m:t>∩</m:t>
+                    </m:r>
+                  </m:oMath>
+                </a14:m>
+                <a:r>
+                  <a:rPr kumimoji="1" lang="en-US" altLang="zh-CN" dirty="0">
+                    <a:latin typeface="Chalkboard" panose="03050602040202020205" pitchFamily="66" charset="0"/>
+                  </a:rPr>
+                  <a:t> </a:t>
+                </a:r>
+                <a:r>
+                  <a:rPr kumimoji="1" lang="en-US" altLang="zh-CN" u="sng" dirty="0">
+                    <a:latin typeface="Chalkboard" panose="03050602040202020205" pitchFamily="66" charset="0"/>
+                  </a:rPr>
+                  <a:t>Not</a:t>
+                </a:r>
+                <a:r>
+                  <a:rPr kumimoji="1" lang="en-US" altLang="zh-CN" dirty="0">
+                    <a:latin typeface="Chalkboard" panose="03050602040202020205" pitchFamily="66" charset="0"/>
+                  </a:rPr>
+                  <a:t>(</a:t>
+                </a:r>
+                <a:r>
+                  <a:rPr kumimoji="1" lang="en-US" altLang="zh-CN" dirty="0" err="1">
+                    <a:latin typeface="Chalkboard" panose="03050602040202020205" pitchFamily="66" charset="0"/>
+                  </a:rPr>
+                  <a:t>ActorWon</a:t>
+                </a:r>
+                <a:r>
+                  <a:rPr kumimoji="1" lang="en-US" altLang="zh-CN" dirty="0">
+                    <a:latin typeface="Chalkboard" panose="03050602040202020205" pitchFamily="66" charset="0"/>
+                  </a:rPr>
+                  <a:t>(Golden globe))) </a:t>
+                </a:r>
+                <a14:m>
+                  <m:oMath xmlns:m="http://schemas.openxmlformats.org/officeDocument/2006/math">
+                    <m:r>
+                      <a:rPr kumimoji="1" lang="en-US" altLang="zh-CN" i="1">
+                        <a:latin typeface="Cambria Math" panose="02040503050406030204" pitchFamily="18" charset="0"/>
+                        <a:ea typeface="Cambria Math" panose="02040503050406030204" pitchFamily="18" charset="0"/>
+                      </a:rPr>
+                      <m:t>∪</m:t>
+                    </m:r>
+                  </m:oMath>
+                </a14:m>
+                <a:r>
+                  <a:rPr kumimoji="1" lang="en-US" altLang="zh-CN" dirty="0">
+                    <a:latin typeface="Chalkboard" panose="03050602040202020205" pitchFamily="66" charset="0"/>
+                  </a:rPr>
+                  <a:t> MoveIsAbout(Love)</a:t>
+                </a:r>
+                <a:endParaRPr kumimoji="1" lang="zh-CN" altLang="en-US" dirty="0">
+                  <a:latin typeface="Chalkboard" panose="03050602040202020205" pitchFamily="66" charset="0"/>
+                </a:endParaRPr>
+              </a:p>
+            </p:txBody>
+          </p:sp>
+        </mc:Choice>
+        <mc:Fallback>
+          <p:sp>
+            <p:nvSpPr>
+              <p:cNvPr id="4" name="文本框 3">
+                <a:extLst>
+                  <a:ext uri="{FF2B5EF4-FFF2-40B4-BE49-F238E27FC236}">
+                    <a16:creationId xmlns:a16="http://schemas.microsoft.com/office/drawing/2014/main" id="{ED9AEDC1-478A-4249-A5D3-6FD911EE7F65}"/>
+                  </a:ext>
+                </a:extLst>
+              </p:cNvPr>
+              <p:cNvSpPr txBox="1">
+                <a:spLocks noRot="1" noChangeAspect="1" noMove="1" noResize="1" noEditPoints="1" noAdjustHandles="1" noChangeArrowheads="1" noChangeShapeType="1" noTextEdit="1"/>
+              </p:cNvSpPr>
+              <p:nvPr/>
+            </p:nvSpPr>
+            <p:spPr>
+              <a:xfrm>
+                <a:off x="2305311" y="2251814"/>
+                <a:ext cx="11508663" cy="369332"/>
+              </a:xfrm>
+              <a:prstGeom prst="rect">
+                <a:avLst/>
+              </a:prstGeom>
+              <a:blipFill>
+                <a:blip r:embed="rId3"/>
+                <a:stretch>
+                  <a:fillRect l="-441" t="-6667" b="-26667"/>
+                </a:stretch>
+              </a:blipFill>
+              <a:ln/>
+            </p:spPr>
+            <p:txBody>
+              <a:bodyPr/>
+              <a:lstStyle/>
+              <a:p>
+                <a:r>
+                  <a:rPr lang="zh-CN" altLang="en-US">
+                    <a:noFill/>
+                  </a:rPr>
+                  <a:t> </a:t>
+                </a:r>
+              </a:p>
+            </p:txBody>
+          </p:sp>
+        </mc:Fallback>
+      </mc:AlternateContent>
+      <p:sp>
+        <p:nvSpPr>
+          <p:cNvPr id="5" name="文本框 4">
+            <a:extLst>
+              <a:ext uri="{FF2B5EF4-FFF2-40B4-BE49-F238E27FC236}">
+                <a16:creationId xmlns:a16="http://schemas.microsoft.com/office/drawing/2014/main" id="{821A5EC8-21FC-014D-894D-011942B08AE4}"/>
+              </a:ext>
+            </a:extLst>
+          </p:cNvPr>
+          <p:cNvSpPr txBox="1"/>
+          <p:nvPr/>
+        </p:nvSpPr>
+        <p:spPr>
+          <a:xfrm>
+            <a:off x="2305311" y="2671540"/>
+            <a:ext cx="953274" cy="369332"/>
+          </a:xfrm>
+          <a:prstGeom prst="rect">
+            <a:avLst/>
+          </a:prstGeom>
+          <a:ln/>
+        </p:spPr>
+        <p:style>
+          <a:lnRef idx="1">
+            <a:schemeClr val="accent3"/>
+          </a:lnRef>
+          <a:fillRef idx="2">
+            <a:schemeClr val="accent3"/>
+          </a:fillRef>
+          <a:effectRef idx="1">
+            <a:schemeClr val="accent3"/>
+          </a:effectRef>
+          <a:fontRef idx="minor">
+            <a:schemeClr val="dk1"/>
+          </a:fontRef>
+        </p:style>
+        <p:txBody>
+          <a:bodyPr wrap="none" rtlCol="0">
+            <a:spAutoFit/>
+          </a:bodyPr>
+          <a:lstStyle/>
+          <a:p>
+            <a:r>
+              <a:rPr kumimoji="1" lang="en-US" altLang="zh-CN" u="sng" dirty="0" err="1"/>
+              <a:t>OpsTree</a:t>
+            </a:r>
+            <a:endParaRPr kumimoji="1" lang="zh-CN" altLang="en-US" u="sng" dirty="0"/>
+          </a:p>
+        </p:txBody>
+      </p:sp>
+      <p:grpSp>
+        <p:nvGrpSpPr>
+          <p:cNvPr id="94" name="组合 93">
+            <a:extLst>
+              <a:ext uri="{FF2B5EF4-FFF2-40B4-BE49-F238E27FC236}">
+                <a16:creationId xmlns:a16="http://schemas.microsoft.com/office/drawing/2014/main" id="{F4AD3412-20C3-CF42-8702-D9BE69257E33}"/>
+              </a:ext>
+            </a:extLst>
+          </p:cNvPr>
+          <p:cNvGrpSpPr/>
+          <p:nvPr/>
+        </p:nvGrpSpPr>
+        <p:grpSpPr>
+          <a:xfrm>
+            <a:off x="3505117" y="2645028"/>
+            <a:ext cx="8765236" cy="2112535"/>
+            <a:chOff x="3527661" y="2922124"/>
+            <a:chExt cx="8765236" cy="2112535"/>
+          </a:xfrm>
+        </p:grpSpPr>
+        <p:sp>
+          <p:nvSpPr>
+            <p:cNvPr id="6" name="椭圆 5">
+              <a:extLst>
+                <a:ext uri="{FF2B5EF4-FFF2-40B4-BE49-F238E27FC236}">
+                  <a16:creationId xmlns:a16="http://schemas.microsoft.com/office/drawing/2014/main" id="{02BF91B4-195F-6049-9602-02C3B5B9389E}"/>
+                </a:ext>
+              </a:extLst>
+            </p:cNvPr>
+            <p:cNvSpPr/>
+            <p:nvPr/>
+          </p:nvSpPr>
+          <p:spPr>
+            <a:xfrm>
+              <a:off x="4572000" y="3370929"/>
+              <a:ext cx="360000" cy="360000"/>
+            </a:xfrm>
+            <a:prstGeom prst="ellipse">
+              <a:avLst/>
+            </a:prstGeom>
+            <a:ln w="19050">
+              <a:solidFill>
+                <a:schemeClr val="tx1"/>
+              </a:solidFill>
+              <a:prstDash val="solid"/>
+            </a:ln>
+          </p:spPr>
+          <p:style>
+            <a:lnRef idx="1">
+              <a:schemeClr val="accent5"/>
+            </a:lnRef>
+            <a:fillRef idx="2">
+              <a:schemeClr val="accent5"/>
+            </a:fillRef>
+            <a:effectRef idx="1">
+              <a:schemeClr val="accent5"/>
+            </a:effectRef>
+            <a:fontRef idx="minor">
+              <a:schemeClr val="dk1"/>
+            </a:fontRef>
+          </p:style>
+          <p:txBody>
+            <a:bodyPr rtlCol="0" anchor="ctr"/>
+            <a:lstStyle/>
+            <a:p>
+              <a:pPr algn="ctr"/>
+              <a:endParaRPr kumimoji="1" lang="zh-CN" altLang="en-US"/>
+            </a:p>
+          </p:txBody>
+        </p:sp>
+        <p:sp>
+          <p:nvSpPr>
+            <p:cNvPr id="7" name="文本框 6">
+              <a:extLst>
+                <a:ext uri="{FF2B5EF4-FFF2-40B4-BE49-F238E27FC236}">
+                  <a16:creationId xmlns:a16="http://schemas.microsoft.com/office/drawing/2014/main" id="{A73CEFEE-5879-3340-9982-BEC6F85F51BF}"/>
+                </a:ext>
+              </a:extLst>
+            </p:cNvPr>
+            <p:cNvSpPr txBox="1"/>
+            <p:nvPr/>
+          </p:nvSpPr>
+          <p:spPr>
+            <a:xfrm>
+              <a:off x="3603161" y="3368362"/>
+              <a:ext cx="713337" cy="369332"/>
+            </a:xfrm>
+            <a:prstGeom prst="rect">
+              <a:avLst/>
+            </a:prstGeom>
+            <a:noFill/>
+          </p:spPr>
+          <p:txBody>
+            <a:bodyPr wrap="none" rtlCol="0">
+              <a:spAutoFit/>
+            </a:bodyPr>
+            <a:lstStyle/>
+            <a:p>
+              <a:r>
+                <a:rPr kumimoji="1" lang="en-US" altLang="zh-CN" dirty="0"/>
+                <a:t>Oscar</a:t>
+              </a:r>
+              <a:endParaRPr kumimoji="1" lang="zh-CN" altLang="en-US" dirty="0"/>
+            </a:p>
+          </p:txBody>
+        </p:sp>
+        <p:sp>
+          <p:nvSpPr>
+            <p:cNvPr id="8" name="椭圆 7">
+              <a:extLst>
+                <a:ext uri="{FF2B5EF4-FFF2-40B4-BE49-F238E27FC236}">
+                  <a16:creationId xmlns:a16="http://schemas.microsoft.com/office/drawing/2014/main" id="{B2A17B52-4EF8-C245-816D-F1EB4BCE46B6}"/>
+                </a:ext>
+              </a:extLst>
+            </p:cNvPr>
+            <p:cNvSpPr/>
+            <p:nvPr/>
+          </p:nvSpPr>
+          <p:spPr>
+            <a:xfrm>
+              <a:off x="4572000" y="4201709"/>
+              <a:ext cx="360000" cy="360000"/>
+            </a:xfrm>
+            <a:prstGeom prst="ellipse">
+              <a:avLst/>
+            </a:prstGeom>
+            <a:ln w="19050">
+              <a:solidFill>
+                <a:schemeClr val="tx1"/>
+              </a:solidFill>
+              <a:prstDash val="solid"/>
+            </a:ln>
+          </p:spPr>
+          <p:style>
+            <a:lnRef idx="1">
+              <a:schemeClr val="accent5"/>
+            </a:lnRef>
+            <a:fillRef idx="2">
+              <a:schemeClr val="accent5"/>
+            </a:fillRef>
+            <a:effectRef idx="1">
+              <a:schemeClr val="accent5"/>
+            </a:effectRef>
+            <a:fontRef idx="minor">
+              <a:schemeClr val="dk1"/>
+            </a:fontRef>
+          </p:style>
+          <p:txBody>
+            <a:bodyPr rtlCol="0" anchor="ctr"/>
+            <a:lstStyle/>
+            <a:p>
+              <a:pPr algn="ctr"/>
+              <a:endParaRPr kumimoji="1" lang="zh-CN" altLang="en-US"/>
+            </a:p>
+          </p:txBody>
+        </p:sp>
+        <p:sp>
+          <p:nvSpPr>
+            <p:cNvPr id="9" name="文本框 8">
+              <a:extLst>
+                <a:ext uri="{FF2B5EF4-FFF2-40B4-BE49-F238E27FC236}">
+                  <a16:creationId xmlns:a16="http://schemas.microsoft.com/office/drawing/2014/main" id="{D5001CBA-8730-A045-9397-7A9CCCF6E20B}"/>
+                </a:ext>
+              </a:extLst>
+            </p:cNvPr>
+            <p:cNvSpPr txBox="1"/>
+            <p:nvPr/>
+          </p:nvSpPr>
+          <p:spPr>
+            <a:xfrm>
+              <a:off x="3527661" y="4018996"/>
+              <a:ext cx="864339" cy="646331"/>
+            </a:xfrm>
+            <a:prstGeom prst="rect">
+              <a:avLst/>
+            </a:prstGeom>
+            <a:noFill/>
+          </p:spPr>
+          <p:txBody>
+            <a:bodyPr wrap="none" rtlCol="0">
+              <a:spAutoFit/>
+            </a:bodyPr>
+            <a:lstStyle/>
+            <a:p>
+              <a:r>
+                <a:rPr kumimoji="1" lang="en-US" altLang="zh-CN" dirty="0"/>
+                <a:t>Golden</a:t>
+              </a:r>
+            </a:p>
+            <a:p>
+              <a:r>
+                <a:rPr kumimoji="1" lang="en-US" altLang="zh-CN" dirty="0"/>
+                <a:t>Globe</a:t>
+              </a:r>
+              <a:endParaRPr kumimoji="1" lang="zh-CN" altLang="en-US" dirty="0"/>
+            </a:p>
+          </p:txBody>
+        </p:sp>
+        <p:cxnSp>
+          <p:nvCxnSpPr>
+            <p:cNvPr id="14" name="直线箭头连接符 13">
+              <a:extLst>
+                <a:ext uri="{FF2B5EF4-FFF2-40B4-BE49-F238E27FC236}">
+                  <a16:creationId xmlns:a16="http://schemas.microsoft.com/office/drawing/2014/main" id="{E6E3B0F0-FDE4-654A-8804-BBA8AC890F48}"/>
+                </a:ext>
+              </a:extLst>
+            </p:cNvPr>
+            <p:cNvCxnSpPr>
+              <a:cxnSpLocks/>
+              <a:stCxn id="6" idx="6"/>
+              <a:endCxn id="11" idx="2"/>
+            </p:cNvCxnSpPr>
+            <p:nvPr/>
+          </p:nvCxnSpPr>
+          <p:spPr>
+            <a:xfrm flipV="1">
+              <a:off x="4932000" y="3548362"/>
+              <a:ext cx="1051780" cy="2567"/>
+            </a:xfrm>
+            <a:prstGeom prst="straightConnector1">
+              <a:avLst/>
+            </a:prstGeom>
+            <a:ln>
+              <a:tailEnd type="triangle"/>
+            </a:ln>
+          </p:spPr>
+          <p:style>
+            <a:lnRef idx="3">
+              <a:schemeClr val="dk1"/>
+            </a:lnRef>
+            <a:fillRef idx="0">
+              <a:schemeClr val="dk1"/>
+            </a:fillRef>
+            <a:effectRef idx="2">
+              <a:schemeClr val="dk1"/>
+            </a:effectRef>
+            <a:fontRef idx="minor">
+              <a:schemeClr val="tx1"/>
+            </a:fontRef>
+          </p:style>
+        </p:cxnSp>
+        <p:cxnSp>
+          <p:nvCxnSpPr>
+            <p:cNvPr id="16" name="直线箭头连接符 15">
+              <a:extLst>
+                <a:ext uri="{FF2B5EF4-FFF2-40B4-BE49-F238E27FC236}">
+                  <a16:creationId xmlns:a16="http://schemas.microsoft.com/office/drawing/2014/main" id="{9338294A-201E-BA46-8A63-3010A34C829A}"/>
+                </a:ext>
+              </a:extLst>
+            </p:cNvPr>
+            <p:cNvCxnSpPr>
+              <a:stCxn id="8" idx="6"/>
+              <a:endCxn id="12" idx="2"/>
+            </p:cNvCxnSpPr>
+            <p:nvPr/>
+          </p:nvCxnSpPr>
+          <p:spPr>
+            <a:xfrm>
+              <a:off x="4932000" y="4381709"/>
+              <a:ext cx="815082" cy="0"/>
+            </a:xfrm>
+            <a:prstGeom prst="straightConnector1">
+              <a:avLst/>
+            </a:prstGeom>
+            <a:ln>
+              <a:tailEnd type="triangle"/>
+            </a:ln>
+          </p:spPr>
+          <p:style>
+            <a:lnRef idx="3">
+              <a:schemeClr val="dk1"/>
+            </a:lnRef>
+            <a:fillRef idx="0">
+              <a:schemeClr val="dk1"/>
+            </a:fillRef>
+            <a:effectRef idx="2">
+              <a:schemeClr val="dk1"/>
+            </a:effectRef>
+            <a:fontRef idx="minor">
+              <a:schemeClr val="tx1"/>
+            </a:fontRef>
+          </p:style>
+        </p:cxnSp>
+        <p:grpSp>
+          <p:nvGrpSpPr>
+            <p:cNvPr id="86" name="组合 85">
+              <a:extLst>
+                <a:ext uri="{FF2B5EF4-FFF2-40B4-BE49-F238E27FC236}">
+                  <a16:creationId xmlns:a16="http://schemas.microsoft.com/office/drawing/2014/main" id="{222D64B5-9B29-A44A-927C-24B211CBF4EB}"/>
+                </a:ext>
+              </a:extLst>
+            </p:cNvPr>
+            <p:cNvGrpSpPr/>
+            <p:nvPr/>
+          </p:nvGrpSpPr>
+          <p:grpSpPr>
+            <a:xfrm>
+              <a:off x="5361415" y="4201709"/>
+              <a:ext cx="1131335" cy="832950"/>
+              <a:chOff x="5992166" y="4325542"/>
+              <a:chExt cx="1131335" cy="832950"/>
+            </a:xfrm>
+          </p:grpSpPr>
+          <p:sp>
+            <p:nvSpPr>
+              <p:cNvPr id="12" name="椭圆 11">
+                <a:extLst>
+                  <a:ext uri="{FF2B5EF4-FFF2-40B4-BE49-F238E27FC236}">
+                    <a16:creationId xmlns:a16="http://schemas.microsoft.com/office/drawing/2014/main" id="{2F7AC7A2-B270-5E43-9FBB-B2D01B6525C4}"/>
+                  </a:ext>
+                </a:extLst>
+              </p:cNvPr>
+              <p:cNvSpPr/>
+              <p:nvPr/>
+            </p:nvSpPr>
+            <p:spPr>
+              <a:xfrm>
+                <a:off x="6377833" y="4325542"/>
+                <a:ext cx="360000" cy="360000"/>
+              </a:xfrm>
+              <a:prstGeom prst="ellipse">
+                <a:avLst/>
+              </a:prstGeom>
+              <a:ln/>
+            </p:spPr>
+            <p:style>
+              <a:lnRef idx="1">
+                <a:schemeClr val="accent3"/>
+              </a:lnRef>
+              <a:fillRef idx="2">
+                <a:schemeClr val="accent3"/>
+              </a:fillRef>
+              <a:effectRef idx="1">
+                <a:schemeClr val="accent3"/>
+              </a:effectRef>
+              <a:fontRef idx="minor">
+                <a:schemeClr val="dk1"/>
+              </a:fontRef>
+            </p:style>
+            <p:txBody>
+              <a:bodyPr rtlCol="0" anchor="ctr"/>
+              <a:lstStyle/>
+              <a:p>
+                <a:pPr algn="ctr"/>
+                <a:endParaRPr kumimoji="1" lang="zh-CN" altLang="en-US"/>
+              </a:p>
+            </p:txBody>
+          </p:sp>
+          <p:sp>
+            <p:nvSpPr>
+              <p:cNvPr id="20" name="文本框 19">
+                <a:extLst>
+                  <a:ext uri="{FF2B5EF4-FFF2-40B4-BE49-F238E27FC236}">
+                    <a16:creationId xmlns:a16="http://schemas.microsoft.com/office/drawing/2014/main" id="{7B0B5BA7-B2E7-3243-B565-17AAA22003DD}"/>
+                  </a:ext>
+                </a:extLst>
+              </p:cNvPr>
+              <p:cNvSpPr txBox="1"/>
+              <p:nvPr/>
+            </p:nvSpPr>
+            <p:spPr>
+              <a:xfrm>
+                <a:off x="5992166" y="4789160"/>
+                <a:ext cx="1131335" cy="369332"/>
+              </a:xfrm>
+              <a:prstGeom prst="rect">
+                <a:avLst/>
+              </a:prstGeom>
+              <a:noFill/>
+            </p:spPr>
+            <p:txBody>
+              <a:bodyPr wrap="none" rtlCol="0">
+                <a:spAutoFit/>
+              </a:bodyPr>
+              <a:lstStyle/>
+              <a:p>
+                <a:r>
+                  <a:rPr kumimoji="1" lang="en-US" altLang="zh-CN" dirty="0" err="1"/>
+                  <a:t>ActorWon</a:t>
+                </a:r>
+                <a:endParaRPr kumimoji="1" lang="zh-CN" altLang="en-US" dirty="0"/>
+              </a:p>
+            </p:txBody>
+          </p:sp>
+        </p:grpSp>
+        <p:cxnSp>
+          <p:nvCxnSpPr>
+            <p:cNvPr id="23" name="直线箭头连接符 22">
+              <a:extLst>
+                <a:ext uri="{FF2B5EF4-FFF2-40B4-BE49-F238E27FC236}">
+                  <a16:creationId xmlns:a16="http://schemas.microsoft.com/office/drawing/2014/main" id="{1846D897-FE89-9240-87B7-44C9A8C29369}"/>
+                </a:ext>
+              </a:extLst>
+            </p:cNvPr>
+            <p:cNvCxnSpPr>
+              <a:cxnSpLocks/>
+              <a:stCxn id="12" idx="6"/>
+              <a:endCxn id="19" idx="2"/>
+            </p:cNvCxnSpPr>
+            <p:nvPr/>
+          </p:nvCxnSpPr>
+          <p:spPr>
+            <a:xfrm>
+              <a:off x="6107082" y="4381709"/>
+              <a:ext cx="1153013" cy="0"/>
+            </a:xfrm>
+            <a:prstGeom prst="straightConnector1">
+              <a:avLst/>
+            </a:prstGeom>
+            <a:ln>
+              <a:tailEnd type="triangle"/>
+            </a:ln>
+          </p:spPr>
+          <p:style>
+            <a:lnRef idx="3">
+              <a:schemeClr val="dk1"/>
+            </a:lnRef>
+            <a:fillRef idx="0">
+              <a:schemeClr val="dk1"/>
+            </a:fillRef>
+            <a:effectRef idx="2">
+              <a:schemeClr val="dk1"/>
+            </a:effectRef>
+            <a:fontRef idx="minor">
+              <a:schemeClr val="tx1"/>
+            </a:fontRef>
+          </p:style>
+        </p:cxnSp>
+        <p:grpSp>
+          <p:nvGrpSpPr>
+            <p:cNvPr id="85" name="组合 84">
+              <a:extLst>
+                <a:ext uri="{FF2B5EF4-FFF2-40B4-BE49-F238E27FC236}">
+                  <a16:creationId xmlns:a16="http://schemas.microsoft.com/office/drawing/2014/main" id="{D5DE2284-EA3D-7745-A4CB-0648972736F3}"/>
+                </a:ext>
+              </a:extLst>
+            </p:cNvPr>
+            <p:cNvGrpSpPr/>
+            <p:nvPr/>
+          </p:nvGrpSpPr>
+          <p:grpSpPr>
+            <a:xfrm>
+              <a:off x="6922165" y="4201709"/>
+              <a:ext cx="1035861" cy="832950"/>
+              <a:chOff x="7645137" y="4325542"/>
+              <a:chExt cx="1035861" cy="832950"/>
+            </a:xfrm>
+          </p:grpSpPr>
+          <p:sp>
+            <p:nvSpPr>
+              <p:cNvPr id="19" name="椭圆 18">
+                <a:extLst>
+                  <a:ext uri="{FF2B5EF4-FFF2-40B4-BE49-F238E27FC236}">
+                    <a16:creationId xmlns:a16="http://schemas.microsoft.com/office/drawing/2014/main" id="{87C0C030-901A-CB4E-BBEC-807DC3F3B456}"/>
+                  </a:ext>
+                </a:extLst>
+              </p:cNvPr>
+              <p:cNvSpPr/>
+              <p:nvPr/>
+            </p:nvSpPr>
+            <p:spPr>
+              <a:xfrm>
+                <a:off x="7983067" y="4325542"/>
+                <a:ext cx="360000" cy="360000"/>
+              </a:xfrm>
+              <a:prstGeom prst="ellipse">
+                <a:avLst/>
+              </a:prstGeom>
+            </p:spPr>
+            <p:style>
+              <a:lnRef idx="1">
+                <a:schemeClr val="accent2"/>
+              </a:lnRef>
+              <a:fillRef idx="2">
+                <a:schemeClr val="accent2"/>
+              </a:fillRef>
+              <a:effectRef idx="1">
+                <a:schemeClr val="accent2"/>
+              </a:effectRef>
+              <a:fontRef idx="minor">
+                <a:schemeClr val="dk1"/>
+              </a:fontRef>
+            </p:style>
+            <p:txBody>
+              <a:bodyPr rtlCol="0" anchor="ctr"/>
+              <a:lstStyle/>
+              <a:p>
+                <a:pPr algn="ctr"/>
+                <a:endParaRPr kumimoji="1" lang="zh-CN" altLang="en-US"/>
+              </a:p>
+            </p:txBody>
+          </p:sp>
+          <p:sp>
+            <p:nvSpPr>
+              <p:cNvPr id="24" name="文本框 23">
+                <a:extLst>
+                  <a:ext uri="{FF2B5EF4-FFF2-40B4-BE49-F238E27FC236}">
+                    <a16:creationId xmlns:a16="http://schemas.microsoft.com/office/drawing/2014/main" id="{FF80FA24-2883-314D-9E73-64708FD56E5D}"/>
+                  </a:ext>
+                </a:extLst>
+              </p:cNvPr>
+              <p:cNvSpPr txBox="1"/>
+              <p:nvPr/>
+            </p:nvSpPr>
+            <p:spPr>
+              <a:xfrm>
+                <a:off x="7645137" y="4789160"/>
+                <a:ext cx="1035861" cy="369332"/>
+              </a:xfrm>
+              <a:prstGeom prst="rect">
+                <a:avLst/>
+              </a:prstGeom>
+              <a:noFill/>
+            </p:spPr>
+            <p:txBody>
+              <a:bodyPr wrap="none" rtlCol="0">
+                <a:spAutoFit/>
+              </a:bodyPr>
+              <a:lstStyle/>
+              <a:p>
+                <a:r>
+                  <a:rPr kumimoji="1" lang="en-US" altLang="zh-CN" dirty="0"/>
+                  <a:t>Negation</a:t>
+                </a:r>
+                <a:endParaRPr kumimoji="1" lang="zh-CN" altLang="en-US" dirty="0"/>
+              </a:p>
+            </p:txBody>
+          </p:sp>
+        </p:grpSp>
+        <p:cxnSp>
+          <p:nvCxnSpPr>
+            <p:cNvPr id="31" name="直线箭头连接符 30">
+              <a:extLst>
+                <a:ext uri="{FF2B5EF4-FFF2-40B4-BE49-F238E27FC236}">
+                  <a16:creationId xmlns:a16="http://schemas.microsoft.com/office/drawing/2014/main" id="{2DA847A7-42FD-5B4B-AE7E-25074E04D14F}"/>
+                </a:ext>
+              </a:extLst>
+            </p:cNvPr>
+            <p:cNvCxnSpPr>
+              <a:cxnSpLocks/>
+              <a:stCxn id="11" idx="6"/>
+              <a:endCxn id="28" idx="2"/>
+            </p:cNvCxnSpPr>
+            <p:nvPr/>
+          </p:nvCxnSpPr>
+          <p:spPr>
+            <a:xfrm>
+              <a:off x="6343780" y="3548362"/>
+              <a:ext cx="1524075" cy="0"/>
+            </a:xfrm>
+            <a:prstGeom prst="straightConnector1">
+              <a:avLst/>
+            </a:prstGeom>
+            <a:ln>
+              <a:tailEnd type="triangle"/>
+            </a:ln>
+          </p:spPr>
+          <p:style>
+            <a:lnRef idx="3">
+              <a:schemeClr val="dk1"/>
+            </a:lnRef>
+            <a:fillRef idx="0">
+              <a:schemeClr val="dk1"/>
+            </a:fillRef>
+            <a:effectRef idx="2">
+              <a:schemeClr val="dk1"/>
+            </a:effectRef>
+            <a:fontRef idx="minor">
+              <a:schemeClr val="tx1"/>
+            </a:fontRef>
+          </p:style>
+        </p:cxnSp>
+        <p:cxnSp>
+          <p:nvCxnSpPr>
+            <p:cNvPr id="33" name="直线箭头连接符 32">
+              <a:extLst>
+                <a:ext uri="{FF2B5EF4-FFF2-40B4-BE49-F238E27FC236}">
+                  <a16:creationId xmlns:a16="http://schemas.microsoft.com/office/drawing/2014/main" id="{61AD668D-591F-1842-A064-80DEAF42E933}"/>
+                </a:ext>
+              </a:extLst>
+            </p:cNvPr>
+            <p:cNvCxnSpPr>
+              <a:cxnSpLocks/>
+              <a:stCxn id="19" idx="7"/>
+              <a:endCxn id="28" idx="3"/>
+            </p:cNvCxnSpPr>
+            <p:nvPr/>
+          </p:nvCxnSpPr>
+          <p:spPr>
+            <a:xfrm flipV="1">
+              <a:off x="7567374" y="3675641"/>
+              <a:ext cx="353202" cy="578789"/>
+            </a:xfrm>
+            <a:prstGeom prst="straightConnector1">
+              <a:avLst/>
+            </a:prstGeom>
+            <a:ln>
+              <a:tailEnd type="triangle"/>
+            </a:ln>
+          </p:spPr>
+          <p:style>
+            <a:lnRef idx="3">
+              <a:schemeClr val="dk1"/>
+            </a:lnRef>
+            <a:fillRef idx="0">
+              <a:schemeClr val="dk1"/>
+            </a:fillRef>
+            <a:effectRef idx="2">
+              <a:schemeClr val="dk1"/>
+            </a:effectRef>
+            <a:fontRef idx="minor">
+              <a:schemeClr val="tx1"/>
+            </a:fontRef>
+          </p:style>
+        </p:cxnSp>
+        <p:grpSp>
+          <p:nvGrpSpPr>
+            <p:cNvPr id="80" name="组合 79">
+              <a:extLst>
+                <a:ext uri="{FF2B5EF4-FFF2-40B4-BE49-F238E27FC236}">
+                  <a16:creationId xmlns:a16="http://schemas.microsoft.com/office/drawing/2014/main" id="{7586876B-85D3-894D-80F4-88C308CE7AE7}"/>
+                </a:ext>
+              </a:extLst>
+            </p:cNvPr>
+            <p:cNvGrpSpPr/>
+            <p:nvPr/>
+          </p:nvGrpSpPr>
+          <p:grpSpPr>
+            <a:xfrm>
+              <a:off x="7395561" y="2922124"/>
+              <a:ext cx="1304588" cy="806238"/>
+              <a:chOff x="7925312" y="3045957"/>
+              <a:chExt cx="1304588" cy="806238"/>
+            </a:xfrm>
+          </p:grpSpPr>
+          <p:sp>
+            <p:nvSpPr>
+              <p:cNvPr id="28" name="椭圆 27">
+                <a:extLst>
+                  <a:ext uri="{FF2B5EF4-FFF2-40B4-BE49-F238E27FC236}">
+                    <a16:creationId xmlns:a16="http://schemas.microsoft.com/office/drawing/2014/main" id="{C87BF3E9-42AA-D045-B3AC-C2EE9F231DD4}"/>
+                  </a:ext>
+                </a:extLst>
+              </p:cNvPr>
+              <p:cNvSpPr/>
+              <p:nvPr/>
+            </p:nvSpPr>
+            <p:spPr>
+              <a:xfrm>
+                <a:off x="8397606" y="3492195"/>
+                <a:ext cx="360000" cy="360000"/>
+              </a:xfrm>
+              <a:prstGeom prst="ellipse">
+                <a:avLst/>
+              </a:prstGeom>
+            </p:spPr>
+            <p:style>
+              <a:lnRef idx="1">
+                <a:schemeClr val="accent4"/>
+              </a:lnRef>
+              <a:fillRef idx="2">
+                <a:schemeClr val="accent4"/>
+              </a:fillRef>
+              <a:effectRef idx="1">
+                <a:schemeClr val="accent4"/>
+              </a:effectRef>
+              <a:fontRef idx="minor">
+                <a:schemeClr val="dk1"/>
+              </a:fontRef>
+            </p:style>
+            <p:txBody>
+              <a:bodyPr rtlCol="0" anchor="ctr"/>
+              <a:lstStyle/>
+              <a:p>
+                <a:pPr algn="ctr"/>
+                <a:endParaRPr kumimoji="1" lang="zh-CN" altLang="en-US"/>
+              </a:p>
+            </p:txBody>
+          </p:sp>
+          <p:sp>
+            <p:nvSpPr>
+              <p:cNvPr id="34" name="文本框 33">
+                <a:extLst>
+                  <a:ext uri="{FF2B5EF4-FFF2-40B4-BE49-F238E27FC236}">
+                    <a16:creationId xmlns:a16="http://schemas.microsoft.com/office/drawing/2014/main" id="{6EBD031A-AF6D-6E44-87A4-BD31C3F996BA}"/>
+                  </a:ext>
+                </a:extLst>
+              </p:cNvPr>
+              <p:cNvSpPr txBox="1"/>
+              <p:nvPr/>
+            </p:nvSpPr>
+            <p:spPr>
+              <a:xfrm>
+                <a:off x="7925312" y="3045957"/>
+                <a:ext cx="1304588" cy="369332"/>
+              </a:xfrm>
+              <a:prstGeom prst="rect">
+                <a:avLst/>
+              </a:prstGeom>
+              <a:noFill/>
+            </p:spPr>
+            <p:txBody>
+              <a:bodyPr wrap="none" rtlCol="0">
+                <a:spAutoFit/>
+              </a:bodyPr>
+              <a:lstStyle/>
+              <a:p>
+                <a:r>
+                  <a:rPr kumimoji="1" lang="en-US" altLang="zh-CN" dirty="0"/>
+                  <a:t>Intersection</a:t>
+                </a:r>
+                <a:endParaRPr kumimoji="1" lang="zh-CN" altLang="en-US" dirty="0"/>
+              </a:p>
+            </p:txBody>
+          </p:sp>
+        </p:grpSp>
+        <p:cxnSp>
+          <p:nvCxnSpPr>
+            <p:cNvPr id="41" name="直线箭头连接符 40">
+              <a:extLst>
+                <a:ext uri="{FF2B5EF4-FFF2-40B4-BE49-F238E27FC236}">
+                  <a16:creationId xmlns:a16="http://schemas.microsoft.com/office/drawing/2014/main" id="{E582F620-0BAA-AA4F-A594-EC52EC8F3D84}"/>
+                </a:ext>
+              </a:extLst>
+            </p:cNvPr>
+            <p:cNvCxnSpPr>
+              <a:cxnSpLocks/>
+              <a:stCxn id="28" idx="6"/>
+              <a:endCxn id="35" idx="2"/>
+            </p:cNvCxnSpPr>
+            <p:nvPr/>
+          </p:nvCxnSpPr>
+          <p:spPr>
+            <a:xfrm>
+              <a:off x="8227855" y="3548362"/>
+              <a:ext cx="1772059" cy="0"/>
+            </a:xfrm>
+            <a:prstGeom prst="straightConnector1">
+              <a:avLst/>
+            </a:prstGeom>
+            <a:ln>
+              <a:tailEnd type="triangle"/>
+            </a:ln>
+          </p:spPr>
+          <p:style>
+            <a:lnRef idx="3">
+              <a:schemeClr val="dk1"/>
+            </a:lnRef>
+            <a:fillRef idx="0">
+              <a:schemeClr val="dk1"/>
+            </a:fillRef>
+            <a:effectRef idx="2">
+              <a:schemeClr val="dk1"/>
+            </a:effectRef>
+            <a:fontRef idx="minor">
+              <a:schemeClr val="tx1"/>
+            </a:fontRef>
+          </p:style>
+        </p:cxnSp>
+        <p:grpSp>
+          <p:nvGrpSpPr>
+            <p:cNvPr id="81" name="组合 80">
+              <a:extLst>
+                <a:ext uri="{FF2B5EF4-FFF2-40B4-BE49-F238E27FC236}">
+                  <a16:creationId xmlns:a16="http://schemas.microsoft.com/office/drawing/2014/main" id="{F0735044-5C3B-2B40-9A28-C5ADB0DBED28}"/>
+                </a:ext>
+              </a:extLst>
+            </p:cNvPr>
+            <p:cNvGrpSpPr/>
+            <p:nvPr/>
+          </p:nvGrpSpPr>
+          <p:grpSpPr>
+            <a:xfrm>
+              <a:off x="9366262" y="2922124"/>
+              <a:ext cx="1627305" cy="806238"/>
+              <a:chOff x="9474970" y="3045957"/>
+              <a:chExt cx="1627305" cy="806238"/>
+            </a:xfrm>
+          </p:grpSpPr>
+          <p:sp>
+            <p:nvSpPr>
+              <p:cNvPr id="35" name="椭圆 34">
+                <a:extLst>
+                  <a:ext uri="{FF2B5EF4-FFF2-40B4-BE49-F238E27FC236}">
+                    <a16:creationId xmlns:a16="http://schemas.microsoft.com/office/drawing/2014/main" id="{ECC21553-0AC5-734C-918B-D892B7D2257F}"/>
+                  </a:ext>
+                </a:extLst>
+              </p:cNvPr>
+              <p:cNvSpPr/>
+              <p:nvPr/>
+            </p:nvSpPr>
+            <p:spPr>
+              <a:xfrm>
+                <a:off x="10108622" y="3492195"/>
+                <a:ext cx="360000" cy="360000"/>
+              </a:xfrm>
+              <a:prstGeom prst="ellipse">
+                <a:avLst/>
+              </a:prstGeom>
+              <a:ln/>
+            </p:spPr>
+            <p:style>
+              <a:lnRef idx="1">
+                <a:schemeClr val="accent3"/>
+              </a:lnRef>
+              <a:fillRef idx="2">
+                <a:schemeClr val="accent3"/>
+              </a:fillRef>
+              <a:effectRef idx="1">
+                <a:schemeClr val="accent3"/>
+              </a:effectRef>
+              <a:fontRef idx="minor">
+                <a:schemeClr val="dk1"/>
+              </a:fontRef>
+            </p:style>
+            <p:txBody>
+              <a:bodyPr rtlCol="0" anchor="ctr"/>
+              <a:lstStyle/>
+              <a:p>
+                <a:pPr algn="ctr"/>
+                <a:endParaRPr kumimoji="1" lang="zh-CN" altLang="en-US"/>
+              </a:p>
+            </p:txBody>
+          </p:sp>
+          <p:sp>
+            <p:nvSpPr>
+              <p:cNvPr id="49" name="文本框 48">
+                <a:extLst>
+                  <a:ext uri="{FF2B5EF4-FFF2-40B4-BE49-F238E27FC236}">
+                    <a16:creationId xmlns:a16="http://schemas.microsoft.com/office/drawing/2014/main" id="{9B61E87B-CE88-A14D-9E2E-C0D4279882EA}"/>
+                  </a:ext>
+                </a:extLst>
+              </p:cNvPr>
+              <p:cNvSpPr txBox="1"/>
+              <p:nvPr/>
+            </p:nvSpPr>
+            <p:spPr>
+              <a:xfrm>
+                <a:off x="9474970" y="3045957"/>
+                <a:ext cx="1627305" cy="369332"/>
+              </a:xfrm>
+              <a:prstGeom prst="rect">
+                <a:avLst/>
+              </a:prstGeom>
+              <a:noFill/>
+            </p:spPr>
+            <p:txBody>
+              <a:bodyPr wrap="none" rtlCol="0">
+                <a:spAutoFit/>
+              </a:bodyPr>
+              <a:lstStyle/>
+              <a:p>
+                <a:r>
+                  <a:rPr kumimoji="1" lang="en-US" altLang="zh-CN" dirty="0" err="1"/>
+                  <a:t>MovieHasActor</a:t>
+                </a:r>
+                <a:endParaRPr kumimoji="1" lang="zh-CN" altLang="en-US" dirty="0"/>
+              </a:p>
+            </p:txBody>
+          </p:sp>
+        </p:grpSp>
+        <p:grpSp>
+          <p:nvGrpSpPr>
+            <p:cNvPr id="84" name="组合 83">
+              <a:extLst>
+                <a:ext uri="{FF2B5EF4-FFF2-40B4-BE49-F238E27FC236}">
+                  <a16:creationId xmlns:a16="http://schemas.microsoft.com/office/drawing/2014/main" id="{381EBD19-9A7E-E541-AC7D-0E66810FEE8A}"/>
+                </a:ext>
+              </a:extLst>
+            </p:cNvPr>
+            <p:cNvGrpSpPr/>
+            <p:nvPr/>
+          </p:nvGrpSpPr>
+          <p:grpSpPr>
+            <a:xfrm>
+              <a:off x="8387441" y="4201709"/>
+              <a:ext cx="620619" cy="832950"/>
+              <a:chOff x="8854351" y="4325542"/>
+              <a:chExt cx="620619" cy="832950"/>
+            </a:xfrm>
+          </p:grpSpPr>
+          <p:sp>
+            <p:nvSpPr>
+              <p:cNvPr id="29" name="椭圆 28">
+                <a:extLst>
+                  <a:ext uri="{FF2B5EF4-FFF2-40B4-BE49-F238E27FC236}">
+                    <a16:creationId xmlns:a16="http://schemas.microsoft.com/office/drawing/2014/main" id="{30528911-1107-E946-871E-055AA73069B1}"/>
+                  </a:ext>
+                </a:extLst>
+              </p:cNvPr>
+              <p:cNvSpPr/>
+              <p:nvPr/>
+            </p:nvSpPr>
+            <p:spPr>
+              <a:xfrm>
+                <a:off x="8984660" y="4325542"/>
+                <a:ext cx="360000" cy="360000"/>
+              </a:xfrm>
+              <a:prstGeom prst="ellipse">
+                <a:avLst/>
+              </a:prstGeom>
+              <a:ln w="19050">
+                <a:solidFill>
+                  <a:schemeClr val="tx1"/>
+                </a:solidFill>
+                <a:prstDash val="solid"/>
+              </a:ln>
+            </p:spPr>
+            <p:style>
+              <a:lnRef idx="1">
+                <a:schemeClr val="accent5"/>
+              </a:lnRef>
+              <a:fillRef idx="2">
+                <a:schemeClr val="accent5"/>
+              </a:fillRef>
+              <a:effectRef idx="1">
+                <a:schemeClr val="accent5"/>
+              </a:effectRef>
+              <a:fontRef idx="minor">
+                <a:schemeClr val="dk1"/>
+              </a:fontRef>
+            </p:style>
+            <p:txBody>
+              <a:bodyPr rtlCol="0" anchor="ctr"/>
+              <a:lstStyle/>
+              <a:p>
+                <a:pPr algn="ctr"/>
+                <a:endParaRPr kumimoji="1" lang="zh-CN" altLang="en-US"/>
+              </a:p>
+            </p:txBody>
+          </p:sp>
+          <p:sp>
+            <p:nvSpPr>
+              <p:cNvPr id="51" name="文本框 50">
+                <a:extLst>
+                  <a:ext uri="{FF2B5EF4-FFF2-40B4-BE49-F238E27FC236}">
+                    <a16:creationId xmlns:a16="http://schemas.microsoft.com/office/drawing/2014/main" id="{399E29A5-562B-1047-814F-103CC8F315B9}"/>
+                  </a:ext>
+                </a:extLst>
+              </p:cNvPr>
+              <p:cNvSpPr txBox="1"/>
+              <p:nvPr/>
+            </p:nvSpPr>
+            <p:spPr>
+              <a:xfrm>
+                <a:off x="8854351" y="4789160"/>
+                <a:ext cx="620619" cy="369332"/>
+              </a:xfrm>
+              <a:prstGeom prst="rect">
+                <a:avLst/>
+              </a:prstGeom>
+              <a:noFill/>
+            </p:spPr>
+            <p:txBody>
+              <a:bodyPr wrap="none" rtlCol="0">
+                <a:spAutoFit/>
+              </a:bodyPr>
+              <a:lstStyle/>
+              <a:p>
+                <a:r>
+                  <a:rPr kumimoji="1" lang="en-US" altLang="zh-CN" dirty="0"/>
+                  <a:t>Love</a:t>
+                </a:r>
+                <a:endParaRPr kumimoji="1" lang="zh-CN" altLang="en-US" dirty="0"/>
+              </a:p>
+            </p:txBody>
+          </p:sp>
+        </p:grpSp>
+        <p:cxnSp>
+          <p:nvCxnSpPr>
+            <p:cNvPr id="53" name="直线箭头连接符 52">
+              <a:extLst>
+                <a:ext uri="{FF2B5EF4-FFF2-40B4-BE49-F238E27FC236}">
+                  <a16:creationId xmlns:a16="http://schemas.microsoft.com/office/drawing/2014/main" id="{F44CA9DA-E228-8E4E-B199-79AFB3B8110E}"/>
+                </a:ext>
+              </a:extLst>
+            </p:cNvPr>
+            <p:cNvCxnSpPr>
+              <a:cxnSpLocks/>
+              <a:stCxn id="29" idx="6"/>
+              <a:endCxn id="52" idx="2"/>
+            </p:cNvCxnSpPr>
+            <p:nvPr/>
+          </p:nvCxnSpPr>
+          <p:spPr>
+            <a:xfrm>
+              <a:off x="8877750" y="4381709"/>
+              <a:ext cx="1128776" cy="0"/>
+            </a:xfrm>
+            <a:prstGeom prst="straightConnector1">
+              <a:avLst/>
+            </a:prstGeom>
+            <a:ln>
+              <a:tailEnd type="triangle"/>
+            </a:ln>
+          </p:spPr>
+          <p:style>
+            <a:lnRef idx="3">
+              <a:schemeClr val="dk1"/>
+            </a:lnRef>
+            <a:fillRef idx="0">
+              <a:schemeClr val="dk1"/>
+            </a:fillRef>
+            <a:effectRef idx="2">
+              <a:schemeClr val="dk1"/>
+            </a:effectRef>
+            <a:fontRef idx="minor">
+              <a:schemeClr val="tx1"/>
+            </a:fontRef>
+          </p:style>
+        </p:cxnSp>
+        <p:grpSp>
+          <p:nvGrpSpPr>
+            <p:cNvPr id="83" name="组合 82">
+              <a:extLst>
+                <a:ext uri="{FF2B5EF4-FFF2-40B4-BE49-F238E27FC236}">
+                  <a16:creationId xmlns:a16="http://schemas.microsoft.com/office/drawing/2014/main" id="{D59E7B1C-D736-5644-B722-EA23C3C53CE9}"/>
+                </a:ext>
+              </a:extLst>
+            </p:cNvPr>
+            <p:cNvGrpSpPr/>
+            <p:nvPr/>
+          </p:nvGrpSpPr>
+          <p:grpSpPr>
+            <a:xfrm>
+              <a:off x="9437475" y="4201709"/>
+              <a:ext cx="1498102" cy="832950"/>
+              <a:chOff x="10146196" y="4325542"/>
+              <a:chExt cx="1498102" cy="832950"/>
+            </a:xfrm>
+          </p:grpSpPr>
+          <p:sp>
+            <p:nvSpPr>
+              <p:cNvPr id="52" name="椭圆 51">
+                <a:extLst>
+                  <a:ext uri="{FF2B5EF4-FFF2-40B4-BE49-F238E27FC236}">
+                    <a16:creationId xmlns:a16="http://schemas.microsoft.com/office/drawing/2014/main" id="{05996509-2646-6646-863F-3E0B703EF089}"/>
+                  </a:ext>
+                </a:extLst>
+              </p:cNvPr>
+              <p:cNvSpPr/>
+              <p:nvPr/>
+            </p:nvSpPr>
+            <p:spPr>
+              <a:xfrm>
+                <a:off x="10715247" y="4325542"/>
+                <a:ext cx="360000" cy="360000"/>
+              </a:xfrm>
+              <a:prstGeom prst="ellipse">
+                <a:avLst/>
+              </a:prstGeom>
+              <a:ln/>
+            </p:spPr>
+            <p:style>
+              <a:lnRef idx="1">
+                <a:schemeClr val="accent3"/>
+              </a:lnRef>
+              <a:fillRef idx="2">
+                <a:schemeClr val="accent3"/>
+              </a:fillRef>
+              <a:effectRef idx="1">
+                <a:schemeClr val="accent3"/>
+              </a:effectRef>
+              <a:fontRef idx="minor">
+                <a:schemeClr val="dk1"/>
+              </a:fontRef>
+            </p:style>
+            <p:txBody>
+              <a:bodyPr rtlCol="0" anchor="ctr"/>
+              <a:lstStyle/>
+              <a:p>
+                <a:pPr algn="ctr"/>
+                <a:endParaRPr kumimoji="1" lang="zh-CN" altLang="en-US"/>
+              </a:p>
+            </p:txBody>
+          </p:sp>
+          <p:sp>
+            <p:nvSpPr>
+              <p:cNvPr id="55" name="文本框 54">
+                <a:extLst>
+                  <a:ext uri="{FF2B5EF4-FFF2-40B4-BE49-F238E27FC236}">
+                    <a16:creationId xmlns:a16="http://schemas.microsoft.com/office/drawing/2014/main" id="{BA70851A-A06D-4643-9E5F-6B6CB611BA7E}"/>
+                  </a:ext>
+                </a:extLst>
+              </p:cNvPr>
+              <p:cNvSpPr txBox="1"/>
+              <p:nvPr/>
+            </p:nvSpPr>
+            <p:spPr>
+              <a:xfrm>
+                <a:off x="10146196" y="4789160"/>
+                <a:ext cx="1498102" cy="369332"/>
+              </a:xfrm>
+              <a:prstGeom prst="rect">
+                <a:avLst/>
+              </a:prstGeom>
+              <a:noFill/>
+            </p:spPr>
+            <p:txBody>
+              <a:bodyPr wrap="none" rtlCol="0">
+                <a:spAutoFit/>
+              </a:bodyPr>
+              <a:lstStyle/>
+              <a:p>
+                <a:r>
+                  <a:rPr kumimoji="1" lang="en-US" altLang="zh-CN" dirty="0" err="1"/>
+                  <a:t>MovieIsAbout</a:t>
+                </a:r>
+                <a:endParaRPr kumimoji="1" lang="zh-CN" altLang="en-US" dirty="0"/>
+              </a:p>
+            </p:txBody>
+          </p:sp>
+        </p:grpSp>
+        <p:grpSp>
+          <p:nvGrpSpPr>
+            <p:cNvPr id="82" name="组合 81">
+              <a:extLst>
+                <a:ext uri="{FF2B5EF4-FFF2-40B4-BE49-F238E27FC236}">
+                  <a16:creationId xmlns:a16="http://schemas.microsoft.com/office/drawing/2014/main" id="{C83C70C7-0151-DA41-8007-D68CA7C4CCD1}"/>
+                </a:ext>
+              </a:extLst>
+            </p:cNvPr>
+            <p:cNvGrpSpPr/>
+            <p:nvPr/>
+          </p:nvGrpSpPr>
+          <p:grpSpPr>
+            <a:xfrm>
+              <a:off x="11542371" y="3325243"/>
+              <a:ext cx="750526" cy="806238"/>
+              <a:chOff x="11622101" y="3045957"/>
+              <a:chExt cx="750526" cy="806238"/>
+            </a:xfrm>
+          </p:grpSpPr>
+          <p:sp>
+            <p:nvSpPr>
+              <p:cNvPr id="70" name="椭圆 69">
+                <a:extLst>
+                  <a:ext uri="{FF2B5EF4-FFF2-40B4-BE49-F238E27FC236}">
+                    <a16:creationId xmlns:a16="http://schemas.microsoft.com/office/drawing/2014/main" id="{2C991E04-E4D1-6A47-897C-CFCF8C249EC8}"/>
+                  </a:ext>
+                </a:extLst>
+              </p:cNvPr>
+              <p:cNvSpPr/>
+              <p:nvPr/>
+            </p:nvSpPr>
+            <p:spPr>
+              <a:xfrm>
+                <a:off x="11817364" y="3492195"/>
+                <a:ext cx="360000" cy="360000"/>
+              </a:xfrm>
+              <a:prstGeom prst="ellipse">
+                <a:avLst/>
+              </a:prstGeom>
+              <a:ln w="19050">
+                <a:solidFill>
+                  <a:schemeClr val="tx1"/>
+                </a:solidFill>
+                <a:prstDash val="dash"/>
+              </a:ln>
+            </p:spPr>
+            <p:style>
+              <a:lnRef idx="1">
+                <a:schemeClr val="accent6"/>
+              </a:lnRef>
+              <a:fillRef idx="2">
+                <a:schemeClr val="accent6"/>
+              </a:fillRef>
+              <a:effectRef idx="1">
+                <a:schemeClr val="accent6"/>
+              </a:effectRef>
+              <a:fontRef idx="minor">
+                <a:schemeClr val="dk1"/>
+              </a:fontRef>
+            </p:style>
+            <p:txBody>
+              <a:bodyPr rtlCol="0" anchor="ctr"/>
+              <a:lstStyle/>
+              <a:p>
+                <a:pPr algn="ctr"/>
+                <a:endParaRPr kumimoji="1" lang="zh-CN" altLang="en-US"/>
+              </a:p>
+            </p:txBody>
+          </p:sp>
+          <p:sp>
+            <p:nvSpPr>
+              <p:cNvPr id="71" name="文本框 70">
+                <a:extLst>
+                  <a:ext uri="{FF2B5EF4-FFF2-40B4-BE49-F238E27FC236}">
+                    <a16:creationId xmlns:a16="http://schemas.microsoft.com/office/drawing/2014/main" id="{8C7A4FBA-519B-AB4C-B31D-7FB90E8EF8B3}"/>
+                  </a:ext>
+                </a:extLst>
+              </p:cNvPr>
+              <p:cNvSpPr txBox="1"/>
+              <p:nvPr/>
+            </p:nvSpPr>
+            <p:spPr>
+              <a:xfrm>
+                <a:off x="11622101" y="3045957"/>
+                <a:ext cx="750526" cy="369332"/>
+              </a:xfrm>
+              <a:prstGeom prst="rect">
+                <a:avLst/>
+              </a:prstGeom>
+              <a:noFill/>
+            </p:spPr>
+            <p:txBody>
+              <a:bodyPr wrap="none" rtlCol="0">
+                <a:spAutoFit/>
+              </a:bodyPr>
+              <a:lstStyle/>
+              <a:p>
+                <a:r>
+                  <a:rPr kumimoji="1" lang="en-US" altLang="zh-CN" dirty="0"/>
+                  <a:t>Union</a:t>
+                </a:r>
+                <a:endParaRPr kumimoji="1" lang="zh-CN" altLang="en-US" dirty="0"/>
+              </a:p>
+            </p:txBody>
+          </p:sp>
+        </p:grpSp>
+        <p:grpSp>
+          <p:nvGrpSpPr>
+            <p:cNvPr id="79" name="组合 78">
+              <a:extLst>
+                <a:ext uri="{FF2B5EF4-FFF2-40B4-BE49-F238E27FC236}">
+                  <a16:creationId xmlns:a16="http://schemas.microsoft.com/office/drawing/2014/main" id="{B17B0871-2841-0C46-BEB9-982C29E46DBE}"/>
+                </a:ext>
+              </a:extLst>
+            </p:cNvPr>
+            <p:cNvGrpSpPr/>
+            <p:nvPr/>
+          </p:nvGrpSpPr>
+          <p:grpSpPr>
+            <a:xfrm>
+              <a:off x="5598113" y="2922124"/>
+              <a:ext cx="1131335" cy="806238"/>
+              <a:chOff x="5992166" y="3045957"/>
+              <a:chExt cx="1131335" cy="806238"/>
+            </a:xfrm>
+          </p:grpSpPr>
+          <p:sp>
+            <p:nvSpPr>
+              <p:cNvPr id="11" name="椭圆 10">
+                <a:extLst>
+                  <a:ext uri="{FF2B5EF4-FFF2-40B4-BE49-F238E27FC236}">
+                    <a16:creationId xmlns:a16="http://schemas.microsoft.com/office/drawing/2014/main" id="{D3F24D3A-F5E1-E344-BFCA-144FE1609DC4}"/>
+                  </a:ext>
+                </a:extLst>
+              </p:cNvPr>
+              <p:cNvSpPr/>
+              <p:nvPr/>
+            </p:nvSpPr>
+            <p:spPr>
+              <a:xfrm>
+                <a:off x="6377833" y="3492195"/>
+                <a:ext cx="360000" cy="360000"/>
+              </a:xfrm>
+              <a:prstGeom prst="ellipse">
+                <a:avLst/>
+              </a:prstGeom>
+              <a:ln/>
+            </p:spPr>
+            <p:style>
+              <a:lnRef idx="1">
+                <a:schemeClr val="accent3"/>
+              </a:lnRef>
+              <a:fillRef idx="2">
+                <a:schemeClr val="accent3"/>
+              </a:fillRef>
+              <a:effectRef idx="1">
+                <a:schemeClr val="accent3"/>
+              </a:effectRef>
+              <a:fontRef idx="minor">
+                <a:schemeClr val="dk1"/>
+              </a:fontRef>
+            </p:style>
+            <p:txBody>
+              <a:bodyPr rtlCol="0" anchor="ctr"/>
+              <a:lstStyle/>
+              <a:p>
+                <a:pPr algn="ctr"/>
+                <a:endParaRPr kumimoji="1" lang="zh-CN" altLang="en-US"/>
+              </a:p>
+            </p:txBody>
+          </p:sp>
+          <p:sp>
+            <p:nvSpPr>
+              <p:cNvPr id="21" name="文本框 20">
+                <a:extLst>
+                  <a:ext uri="{FF2B5EF4-FFF2-40B4-BE49-F238E27FC236}">
+                    <a16:creationId xmlns:a16="http://schemas.microsoft.com/office/drawing/2014/main" id="{F332D9A5-9F2B-0E47-97A9-C4D889E23508}"/>
+                  </a:ext>
+                </a:extLst>
+              </p:cNvPr>
+              <p:cNvSpPr txBox="1"/>
+              <p:nvPr/>
+            </p:nvSpPr>
+            <p:spPr>
+              <a:xfrm>
+                <a:off x="5992166" y="3045957"/>
+                <a:ext cx="1131335" cy="369332"/>
+              </a:xfrm>
+              <a:prstGeom prst="rect">
+                <a:avLst/>
+              </a:prstGeom>
+              <a:noFill/>
+            </p:spPr>
+            <p:txBody>
+              <a:bodyPr wrap="none" rtlCol="0">
+                <a:spAutoFit/>
+              </a:bodyPr>
+              <a:lstStyle/>
+              <a:p>
+                <a:r>
+                  <a:rPr kumimoji="1" lang="en-US" altLang="zh-CN" dirty="0" err="1"/>
+                  <a:t>ActorWon</a:t>
+                </a:r>
+                <a:endParaRPr kumimoji="1" lang="zh-CN" altLang="en-US" dirty="0"/>
+              </a:p>
+            </p:txBody>
+          </p:sp>
+        </p:grpSp>
+        <p:cxnSp>
+          <p:nvCxnSpPr>
+            <p:cNvPr id="88" name="直线箭头连接符 87">
+              <a:extLst>
+                <a:ext uri="{FF2B5EF4-FFF2-40B4-BE49-F238E27FC236}">
+                  <a16:creationId xmlns:a16="http://schemas.microsoft.com/office/drawing/2014/main" id="{E8BE870C-2390-414C-806B-394351304DCB}"/>
+                </a:ext>
+              </a:extLst>
+            </p:cNvPr>
+            <p:cNvCxnSpPr>
+              <a:stCxn id="35" idx="6"/>
+              <a:endCxn id="70" idx="2"/>
+            </p:cNvCxnSpPr>
+            <p:nvPr/>
+          </p:nvCxnSpPr>
+          <p:spPr>
+            <a:xfrm>
+              <a:off x="10359914" y="3548362"/>
+              <a:ext cx="1377720" cy="403119"/>
+            </a:xfrm>
+            <a:prstGeom prst="straightConnector1">
+              <a:avLst/>
+            </a:prstGeom>
+            <a:ln>
+              <a:tailEnd type="triangle"/>
+            </a:ln>
+          </p:spPr>
+          <p:style>
+            <a:lnRef idx="3">
+              <a:schemeClr val="dk1"/>
+            </a:lnRef>
+            <a:fillRef idx="0">
+              <a:schemeClr val="dk1"/>
+            </a:fillRef>
+            <a:effectRef idx="2">
+              <a:schemeClr val="dk1"/>
+            </a:effectRef>
+            <a:fontRef idx="minor">
+              <a:schemeClr val="tx1"/>
+            </a:fontRef>
+          </p:style>
+        </p:cxnSp>
+        <p:cxnSp>
+          <p:nvCxnSpPr>
+            <p:cNvPr id="90" name="直线箭头连接符 89">
+              <a:extLst>
+                <a:ext uri="{FF2B5EF4-FFF2-40B4-BE49-F238E27FC236}">
+                  <a16:creationId xmlns:a16="http://schemas.microsoft.com/office/drawing/2014/main" id="{8E7141B1-C6B1-E64A-8744-89067CF50858}"/>
+                </a:ext>
+              </a:extLst>
+            </p:cNvPr>
+            <p:cNvCxnSpPr>
+              <a:cxnSpLocks/>
+              <a:stCxn id="52" idx="6"/>
+              <a:endCxn id="70" idx="2"/>
+            </p:cNvCxnSpPr>
+            <p:nvPr/>
+          </p:nvCxnSpPr>
+          <p:spPr>
+            <a:xfrm flipV="1">
+              <a:off x="10366526" y="3951481"/>
+              <a:ext cx="1371108" cy="430228"/>
+            </a:xfrm>
+            <a:prstGeom prst="straightConnector1">
+              <a:avLst/>
+            </a:prstGeom>
+            <a:ln>
+              <a:tailEnd type="triangle"/>
+            </a:ln>
+          </p:spPr>
+          <p:style>
+            <a:lnRef idx="3">
+              <a:schemeClr val="dk1"/>
+            </a:lnRef>
+            <a:fillRef idx="0">
+              <a:schemeClr val="dk1"/>
+            </a:fillRef>
+            <a:effectRef idx="2">
+              <a:schemeClr val="dk1"/>
+            </a:effectRef>
+            <a:fontRef idx="minor">
+              <a:schemeClr val="tx1"/>
+            </a:fontRef>
+          </p:style>
+        </p:cxnSp>
+      </p:grpSp>
+      <p:sp>
+        <p:nvSpPr>
+          <p:cNvPr id="93" name="文本框 92">
+            <a:extLst>
+              <a:ext uri="{FF2B5EF4-FFF2-40B4-BE49-F238E27FC236}">
+                <a16:creationId xmlns:a16="http://schemas.microsoft.com/office/drawing/2014/main" id="{8CDBC156-3404-D54A-82A6-F9D6AA1E1BAF}"/>
+              </a:ext>
+            </a:extLst>
+          </p:cNvPr>
+          <p:cNvSpPr txBox="1"/>
+          <p:nvPr/>
+        </p:nvSpPr>
+        <p:spPr>
+          <a:xfrm>
+            <a:off x="2382131" y="4799128"/>
+            <a:ext cx="8176149" cy="369332"/>
+          </a:xfrm>
+          <a:prstGeom prst="rect">
+            <a:avLst/>
+          </a:prstGeom>
+          <a:noFill/>
+        </p:spPr>
+        <p:txBody>
+          <a:bodyPr wrap="none" rtlCol="0">
+            <a:spAutoFit/>
+          </a:bodyPr>
+          <a:lstStyle/>
+          <a:p>
+            <a:r>
+              <a:rPr kumimoji="1" lang="en-US" altLang="zh-CN" u="sng" dirty="0"/>
+              <a:t>Query Type (LISP-like grammar)</a:t>
+            </a:r>
+            <a:r>
+              <a:rPr kumimoji="1" lang="en-US" altLang="zh-CN" dirty="0"/>
+              <a:t>: </a:t>
+            </a:r>
+            <a:r>
+              <a:rPr kumimoji="1" lang="en-US" altLang="zh-CN" dirty="0">
+                <a:latin typeface="Consolas" panose="020B0609020204030204" pitchFamily="49" charset="0"/>
+                <a:cs typeface="Consolas" panose="020B0609020204030204" pitchFamily="49" charset="0"/>
+              </a:rPr>
+              <a:t>(u,(p,(e)),(p,(</a:t>
+            </a:r>
+            <a:r>
+              <a:rPr kumimoji="1" lang="en-US" altLang="zh-CN" dirty="0" err="1">
+                <a:latin typeface="Consolas" panose="020B0609020204030204" pitchFamily="49" charset="0"/>
+                <a:cs typeface="Consolas" panose="020B0609020204030204" pitchFamily="49" charset="0"/>
+              </a:rPr>
+              <a:t>i</a:t>
+            </a:r>
+            <a:r>
+              <a:rPr kumimoji="1" lang="en-US" altLang="zh-CN" dirty="0">
+                <a:latin typeface="Consolas" panose="020B0609020204030204" pitchFamily="49" charset="0"/>
+                <a:cs typeface="Consolas" panose="020B0609020204030204" pitchFamily="49" charset="0"/>
+              </a:rPr>
+              <a:t>,(p,(e)),(n,(p,(e))))))</a:t>
+            </a:r>
+            <a:endParaRPr kumimoji="1" lang="zh-CN" altLang="en-US" dirty="0">
+              <a:latin typeface="Consolas" panose="020B0609020204030204" pitchFamily="49" charset="0"/>
+              <a:cs typeface="Consolas" panose="020B0609020204030204" pitchFamily="49" charset="0"/>
+            </a:endParaRPr>
+          </a:p>
+        </p:txBody>
+      </p:sp>
+      <p:sp>
+        <p:nvSpPr>
+          <p:cNvPr id="95" name="椭圆 94">
+            <a:extLst>
+              <a:ext uri="{FF2B5EF4-FFF2-40B4-BE49-F238E27FC236}">
+                <a16:creationId xmlns:a16="http://schemas.microsoft.com/office/drawing/2014/main" id="{A759C6F1-E14E-A04F-BCC3-C064E4AB0164}"/>
+              </a:ext>
+            </a:extLst>
+          </p:cNvPr>
+          <p:cNvSpPr/>
+          <p:nvPr/>
+        </p:nvSpPr>
+        <p:spPr>
+          <a:xfrm>
+            <a:off x="13092810" y="3494385"/>
+            <a:ext cx="360000" cy="360000"/>
+          </a:xfrm>
+          <a:prstGeom prst="ellipse">
+            <a:avLst/>
+          </a:prstGeom>
+        </p:spPr>
+        <p:style>
+          <a:lnRef idx="1">
+            <a:schemeClr val="accent4"/>
+          </a:lnRef>
+          <a:fillRef idx="2">
+            <a:schemeClr val="accent4"/>
+          </a:fillRef>
+          <a:effectRef idx="1">
+            <a:schemeClr val="accent4"/>
+          </a:effectRef>
+          <a:fontRef idx="minor">
+            <a:schemeClr val="dk1"/>
+          </a:fontRef>
+        </p:style>
+        <p:txBody>
+          <a:bodyPr rtlCol="0" anchor="ctr"/>
+          <a:lstStyle/>
+          <a:p>
+            <a:pPr algn="ctr"/>
+            <a:r>
+              <a:rPr kumimoji="1" lang="en-US" altLang="zh-CN" dirty="0" err="1">
+                <a:latin typeface="Consolas" panose="020B0609020204030204" pitchFamily="49" charset="0"/>
+                <a:cs typeface="Consolas" panose="020B0609020204030204" pitchFamily="49" charset="0"/>
+              </a:rPr>
+              <a:t>i</a:t>
+            </a:r>
+            <a:endParaRPr kumimoji="1" lang="zh-CN" altLang="en-US" dirty="0">
+              <a:latin typeface="Consolas" panose="020B0609020204030204" pitchFamily="49" charset="0"/>
+              <a:cs typeface="Consolas" panose="020B0609020204030204" pitchFamily="49" charset="0"/>
+            </a:endParaRPr>
+          </a:p>
+        </p:txBody>
+      </p:sp>
+      <p:sp>
+        <p:nvSpPr>
+          <p:cNvPr id="96" name="椭圆 95">
+            <a:extLst>
+              <a:ext uri="{FF2B5EF4-FFF2-40B4-BE49-F238E27FC236}">
+                <a16:creationId xmlns:a16="http://schemas.microsoft.com/office/drawing/2014/main" id="{689A4D21-1FF9-6C49-8119-67846838A718}"/>
+              </a:ext>
+            </a:extLst>
+          </p:cNvPr>
+          <p:cNvSpPr/>
+          <p:nvPr/>
+        </p:nvSpPr>
+        <p:spPr>
+          <a:xfrm>
+            <a:off x="13571076" y="3494385"/>
+            <a:ext cx="360000" cy="360000"/>
+          </a:xfrm>
+          <a:prstGeom prst="ellipse">
+            <a:avLst/>
+          </a:prstGeom>
+        </p:spPr>
+        <p:style>
+          <a:lnRef idx="1">
+            <a:schemeClr val="accent2"/>
+          </a:lnRef>
+          <a:fillRef idx="2">
+            <a:schemeClr val="accent2"/>
+          </a:fillRef>
+          <a:effectRef idx="1">
+            <a:schemeClr val="accent2"/>
+          </a:effectRef>
+          <a:fontRef idx="minor">
+            <a:schemeClr val="dk1"/>
+          </a:fontRef>
+        </p:style>
+        <p:txBody>
+          <a:bodyPr rtlCol="0" anchor="ctr"/>
+          <a:lstStyle/>
+          <a:p>
+            <a:pPr algn="ctr"/>
+            <a:r>
+              <a:rPr kumimoji="1" lang="en-US" altLang="zh-CN" dirty="0">
+                <a:latin typeface="Consolas" panose="020B0609020204030204" pitchFamily="49" charset="0"/>
+                <a:cs typeface="Consolas" panose="020B0609020204030204" pitchFamily="49" charset="0"/>
+              </a:rPr>
+              <a:t>n</a:t>
+            </a:r>
+            <a:endParaRPr kumimoji="1" lang="zh-CN" altLang="en-US" dirty="0">
+              <a:latin typeface="Consolas" panose="020B0609020204030204" pitchFamily="49" charset="0"/>
+              <a:cs typeface="Consolas" panose="020B0609020204030204" pitchFamily="49" charset="0"/>
+            </a:endParaRPr>
+          </a:p>
+        </p:txBody>
+      </p:sp>
+      <p:sp>
+        <p:nvSpPr>
+          <p:cNvPr id="97" name="椭圆 96">
+            <a:extLst>
+              <a:ext uri="{FF2B5EF4-FFF2-40B4-BE49-F238E27FC236}">
+                <a16:creationId xmlns:a16="http://schemas.microsoft.com/office/drawing/2014/main" id="{1CD55431-E518-4344-AE04-9FB4F9625347}"/>
+              </a:ext>
+            </a:extLst>
+          </p:cNvPr>
+          <p:cNvSpPr/>
+          <p:nvPr/>
+        </p:nvSpPr>
+        <p:spPr>
+          <a:xfrm>
+            <a:off x="14049342" y="3494385"/>
+            <a:ext cx="360000" cy="360000"/>
+          </a:xfrm>
+          <a:prstGeom prst="ellipse">
+            <a:avLst/>
+          </a:prstGeom>
+        </p:spPr>
+        <p:style>
+          <a:lnRef idx="1">
+            <a:schemeClr val="accent6"/>
+          </a:lnRef>
+          <a:fillRef idx="2">
+            <a:schemeClr val="accent6"/>
+          </a:fillRef>
+          <a:effectRef idx="1">
+            <a:schemeClr val="accent6"/>
+          </a:effectRef>
+          <a:fontRef idx="minor">
+            <a:schemeClr val="dk1"/>
+          </a:fontRef>
+        </p:style>
+        <p:txBody>
+          <a:bodyPr rtlCol="0" anchor="ctr"/>
+          <a:lstStyle/>
+          <a:p>
+            <a:pPr algn="ctr"/>
+            <a:r>
+              <a:rPr kumimoji="1" lang="en-US" altLang="zh-CN" dirty="0">
+                <a:latin typeface="Consolas" panose="020B0609020204030204" pitchFamily="49" charset="0"/>
+                <a:cs typeface="Consolas" panose="020B0609020204030204" pitchFamily="49" charset="0"/>
+              </a:rPr>
+              <a:t>u</a:t>
+            </a:r>
+            <a:endParaRPr kumimoji="1" lang="zh-CN" altLang="en-US" dirty="0">
+              <a:latin typeface="Consolas" panose="020B0609020204030204" pitchFamily="49" charset="0"/>
+              <a:cs typeface="Consolas" panose="020B0609020204030204" pitchFamily="49" charset="0"/>
+            </a:endParaRPr>
+          </a:p>
+        </p:txBody>
+      </p:sp>
+      <p:sp>
+        <p:nvSpPr>
+          <p:cNvPr id="98" name="椭圆 97">
+            <a:extLst>
+              <a:ext uri="{FF2B5EF4-FFF2-40B4-BE49-F238E27FC236}">
+                <a16:creationId xmlns:a16="http://schemas.microsoft.com/office/drawing/2014/main" id="{C88E1AA0-C80F-7B46-B228-908A5753DF65}"/>
+              </a:ext>
+            </a:extLst>
+          </p:cNvPr>
+          <p:cNvSpPr/>
+          <p:nvPr/>
+        </p:nvSpPr>
+        <p:spPr>
+          <a:xfrm>
+            <a:off x="15005874" y="3494385"/>
+            <a:ext cx="360000" cy="360000"/>
+          </a:xfrm>
+          <a:prstGeom prst="ellipse">
+            <a:avLst/>
+          </a:prstGeom>
+        </p:spPr>
+        <p:style>
+          <a:lnRef idx="1">
+            <a:schemeClr val="accent5"/>
+          </a:lnRef>
+          <a:fillRef idx="2">
+            <a:schemeClr val="accent5"/>
+          </a:fillRef>
+          <a:effectRef idx="1">
+            <a:schemeClr val="accent5"/>
+          </a:effectRef>
+          <a:fontRef idx="minor">
+            <a:schemeClr val="dk1"/>
+          </a:fontRef>
+        </p:style>
+        <p:txBody>
+          <a:bodyPr rtlCol="0" anchor="ctr"/>
+          <a:lstStyle/>
+          <a:p>
+            <a:pPr algn="ctr"/>
+            <a:r>
+              <a:rPr kumimoji="1" lang="en-US" altLang="zh-CN" dirty="0">
+                <a:latin typeface="Consolas" panose="020B0609020204030204" pitchFamily="49" charset="0"/>
+                <a:cs typeface="Consolas" panose="020B0609020204030204" pitchFamily="49" charset="0"/>
+              </a:rPr>
+              <a:t>e</a:t>
+            </a:r>
+            <a:endParaRPr kumimoji="1" lang="zh-CN" altLang="en-US" dirty="0">
+              <a:latin typeface="Consolas" panose="020B0609020204030204" pitchFamily="49" charset="0"/>
+              <a:cs typeface="Consolas" panose="020B0609020204030204" pitchFamily="49" charset="0"/>
+            </a:endParaRPr>
+          </a:p>
+        </p:txBody>
+      </p:sp>
+      <p:sp>
+        <p:nvSpPr>
+          <p:cNvPr id="99" name="椭圆 98">
+            <a:extLst>
+              <a:ext uri="{FF2B5EF4-FFF2-40B4-BE49-F238E27FC236}">
+                <a16:creationId xmlns:a16="http://schemas.microsoft.com/office/drawing/2014/main" id="{F1412CC7-79D7-0F49-A1D4-13A5A5A5A492}"/>
+              </a:ext>
+            </a:extLst>
+          </p:cNvPr>
+          <p:cNvSpPr/>
+          <p:nvPr/>
+        </p:nvSpPr>
+        <p:spPr>
+          <a:xfrm>
+            <a:off x="14527608" y="3494385"/>
+            <a:ext cx="360000" cy="360000"/>
+          </a:xfrm>
+          <a:prstGeom prst="ellipse">
+            <a:avLst/>
+          </a:prstGeom>
+        </p:spPr>
+        <p:style>
+          <a:lnRef idx="1">
+            <a:schemeClr val="accent3"/>
+          </a:lnRef>
+          <a:fillRef idx="2">
+            <a:schemeClr val="accent3"/>
+          </a:fillRef>
+          <a:effectRef idx="1">
+            <a:schemeClr val="accent3"/>
+          </a:effectRef>
+          <a:fontRef idx="minor">
+            <a:schemeClr val="dk1"/>
+          </a:fontRef>
+        </p:style>
+        <p:txBody>
+          <a:bodyPr rtlCol="0" anchor="ctr"/>
+          <a:lstStyle/>
+          <a:p>
+            <a:pPr algn="ctr"/>
+            <a:r>
+              <a:rPr kumimoji="1" lang="en-US" altLang="zh-CN" dirty="0">
+                <a:latin typeface="Consolas" panose="020B0609020204030204" pitchFamily="49" charset="0"/>
+                <a:cs typeface="Consolas" panose="020B0609020204030204" pitchFamily="49" charset="0"/>
+              </a:rPr>
+              <a:t>p</a:t>
+            </a:r>
+            <a:endParaRPr kumimoji="1" lang="zh-CN" altLang="en-US" dirty="0">
+              <a:latin typeface="Consolas" panose="020B0609020204030204" pitchFamily="49" charset="0"/>
+              <a:cs typeface="Consolas" panose="020B0609020204030204" pitchFamily="49" charset="0"/>
+            </a:endParaRPr>
+          </a:p>
+        </p:txBody>
+      </p:sp>
+      <p:sp>
+        <p:nvSpPr>
+          <p:cNvPr id="100" name="文本框 99">
+            <a:extLst>
+              <a:ext uri="{FF2B5EF4-FFF2-40B4-BE49-F238E27FC236}">
+                <a16:creationId xmlns:a16="http://schemas.microsoft.com/office/drawing/2014/main" id="{0C75F75F-E2FD-3A41-B7F9-657760EF0C40}"/>
+              </a:ext>
+            </a:extLst>
+          </p:cNvPr>
+          <p:cNvSpPr txBox="1"/>
+          <p:nvPr/>
+        </p:nvSpPr>
+        <p:spPr>
+          <a:xfrm>
+            <a:off x="13571076" y="2901934"/>
+            <a:ext cx="1120563" cy="369332"/>
+          </a:xfrm>
+          <a:prstGeom prst="rect">
+            <a:avLst/>
+          </a:prstGeom>
+          <a:noFill/>
+        </p:spPr>
+        <p:txBody>
+          <a:bodyPr wrap="none" rtlCol="0">
+            <a:spAutoFit/>
+          </a:bodyPr>
+          <a:lstStyle/>
+          <a:p>
+            <a:r>
+              <a:rPr kumimoji="1" lang="en-US" altLang="zh-CN" dirty="0"/>
+              <a:t>Operators</a:t>
+            </a:r>
+            <a:endParaRPr kumimoji="1" lang="zh-CN" altLang="en-US" dirty="0"/>
+          </a:p>
+        </p:txBody>
+      </p:sp>
+    </p:spTree>
+    <p:extLst>
+      <p:ext uri="{BB962C8B-B14F-4D97-AF65-F5344CB8AC3E}">
+        <p14:creationId xmlns:p14="http://schemas.microsoft.com/office/powerpoint/2010/main" val="3259795214"/>
+      </p:ext>
+    </p:extLst>
+  </p:cSld>
+  <p:clrMapOvr>
+    <a:masterClrMapping/>
+  </p:clrMapOvr>
+</p:sld>
+</file>
+
 <file path=ppt/theme/theme1.xml><?xml version="1.0" encoding="utf-8"?>
 <a:theme xmlns:a="http://schemas.openxmlformats.org/drawingml/2006/main" name="Office 主题​​">
   <a:themeElements>

--- a/figures/draw_figures.pptx
+++ b/figures/draw_figures.pptx
@@ -6259,7 +6259,7 @@
           <a:p>
             <a:r>
               <a:rPr kumimoji="1" lang="en-US" altLang="zh-CN" u="sng" dirty="0"/>
-              <a:t>EFO1 (Original)</a:t>
+              <a:t>EFO-1</a:t>
             </a:r>
             <a:r>
               <a:rPr kumimoji="1" lang="zh-CN" altLang="en-US" u="sng" dirty="0"/>
@@ -6268,6 +6268,14 @@
             <a:r>
               <a:rPr kumimoji="1" lang="en-US" altLang="zh-CN" u="sng" dirty="0"/>
               <a:t>Formula</a:t>
+            </a:r>
+            <a:r>
+              <a:rPr kumimoji="1" lang="zh-CN" altLang="en-US" u="sng" dirty="0"/>
+              <a:t> </a:t>
+            </a:r>
+            <a:r>
+              <a:rPr kumimoji="1" lang="en-US" altLang="zh-CN" u="sng" dirty="0"/>
+              <a:t>(Original)</a:t>
             </a:r>
             <a:endParaRPr kumimoji="1" lang="zh-CN" altLang="en-US" u="sng" dirty="0"/>
           </a:p>
@@ -8288,8 +8296,8 @@
         </p:nvSpPr>
         <p:spPr>
           <a:xfrm>
-            <a:off x="1955976" y="8496941"/>
-            <a:ext cx="4321964" cy="369332"/>
+            <a:off x="1955975" y="8496941"/>
+            <a:ext cx="4781549" cy="369332"/>
           </a:xfrm>
           <a:prstGeom prst="rect">
             <a:avLst/>
@@ -8304,7 +8312,7 @@
           <a:p>
             <a:r>
               <a:rPr kumimoji="1" lang="en-US" altLang="zh-CN" dirty="0"/>
-              <a:t>JSON-like grounded query on KG (Append D)</a:t>
+              <a:t>JSON-like grounded query on KG (Appendix D)</a:t>
             </a:r>
           </a:p>
         </p:txBody>
@@ -11463,7 +11471,7 @@
             </a:br>
             <a:r>
               <a:rPr kumimoji="1" lang="en-US" altLang="zh-CN" u="sng" dirty="0"/>
-              <a:t>(Section 3.3)</a:t>
+              <a:t>       (Section 3.3)</a:t>
             </a:r>
             <a:endParaRPr kumimoji="1" lang="zh-CN" altLang="en-US" u="sng" dirty="0"/>
           </a:p>
